--- a/Documentation/Presentation.pptx
+++ b/Documentation/Presentation.pptx
@@ -5,7 +5,7 @@
     <p:sldMasterId id="2147483648" r:id="rId1"/>
   </p:sldMasterIdLst>
   <p:notesMasterIdLst>
-    <p:notesMasterId r:id="rId12"/>
+    <p:notesMasterId r:id="rId23"/>
   </p:notesMasterIdLst>
   <p:sldIdLst>
     <p:sldId id="256" r:id="rId2"/>
@@ -14,10 +14,21 @@
     <p:sldId id="271" r:id="rId5"/>
     <p:sldId id="272" r:id="rId6"/>
     <p:sldId id="276" r:id="rId7"/>
-    <p:sldId id="273" r:id="rId8"/>
-    <p:sldId id="274" r:id="rId9"/>
-    <p:sldId id="275" r:id="rId10"/>
-    <p:sldId id="269" r:id="rId11"/>
+    <p:sldId id="277" r:id="rId8"/>
+    <p:sldId id="278" r:id="rId9"/>
+    <p:sldId id="279" r:id="rId10"/>
+    <p:sldId id="280" r:id="rId11"/>
+    <p:sldId id="281" r:id="rId12"/>
+    <p:sldId id="273" r:id="rId13"/>
+    <p:sldId id="283" r:id="rId14"/>
+    <p:sldId id="284" r:id="rId15"/>
+    <p:sldId id="285" r:id="rId16"/>
+    <p:sldId id="286" r:id="rId17"/>
+    <p:sldId id="287" r:id="rId18"/>
+    <p:sldId id="282" r:id="rId19"/>
+    <p:sldId id="274" r:id="rId20"/>
+    <p:sldId id="275" r:id="rId21"/>
+    <p:sldId id="269" r:id="rId22"/>
   </p:sldIdLst>
   <p:sldSz cx="9144000" cy="6858000" type="screen4x3"/>
   <p:notesSz cx="6858000" cy="9144000"/>
@@ -604,6 +615,831 @@
 </p:notes>
 </file>
 
+<file path=ppt/notesSlides/notesSlide10.xml><?xml version="1.0" encoding="utf-8"?>
+<p:notes xmlns:a="http://schemas.openxmlformats.org/drawingml/2006/main" xmlns:r="http://schemas.openxmlformats.org/officeDocument/2006/relationships" xmlns:p="http://schemas.openxmlformats.org/presentationml/2006/main">
+  <p:cSld>
+    <p:spTree>
+      <p:nvGrpSpPr>
+        <p:cNvPr id="1" name=""/>
+        <p:cNvGrpSpPr/>
+        <p:nvPr/>
+      </p:nvGrpSpPr>
+      <p:grpSpPr>
+        <a:xfrm>
+          <a:off x="0" y="0"/>
+          <a:ext cx="0" cy="0"/>
+          <a:chOff x="0" y="0"/>
+          <a:chExt cx="0" cy="0"/>
+        </a:xfrm>
+      </p:grpSpPr>
+      <p:sp>
+        <p:nvSpPr>
+          <p:cNvPr id="2" name="Slide Image Placeholder 1"/>
+          <p:cNvSpPr>
+            <a:spLocks noGrp="1" noRot="1" noChangeAspect="1"/>
+          </p:cNvSpPr>
+          <p:nvPr>
+            <p:ph type="sldImg"/>
+          </p:nvPr>
+        </p:nvSpPr>
+        <p:spPr/>
+      </p:sp>
+      <p:sp>
+        <p:nvSpPr>
+          <p:cNvPr id="3" name="Notes Placeholder 2"/>
+          <p:cNvSpPr>
+            <a:spLocks noGrp="1"/>
+          </p:cNvSpPr>
+          <p:nvPr>
+            <p:ph type="body" idx="1"/>
+          </p:nvPr>
+        </p:nvSpPr>
+        <p:spPr/>
+        <p:txBody>
+          <a:bodyPr/>
+          <a:lstStyle/>
+          <a:p>
+            <a:r>
+              <a:rPr lang="en-US" dirty="0"/>
+              <a:t>As I went through this research, more and more things pointed back to why Khot’s Conjecture is so interesting. In this case, it was that Kenneth Appel and Wolfgang Haken proved the four-color theorem using computers, but because the computer-assisted proof was impossible for a human to verify there were many doubts. Just going to show how some problems can indeed be NP-Hard to verify.</a:t>
+            </a:r>
+          </a:p>
+          <a:p>
+            <a:endParaRPr lang="en-US" dirty="0"/>
+          </a:p>
+          <a:p>
+            <a:r>
+              <a:rPr lang="en-US" dirty="0"/>
+              <a:t>Because of the four-color theorem, if any branch got to the point where it needed to create a 5th color for the next step to be valid, we pruned it. More specifically, our program only knew of four colors and would cut the branch if none of the 4 worked.</a:t>
+            </a:r>
+          </a:p>
+        </p:txBody>
+      </p:sp>
+      <p:sp>
+        <p:nvSpPr>
+          <p:cNvPr id="4" name="Slide Number Placeholder 3"/>
+          <p:cNvSpPr>
+            <a:spLocks noGrp="1"/>
+          </p:cNvSpPr>
+          <p:nvPr>
+            <p:ph type="sldNum" sz="quarter" idx="5"/>
+          </p:nvPr>
+        </p:nvSpPr>
+        <p:spPr/>
+        <p:txBody>
+          <a:bodyPr/>
+          <a:lstStyle/>
+          <a:p>
+            <a:fld id="{72CB0591-C279-4349-82C1-6126AFF98915}" type="slidenum">
+              <a:rPr lang="en-US" smtClean="0"/>
+              <a:t>12</a:t>
+            </a:fld>
+            <a:endParaRPr lang="en-US"/>
+          </a:p>
+        </p:txBody>
+      </p:sp>
+    </p:spTree>
+    <p:extLst>
+      <p:ext uri="{BB962C8B-B14F-4D97-AF65-F5344CB8AC3E}">
+        <p14:creationId xmlns:p14="http://schemas.microsoft.com/office/powerpoint/2010/main" val="420856735"/>
+      </p:ext>
+    </p:extLst>
+  </p:cSld>
+  <p:clrMapOvr>
+    <a:masterClrMapping/>
+  </p:clrMapOvr>
+</p:notes>
+</file>
+
+<file path=ppt/notesSlides/notesSlide11.xml><?xml version="1.0" encoding="utf-8"?>
+<p:notes xmlns:a="http://schemas.openxmlformats.org/drawingml/2006/main" xmlns:r="http://schemas.openxmlformats.org/officeDocument/2006/relationships" xmlns:p="http://schemas.openxmlformats.org/presentationml/2006/main">
+  <p:cSld>
+    <p:spTree>
+      <p:nvGrpSpPr>
+        <p:cNvPr id="1" name=""/>
+        <p:cNvGrpSpPr/>
+        <p:nvPr/>
+      </p:nvGrpSpPr>
+      <p:grpSpPr>
+        <a:xfrm>
+          <a:off x="0" y="0"/>
+          <a:ext cx="0" cy="0"/>
+          <a:chOff x="0" y="0"/>
+          <a:chExt cx="0" cy="0"/>
+        </a:xfrm>
+      </p:grpSpPr>
+      <p:sp>
+        <p:nvSpPr>
+          <p:cNvPr id="2" name="Slide Image Placeholder 1"/>
+          <p:cNvSpPr>
+            <a:spLocks noGrp="1" noRot="1" noChangeAspect="1"/>
+          </p:cNvSpPr>
+          <p:nvPr>
+            <p:ph type="sldImg"/>
+          </p:nvPr>
+        </p:nvSpPr>
+        <p:spPr/>
+      </p:sp>
+      <p:sp>
+        <p:nvSpPr>
+          <p:cNvPr id="3" name="Notes Placeholder 2"/>
+          <p:cNvSpPr>
+            <a:spLocks noGrp="1"/>
+          </p:cNvSpPr>
+          <p:nvPr>
+            <p:ph type="body" idx="1"/>
+          </p:nvPr>
+        </p:nvSpPr>
+        <p:spPr/>
+        <p:txBody>
+          <a:bodyPr/>
+          <a:lstStyle/>
+          <a:p>
+            <a:r>
+              <a:rPr lang="en-US" dirty="0"/>
+              <a:t>We used two sets of heuristics for this problem that were all mutated and adjusted by the genetic algorithm. The first set was used to determine which of the graphs in the stack were potentially easier to solve. The second set was used in each graph to determine which node should be the next node to change the color of. A good example of why we chose this method is because in my mind, when coloring a graph, you start with the most complex node first (IE the node with the highest degree) and work around it. Also, it is more valuable in my head to try to continue solving a graph that is almost complete rather than trying to solve a graph that is nearly completely unsolved.</a:t>
+            </a:r>
+          </a:p>
+          <a:p>
+            <a:endParaRPr lang="en-US" dirty="0"/>
+          </a:p>
+          <a:p>
+            <a:endParaRPr lang="en-US" dirty="0"/>
+          </a:p>
+        </p:txBody>
+      </p:sp>
+      <p:sp>
+        <p:nvSpPr>
+          <p:cNvPr id="4" name="Slide Number Placeholder 3"/>
+          <p:cNvSpPr>
+            <a:spLocks noGrp="1"/>
+          </p:cNvSpPr>
+          <p:nvPr>
+            <p:ph type="sldNum" sz="quarter" idx="5"/>
+          </p:nvPr>
+        </p:nvSpPr>
+        <p:spPr/>
+        <p:txBody>
+          <a:bodyPr/>
+          <a:lstStyle/>
+          <a:p>
+            <a:fld id="{72CB0591-C279-4349-82C1-6126AFF98915}" type="slidenum">
+              <a:rPr lang="en-US" smtClean="0"/>
+              <a:t>13</a:t>
+            </a:fld>
+            <a:endParaRPr lang="en-US"/>
+          </a:p>
+        </p:txBody>
+      </p:sp>
+    </p:spTree>
+    <p:extLst>
+      <p:ext uri="{BB962C8B-B14F-4D97-AF65-F5344CB8AC3E}">
+        <p14:creationId xmlns:p14="http://schemas.microsoft.com/office/powerpoint/2010/main" val="420856735"/>
+      </p:ext>
+    </p:extLst>
+  </p:cSld>
+  <p:clrMapOvr>
+    <a:masterClrMapping/>
+  </p:clrMapOvr>
+</p:notes>
+</file>
+
+<file path=ppt/notesSlides/notesSlide12.xml><?xml version="1.0" encoding="utf-8"?>
+<p:notes xmlns:a="http://schemas.openxmlformats.org/drawingml/2006/main" xmlns:r="http://schemas.openxmlformats.org/officeDocument/2006/relationships" xmlns:p="http://schemas.openxmlformats.org/presentationml/2006/main">
+  <p:cSld>
+    <p:spTree>
+      <p:nvGrpSpPr>
+        <p:cNvPr id="1" name=""/>
+        <p:cNvGrpSpPr/>
+        <p:nvPr/>
+      </p:nvGrpSpPr>
+      <p:grpSpPr>
+        <a:xfrm>
+          <a:off x="0" y="0"/>
+          <a:ext cx="0" cy="0"/>
+          <a:chOff x="0" y="0"/>
+          <a:chExt cx="0" cy="0"/>
+        </a:xfrm>
+      </p:grpSpPr>
+      <p:sp>
+        <p:nvSpPr>
+          <p:cNvPr id="2" name="Slide Image Placeholder 1"/>
+          <p:cNvSpPr>
+            <a:spLocks noGrp="1" noRot="1" noChangeAspect="1"/>
+          </p:cNvSpPr>
+          <p:nvPr>
+            <p:ph type="sldImg"/>
+          </p:nvPr>
+        </p:nvSpPr>
+        <p:spPr/>
+      </p:sp>
+      <p:sp>
+        <p:nvSpPr>
+          <p:cNvPr id="3" name="Notes Placeholder 2"/>
+          <p:cNvSpPr>
+            <a:spLocks noGrp="1"/>
+          </p:cNvSpPr>
+          <p:nvPr>
+            <p:ph type="body" idx="1"/>
+          </p:nvPr>
+        </p:nvSpPr>
+        <p:spPr/>
+        <p:txBody>
+          <a:bodyPr/>
+          <a:lstStyle/>
+          <a:p>
+            <a:r>
+              <a:rPr lang="en-US" dirty="0"/>
+              <a:t>Yellow = Max Fitness</a:t>
+            </a:r>
+          </a:p>
+          <a:p>
+            <a:r>
+              <a:rPr lang="en-US" dirty="0"/>
+              <a:t>Blue = Average Fitness</a:t>
+            </a:r>
+          </a:p>
+          <a:p>
+            <a:r>
+              <a:rPr lang="en-US" dirty="0"/>
+              <a:t>Red = Min Fitness</a:t>
+            </a:r>
+          </a:p>
+        </p:txBody>
+      </p:sp>
+      <p:sp>
+        <p:nvSpPr>
+          <p:cNvPr id="4" name="Slide Number Placeholder 3"/>
+          <p:cNvSpPr>
+            <a:spLocks noGrp="1"/>
+          </p:cNvSpPr>
+          <p:nvPr>
+            <p:ph type="sldNum" sz="quarter" idx="5"/>
+          </p:nvPr>
+        </p:nvSpPr>
+        <p:spPr/>
+        <p:txBody>
+          <a:bodyPr/>
+          <a:lstStyle/>
+          <a:p>
+            <a:fld id="{72CB0591-C279-4349-82C1-6126AFF98915}" type="slidenum">
+              <a:rPr lang="en-US" smtClean="0"/>
+              <a:t>14</a:t>
+            </a:fld>
+            <a:endParaRPr lang="en-US"/>
+          </a:p>
+        </p:txBody>
+      </p:sp>
+    </p:spTree>
+    <p:extLst>
+      <p:ext uri="{BB962C8B-B14F-4D97-AF65-F5344CB8AC3E}">
+        <p14:creationId xmlns:p14="http://schemas.microsoft.com/office/powerpoint/2010/main" val="420856735"/>
+      </p:ext>
+    </p:extLst>
+  </p:cSld>
+  <p:clrMapOvr>
+    <a:masterClrMapping/>
+  </p:clrMapOvr>
+</p:notes>
+</file>
+
+<file path=ppt/notesSlides/notesSlide13.xml><?xml version="1.0" encoding="utf-8"?>
+<p:notes xmlns:a="http://schemas.openxmlformats.org/drawingml/2006/main" xmlns:r="http://schemas.openxmlformats.org/officeDocument/2006/relationships" xmlns:p="http://schemas.openxmlformats.org/presentationml/2006/main">
+  <p:cSld>
+    <p:spTree>
+      <p:nvGrpSpPr>
+        <p:cNvPr id="1" name=""/>
+        <p:cNvGrpSpPr/>
+        <p:nvPr/>
+      </p:nvGrpSpPr>
+      <p:grpSpPr>
+        <a:xfrm>
+          <a:off x="0" y="0"/>
+          <a:ext cx="0" cy="0"/>
+          <a:chOff x="0" y="0"/>
+          <a:chExt cx="0" cy="0"/>
+        </a:xfrm>
+      </p:grpSpPr>
+      <p:sp>
+        <p:nvSpPr>
+          <p:cNvPr id="2" name="Slide Image Placeholder 1"/>
+          <p:cNvSpPr>
+            <a:spLocks noGrp="1" noRot="1" noChangeAspect="1"/>
+          </p:cNvSpPr>
+          <p:nvPr>
+            <p:ph type="sldImg"/>
+          </p:nvPr>
+        </p:nvSpPr>
+        <p:spPr/>
+      </p:sp>
+      <p:sp>
+        <p:nvSpPr>
+          <p:cNvPr id="3" name="Notes Placeholder 2"/>
+          <p:cNvSpPr>
+            <a:spLocks noGrp="1"/>
+          </p:cNvSpPr>
+          <p:nvPr>
+            <p:ph type="body" idx="1"/>
+          </p:nvPr>
+        </p:nvSpPr>
+        <p:spPr/>
+        <p:txBody>
+          <a:bodyPr/>
+          <a:lstStyle/>
+          <a:p>
+            <a:r>
+              <a:rPr lang="en-US" dirty="0"/>
+              <a:t>Yellow = Max Fitness</a:t>
+            </a:r>
+          </a:p>
+          <a:p>
+            <a:r>
+              <a:rPr lang="en-US" dirty="0"/>
+              <a:t>Blue = Average Fitness</a:t>
+            </a:r>
+          </a:p>
+          <a:p>
+            <a:r>
+              <a:rPr lang="en-US" dirty="0"/>
+              <a:t>Red = Min Fitness</a:t>
+            </a:r>
+          </a:p>
+        </p:txBody>
+      </p:sp>
+      <p:sp>
+        <p:nvSpPr>
+          <p:cNvPr id="4" name="Slide Number Placeholder 3"/>
+          <p:cNvSpPr>
+            <a:spLocks noGrp="1"/>
+          </p:cNvSpPr>
+          <p:nvPr>
+            <p:ph type="sldNum" sz="quarter" idx="5"/>
+          </p:nvPr>
+        </p:nvSpPr>
+        <p:spPr/>
+        <p:txBody>
+          <a:bodyPr/>
+          <a:lstStyle/>
+          <a:p>
+            <a:fld id="{72CB0591-C279-4349-82C1-6126AFF98915}" type="slidenum">
+              <a:rPr lang="en-US" smtClean="0"/>
+              <a:t>15</a:t>
+            </a:fld>
+            <a:endParaRPr lang="en-US"/>
+          </a:p>
+        </p:txBody>
+      </p:sp>
+    </p:spTree>
+    <p:extLst>
+      <p:ext uri="{BB962C8B-B14F-4D97-AF65-F5344CB8AC3E}">
+        <p14:creationId xmlns:p14="http://schemas.microsoft.com/office/powerpoint/2010/main" val="420856735"/>
+      </p:ext>
+    </p:extLst>
+  </p:cSld>
+  <p:clrMapOvr>
+    <a:masterClrMapping/>
+  </p:clrMapOvr>
+</p:notes>
+</file>
+
+<file path=ppt/notesSlides/notesSlide14.xml><?xml version="1.0" encoding="utf-8"?>
+<p:notes xmlns:a="http://schemas.openxmlformats.org/drawingml/2006/main" xmlns:r="http://schemas.openxmlformats.org/officeDocument/2006/relationships" xmlns:p="http://schemas.openxmlformats.org/presentationml/2006/main">
+  <p:cSld>
+    <p:spTree>
+      <p:nvGrpSpPr>
+        <p:cNvPr id="1" name=""/>
+        <p:cNvGrpSpPr/>
+        <p:nvPr/>
+      </p:nvGrpSpPr>
+      <p:grpSpPr>
+        <a:xfrm>
+          <a:off x="0" y="0"/>
+          <a:ext cx="0" cy="0"/>
+          <a:chOff x="0" y="0"/>
+          <a:chExt cx="0" cy="0"/>
+        </a:xfrm>
+      </p:grpSpPr>
+      <p:sp>
+        <p:nvSpPr>
+          <p:cNvPr id="2" name="Slide Image Placeholder 1"/>
+          <p:cNvSpPr>
+            <a:spLocks noGrp="1" noRot="1" noChangeAspect="1"/>
+          </p:cNvSpPr>
+          <p:nvPr>
+            <p:ph type="sldImg"/>
+          </p:nvPr>
+        </p:nvSpPr>
+        <p:spPr/>
+      </p:sp>
+      <p:sp>
+        <p:nvSpPr>
+          <p:cNvPr id="3" name="Notes Placeholder 2"/>
+          <p:cNvSpPr>
+            <a:spLocks noGrp="1"/>
+          </p:cNvSpPr>
+          <p:nvPr>
+            <p:ph type="body" idx="1"/>
+          </p:nvPr>
+        </p:nvSpPr>
+        <p:spPr/>
+        <p:txBody>
+          <a:bodyPr/>
+          <a:lstStyle/>
+          <a:p>
+            <a:r>
+              <a:rPr lang="en-US" dirty="0"/>
+              <a:t>Yellow = Max Fitness</a:t>
+            </a:r>
+          </a:p>
+          <a:p>
+            <a:r>
+              <a:rPr lang="en-US" dirty="0"/>
+              <a:t>Blue = Average Fitness</a:t>
+            </a:r>
+          </a:p>
+          <a:p>
+            <a:r>
+              <a:rPr lang="en-US" dirty="0"/>
+              <a:t>Red = Min Fitness</a:t>
+            </a:r>
+          </a:p>
+        </p:txBody>
+      </p:sp>
+      <p:sp>
+        <p:nvSpPr>
+          <p:cNvPr id="4" name="Slide Number Placeholder 3"/>
+          <p:cNvSpPr>
+            <a:spLocks noGrp="1"/>
+          </p:cNvSpPr>
+          <p:nvPr>
+            <p:ph type="sldNum" sz="quarter" idx="5"/>
+          </p:nvPr>
+        </p:nvSpPr>
+        <p:spPr/>
+        <p:txBody>
+          <a:bodyPr/>
+          <a:lstStyle/>
+          <a:p>
+            <a:fld id="{72CB0591-C279-4349-82C1-6126AFF98915}" type="slidenum">
+              <a:rPr lang="en-US" smtClean="0"/>
+              <a:t>16</a:t>
+            </a:fld>
+            <a:endParaRPr lang="en-US"/>
+          </a:p>
+        </p:txBody>
+      </p:sp>
+    </p:spTree>
+    <p:extLst>
+      <p:ext uri="{BB962C8B-B14F-4D97-AF65-F5344CB8AC3E}">
+        <p14:creationId xmlns:p14="http://schemas.microsoft.com/office/powerpoint/2010/main" val="420856735"/>
+      </p:ext>
+    </p:extLst>
+  </p:cSld>
+  <p:clrMapOvr>
+    <a:masterClrMapping/>
+  </p:clrMapOvr>
+</p:notes>
+</file>
+
+<file path=ppt/notesSlides/notesSlide15.xml><?xml version="1.0" encoding="utf-8"?>
+<p:notes xmlns:a="http://schemas.openxmlformats.org/drawingml/2006/main" xmlns:r="http://schemas.openxmlformats.org/officeDocument/2006/relationships" xmlns:p="http://schemas.openxmlformats.org/presentationml/2006/main">
+  <p:cSld>
+    <p:spTree>
+      <p:nvGrpSpPr>
+        <p:cNvPr id="1" name=""/>
+        <p:cNvGrpSpPr/>
+        <p:nvPr/>
+      </p:nvGrpSpPr>
+      <p:grpSpPr>
+        <a:xfrm>
+          <a:off x="0" y="0"/>
+          <a:ext cx="0" cy="0"/>
+          <a:chOff x="0" y="0"/>
+          <a:chExt cx="0" cy="0"/>
+        </a:xfrm>
+      </p:grpSpPr>
+      <p:sp>
+        <p:nvSpPr>
+          <p:cNvPr id="2" name="Slide Image Placeholder 1"/>
+          <p:cNvSpPr>
+            <a:spLocks noGrp="1" noRot="1" noChangeAspect="1"/>
+          </p:cNvSpPr>
+          <p:nvPr>
+            <p:ph type="sldImg"/>
+          </p:nvPr>
+        </p:nvSpPr>
+        <p:spPr/>
+      </p:sp>
+      <p:sp>
+        <p:nvSpPr>
+          <p:cNvPr id="3" name="Notes Placeholder 2"/>
+          <p:cNvSpPr>
+            <a:spLocks noGrp="1"/>
+          </p:cNvSpPr>
+          <p:nvPr>
+            <p:ph type="body" idx="1"/>
+          </p:nvPr>
+        </p:nvSpPr>
+        <p:spPr/>
+        <p:txBody>
+          <a:bodyPr/>
+          <a:lstStyle/>
+          <a:p>
+            <a:endParaRPr lang="en-US" dirty="0"/>
+          </a:p>
+        </p:txBody>
+      </p:sp>
+      <p:sp>
+        <p:nvSpPr>
+          <p:cNvPr id="4" name="Slide Number Placeholder 3"/>
+          <p:cNvSpPr>
+            <a:spLocks noGrp="1"/>
+          </p:cNvSpPr>
+          <p:nvPr>
+            <p:ph type="sldNum" sz="quarter" idx="5"/>
+          </p:nvPr>
+        </p:nvSpPr>
+        <p:spPr/>
+        <p:txBody>
+          <a:bodyPr/>
+          <a:lstStyle/>
+          <a:p>
+            <a:fld id="{72CB0591-C279-4349-82C1-6126AFF98915}" type="slidenum">
+              <a:rPr lang="en-US" smtClean="0"/>
+              <a:t>17</a:t>
+            </a:fld>
+            <a:endParaRPr lang="en-US"/>
+          </a:p>
+        </p:txBody>
+      </p:sp>
+    </p:spTree>
+    <p:extLst>
+      <p:ext uri="{BB962C8B-B14F-4D97-AF65-F5344CB8AC3E}">
+        <p14:creationId xmlns:p14="http://schemas.microsoft.com/office/powerpoint/2010/main" val="420856735"/>
+      </p:ext>
+    </p:extLst>
+  </p:cSld>
+  <p:clrMapOvr>
+    <a:masterClrMapping/>
+  </p:clrMapOvr>
+</p:notes>
+</file>
+
+<file path=ppt/notesSlides/notesSlide16.xml><?xml version="1.0" encoding="utf-8"?>
+<p:notes xmlns:a="http://schemas.openxmlformats.org/drawingml/2006/main" xmlns:r="http://schemas.openxmlformats.org/officeDocument/2006/relationships" xmlns:p="http://schemas.openxmlformats.org/presentationml/2006/main">
+  <p:cSld>
+    <p:spTree>
+      <p:nvGrpSpPr>
+        <p:cNvPr id="1" name=""/>
+        <p:cNvGrpSpPr/>
+        <p:nvPr/>
+      </p:nvGrpSpPr>
+      <p:grpSpPr>
+        <a:xfrm>
+          <a:off x="0" y="0"/>
+          <a:ext cx="0" cy="0"/>
+          <a:chOff x="0" y="0"/>
+          <a:chExt cx="0" cy="0"/>
+        </a:xfrm>
+      </p:grpSpPr>
+      <p:sp>
+        <p:nvSpPr>
+          <p:cNvPr id="2" name="Slide Image Placeholder 1"/>
+          <p:cNvSpPr>
+            <a:spLocks noGrp="1" noRot="1" noChangeAspect="1"/>
+          </p:cNvSpPr>
+          <p:nvPr>
+            <p:ph type="sldImg"/>
+          </p:nvPr>
+        </p:nvSpPr>
+        <p:spPr/>
+      </p:sp>
+      <p:sp>
+        <p:nvSpPr>
+          <p:cNvPr id="3" name="Notes Placeholder 2"/>
+          <p:cNvSpPr>
+            <a:spLocks noGrp="1"/>
+          </p:cNvSpPr>
+          <p:nvPr>
+            <p:ph type="body" idx="1"/>
+          </p:nvPr>
+        </p:nvSpPr>
+        <p:spPr/>
+        <p:txBody>
+          <a:bodyPr/>
+          <a:lstStyle/>
+          <a:p>
+            <a:r>
+              <a:rPr lang="en-US" dirty="0"/>
+              <a:t>All in all, I wasn’t happy with the results of the Graph Coloring algorithm because it was kind of all-or-nothing. Either the problem was too simple, and we didn’t get any interesting results, or the problem was too complex and would take my computer 400 years to solve.</a:t>
+            </a:r>
+          </a:p>
+        </p:txBody>
+      </p:sp>
+      <p:sp>
+        <p:nvSpPr>
+          <p:cNvPr id="4" name="Slide Number Placeholder 3"/>
+          <p:cNvSpPr>
+            <a:spLocks noGrp="1"/>
+          </p:cNvSpPr>
+          <p:nvPr>
+            <p:ph type="sldNum" sz="quarter" idx="5"/>
+          </p:nvPr>
+        </p:nvSpPr>
+        <p:spPr/>
+        <p:txBody>
+          <a:bodyPr/>
+          <a:lstStyle/>
+          <a:p>
+            <a:fld id="{72CB0591-C279-4349-82C1-6126AFF98915}" type="slidenum">
+              <a:rPr lang="en-US" smtClean="0"/>
+              <a:t>18</a:t>
+            </a:fld>
+            <a:endParaRPr lang="en-US"/>
+          </a:p>
+        </p:txBody>
+      </p:sp>
+    </p:spTree>
+    <p:extLst>
+      <p:ext uri="{BB962C8B-B14F-4D97-AF65-F5344CB8AC3E}">
+        <p14:creationId xmlns:p14="http://schemas.microsoft.com/office/powerpoint/2010/main" val="420856735"/>
+      </p:ext>
+    </p:extLst>
+  </p:cSld>
+  <p:clrMapOvr>
+    <a:masterClrMapping/>
+  </p:clrMapOvr>
+</p:notes>
+</file>
+
+<file path=ppt/notesSlides/notesSlide17.xml><?xml version="1.0" encoding="utf-8"?>
+<p:notes xmlns:a="http://schemas.openxmlformats.org/drawingml/2006/main" xmlns:r="http://schemas.openxmlformats.org/officeDocument/2006/relationships" xmlns:p="http://schemas.openxmlformats.org/presentationml/2006/main">
+  <p:cSld>
+    <p:spTree>
+      <p:nvGrpSpPr>
+        <p:cNvPr id="1" name=""/>
+        <p:cNvGrpSpPr/>
+        <p:nvPr/>
+      </p:nvGrpSpPr>
+      <p:grpSpPr>
+        <a:xfrm>
+          <a:off x="0" y="0"/>
+          <a:ext cx="0" cy="0"/>
+          <a:chOff x="0" y="0"/>
+          <a:chExt cx="0" cy="0"/>
+        </a:xfrm>
+      </p:grpSpPr>
+      <p:sp>
+        <p:nvSpPr>
+          <p:cNvPr id="2" name="Slide Image Placeholder 1"/>
+          <p:cNvSpPr>
+            <a:spLocks noGrp="1" noRot="1" noChangeAspect="1"/>
+          </p:cNvSpPr>
+          <p:nvPr>
+            <p:ph type="sldImg"/>
+          </p:nvPr>
+        </p:nvSpPr>
+        <p:spPr/>
+      </p:sp>
+      <p:sp>
+        <p:nvSpPr>
+          <p:cNvPr id="3" name="Notes Placeholder 2"/>
+          <p:cNvSpPr>
+            <a:spLocks noGrp="1"/>
+          </p:cNvSpPr>
+          <p:nvPr>
+            <p:ph type="body" idx="1"/>
+          </p:nvPr>
+        </p:nvSpPr>
+        <p:spPr/>
+        <p:txBody>
+          <a:bodyPr/>
+          <a:lstStyle/>
+          <a:p>
+            <a:endParaRPr lang="en-US" dirty="0"/>
+          </a:p>
+        </p:txBody>
+      </p:sp>
+      <p:sp>
+        <p:nvSpPr>
+          <p:cNvPr id="4" name="Slide Number Placeholder 3"/>
+          <p:cNvSpPr>
+            <a:spLocks noGrp="1"/>
+          </p:cNvSpPr>
+          <p:nvPr>
+            <p:ph type="sldNum" sz="quarter" idx="5"/>
+          </p:nvPr>
+        </p:nvSpPr>
+        <p:spPr/>
+        <p:txBody>
+          <a:bodyPr/>
+          <a:lstStyle/>
+          <a:p>
+            <a:fld id="{72CB0591-C279-4349-82C1-6126AFF98915}" type="slidenum">
+              <a:rPr lang="en-US" smtClean="0"/>
+              <a:t>19</a:t>
+            </a:fld>
+            <a:endParaRPr lang="en-US"/>
+          </a:p>
+        </p:txBody>
+      </p:sp>
+    </p:spTree>
+    <p:extLst>
+      <p:ext uri="{BB962C8B-B14F-4D97-AF65-F5344CB8AC3E}">
+        <p14:creationId xmlns:p14="http://schemas.microsoft.com/office/powerpoint/2010/main" val="420856735"/>
+      </p:ext>
+    </p:extLst>
+  </p:cSld>
+  <p:clrMapOvr>
+    <a:masterClrMapping/>
+  </p:clrMapOvr>
+</p:notes>
+</file>
+
+<file path=ppt/notesSlides/notesSlide18.xml><?xml version="1.0" encoding="utf-8"?>
+<p:notes xmlns:a="http://schemas.openxmlformats.org/drawingml/2006/main" xmlns:r="http://schemas.openxmlformats.org/officeDocument/2006/relationships" xmlns:p="http://schemas.openxmlformats.org/presentationml/2006/main">
+  <p:cSld>
+    <p:spTree>
+      <p:nvGrpSpPr>
+        <p:cNvPr id="1" name=""/>
+        <p:cNvGrpSpPr/>
+        <p:nvPr/>
+      </p:nvGrpSpPr>
+      <p:grpSpPr>
+        <a:xfrm>
+          <a:off x="0" y="0"/>
+          <a:ext cx="0" cy="0"/>
+          <a:chOff x="0" y="0"/>
+          <a:chExt cx="0" cy="0"/>
+        </a:xfrm>
+      </p:grpSpPr>
+      <p:sp>
+        <p:nvSpPr>
+          <p:cNvPr id="2" name="Slide Image Placeholder 1"/>
+          <p:cNvSpPr>
+            <a:spLocks noGrp="1" noRot="1" noChangeAspect="1"/>
+          </p:cNvSpPr>
+          <p:nvPr>
+            <p:ph type="sldImg"/>
+          </p:nvPr>
+        </p:nvSpPr>
+        <p:spPr/>
+      </p:sp>
+      <p:sp>
+        <p:nvSpPr>
+          <p:cNvPr id="3" name="Notes Placeholder 2"/>
+          <p:cNvSpPr>
+            <a:spLocks noGrp="1"/>
+          </p:cNvSpPr>
+          <p:nvPr>
+            <p:ph type="body" idx="1"/>
+          </p:nvPr>
+        </p:nvSpPr>
+        <p:spPr/>
+        <p:txBody>
+          <a:bodyPr/>
+          <a:lstStyle/>
+          <a:p>
+            <a:endParaRPr lang="en-US" dirty="0"/>
+          </a:p>
+        </p:txBody>
+      </p:sp>
+      <p:sp>
+        <p:nvSpPr>
+          <p:cNvPr id="4" name="Slide Number Placeholder 3"/>
+          <p:cNvSpPr>
+            <a:spLocks noGrp="1"/>
+          </p:cNvSpPr>
+          <p:nvPr>
+            <p:ph type="sldNum" sz="quarter" idx="5"/>
+          </p:nvPr>
+        </p:nvSpPr>
+        <p:spPr/>
+        <p:txBody>
+          <a:bodyPr/>
+          <a:lstStyle/>
+          <a:p>
+            <a:fld id="{72CB0591-C279-4349-82C1-6126AFF98915}" type="slidenum">
+              <a:rPr lang="en-US" smtClean="0"/>
+              <a:t>20</a:t>
+            </a:fld>
+            <a:endParaRPr lang="en-US"/>
+          </a:p>
+        </p:txBody>
+      </p:sp>
+    </p:spTree>
+    <p:extLst>
+      <p:ext uri="{BB962C8B-B14F-4D97-AF65-F5344CB8AC3E}">
+        <p14:creationId xmlns:p14="http://schemas.microsoft.com/office/powerpoint/2010/main" val="420856735"/>
+      </p:ext>
+    </p:extLst>
+  </p:cSld>
+  <p:clrMapOvr>
+    <a:masterClrMapping/>
+  </p:clrMapOvr>
+</p:notes>
+</file>
+
 <file path=ppt/notesSlides/notesSlide2.xml><?xml version="1.0" encoding="utf-8"?>
 <p:notes xmlns:a="http://schemas.openxmlformats.org/drawingml/2006/main" xmlns:r="http://schemas.openxmlformats.org/officeDocument/2006/relationships" xmlns:p="http://schemas.openxmlformats.org/presentationml/2006/main">
   <p:cSld>
@@ -1029,7 +1865,37 @@
           <a:bodyPr/>
           <a:lstStyle/>
           <a:p>
+            <a:r>
+              <a:rPr lang="en-US" dirty="0"/>
+              <a:t>Due to the confusing nature of Khot’s Conjecture and my interest in genetic algorithms, I wanted to see what a genetic algorithm would do when faced against this problem. My thought was that seeing how the genetic algorithm worked might inspire me to try different methods on the other problems. I learned a ton from this process and watching the genetic algorithm progressed helped me understand why Khot’s Conjecture is so interesting.</a:t>
+            </a:r>
+          </a:p>
+          <a:p>
             <a:endParaRPr lang="en-US" dirty="0"/>
+          </a:p>
+          <a:p>
+            <a:r>
+              <a:rPr lang="en-US" dirty="0"/>
+              <a:t>I produced an interesting formula that forces the size of the total population, and the fittest population used for breeding, to be the perfect value that allows for all the fittest to breed with all others; giving us a fully encapsulated new generation of all parent combinations. Dependent on the variables randomly selected though determines how much of parent 1 the new child will be vs how much of parent 2. Same with the mutation variable.</a:t>
+            </a:r>
+          </a:p>
+          <a:p>
+            <a:endParaRPr lang="en-US" dirty="0"/>
+          </a:p>
+          <a:p>
+            <a:r>
+              <a:rPr lang="en-US" dirty="0"/>
+              <a:t>I used very simple heuristic variables and was correct in my prediction of how the genetic algorithm would tune them. However, what I found incredibly interesting is that you would think the variables would be 1-0-0-1 low weight, high weight, low value, high value, but the genetic algorithm would figure out more optimal solutions for each given instance. For example, you have 5 weight left available in the knapsack, but the next highest “greedy” option weighs 4 leaving space for 1 weight. You, however, have 4 objects left. (v, w) (4, 4) (2.85, 3) (1.85, 2) (.2, 1). A greedy algorithm would take the object with a weight of 4, then an object with a weight of 1 giving you a value of 4.2 for that 5 weight. The optimal answer would be to take the objects with a weight of 3 and 2, giving you a value of 4.7. The genetic algorithm applied very slight adjustments to the heuristic variables to account for these situations. Assume the previous example where the object with weight 1 was .5 weight – with a “low weight” variable set to 1, the 4,.5 weight option would be more satisfying than the 3,2 weight option. By slightly adjusting low weight a little lower, and high weight a little higher the genetic algorithm forced itself to find the correct solution.</a:t>
+            </a:r>
+          </a:p>
+          <a:p>
+            <a:endParaRPr lang="en-US" dirty="0"/>
+          </a:p>
+          <a:p>
+            <a:r>
+              <a:rPr lang="en-US" dirty="0"/>
+              <a:t>Here I learned that while I used the genetic algorithm to solve for the optimal heuristics for a given knapsack problem, that those optional heuristics don’t apply to all knapsack problems. This demonstrated that while using genetic algorithms to solve for heuristic variables can be useful, it shouldn’t be a go-to solution for all CSPs.</a:t>
+            </a:r>
           </a:p>
         </p:txBody>
       </p:sp>
@@ -1059,7 +1925,7 @@
     </p:spTree>
     <p:extLst>
       <p:ext uri="{BB962C8B-B14F-4D97-AF65-F5344CB8AC3E}">
-        <p14:creationId xmlns:p14="http://schemas.microsoft.com/office/powerpoint/2010/main" val="420856735"/>
+        <p14:creationId xmlns:p14="http://schemas.microsoft.com/office/powerpoint/2010/main" val="213907848"/>
       </p:ext>
     </p:extLst>
   </p:cSld>
@@ -1143,7 +2009,7 @@
     </p:spTree>
     <p:extLst>
       <p:ext uri="{BB962C8B-B14F-4D97-AF65-F5344CB8AC3E}">
-        <p14:creationId xmlns:p14="http://schemas.microsoft.com/office/powerpoint/2010/main" val="420856735"/>
+        <p14:creationId xmlns:p14="http://schemas.microsoft.com/office/powerpoint/2010/main" val="837551803"/>
       </p:ext>
     </p:extLst>
   </p:cSld>
@@ -1227,7 +2093,175 @@
     </p:spTree>
     <p:extLst>
       <p:ext uri="{BB962C8B-B14F-4D97-AF65-F5344CB8AC3E}">
-        <p14:creationId xmlns:p14="http://schemas.microsoft.com/office/powerpoint/2010/main" val="420856735"/>
+        <p14:creationId xmlns:p14="http://schemas.microsoft.com/office/powerpoint/2010/main" val="837551803"/>
+      </p:ext>
+    </p:extLst>
+  </p:cSld>
+  <p:clrMapOvr>
+    <a:masterClrMapping/>
+  </p:clrMapOvr>
+</p:notes>
+</file>
+
+<file path=ppt/notesSlides/notesSlide8.xml><?xml version="1.0" encoding="utf-8"?>
+<p:notes xmlns:a="http://schemas.openxmlformats.org/drawingml/2006/main" xmlns:r="http://schemas.openxmlformats.org/officeDocument/2006/relationships" xmlns:p="http://schemas.openxmlformats.org/presentationml/2006/main">
+  <p:cSld>
+    <p:spTree>
+      <p:nvGrpSpPr>
+        <p:cNvPr id="1" name=""/>
+        <p:cNvGrpSpPr/>
+        <p:nvPr/>
+      </p:nvGrpSpPr>
+      <p:grpSpPr>
+        <a:xfrm>
+          <a:off x="0" y="0"/>
+          <a:ext cx="0" cy="0"/>
+          <a:chOff x="0" y="0"/>
+          <a:chExt cx="0" cy="0"/>
+        </a:xfrm>
+      </p:grpSpPr>
+      <p:sp>
+        <p:nvSpPr>
+          <p:cNvPr id="2" name="Slide Image Placeholder 1"/>
+          <p:cNvSpPr>
+            <a:spLocks noGrp="1" noRot="1" noChangeAspect="1"/>
+          </p:cNvSpPr>
+          <p:nvPr>
+            <p:ph type="sldImg"/>
+          </p:nvPr>
+        </p:nvSpPr>
+        <p:spPr/>
+      </p:sp>
+      <p:sp>
+        <p:nvSpPr>
+          <p:cNvPr id="3" name="Notes Placeholder 2"/>
+          <p:cNvSpPr>
+            <a:spLocks noGrp="1"/>
+          </p:cNvSpPr>
+          <p:nvPr>
+            <p:ph type="body" idx="1"/>
+          </p:nvPr>
+        </p:nvSpPr>
+        <p:spPr/>
+        <p:txBody>
+          <a:bodyPr/>
+          <a:lstStyle/>
+          <a:p>
+            <a:endParaRPr lang="en-US" dirty="0"/>
+          </a:p>
+        </p:txBody>
+      </p:sp>
+      <p:sp>
+        <p:nvSpPr>
+          <p:cNvPr id="4" name="Slide Number Placeholder 3"/>
+          <p:cNvSpPr>
+            <a:spLocks noGrp="1"/>
+          </p:cNvSpPr>
+          <p:nvPr>
+            <p:ph type="sldNum" sz="quarter" idx="5"/>
+          </p:nvPr>
+        </p:nvSpPr>
+        <p:spPr/>
+        <p:txBody>
+          <a:bodyPr/>
+          <a:lstStyle/>
+          <a:p>
+            <a:fld id="{72CB0591-C279-4349-82C1-6126AFF98915}" type="slidenum">
+              <a:rPr lang="en-US" smtClean="0"/>
+              <a:t>10</a:t>
+            </a:fld>
+            <a:endParaRPr lang="en-US"/>
+          </a:p>
+        </p:txBody>
+      </p:sp>
+    </p:spTree>
+    <p:extLst>
+      <p:ext uri="{BB962C8B-B14F-4D97-AF65-F5344CB8AC3E}">
+        <p14:creationId xmlns:p14="http://schemas.microsoft.com/office/powerpoint/2010/main" val="837551803"/>
+      </p:ext>
+    </p:extLst>
+  </p:cSld>
+  <p:clrMapOvr>
+    <a:masterClrMapping/>
+  </p:clrMapOvr>
+</p:notes>
+</file>
+
+<file path=ppt/notesSlides/notesSlide9.xml><?xml version="1.0" encoding="utf-8"?>
+<p:notes xmlns:a="http://schemas.openxmlformats.org/drawingml/2006/main" xmlns:r="http://schemas.openxmlformats.org/officeDocument/2006/relationships" xmlns:p="http://schemas.openxmlformats.org/presentationml/2006/main">
+  <p:cSld>
+    <p:spTree>
+      <p:nvGrpSpPr>
+        <p:cNvPr id="1" name=""/>
+        <p:cNvGrpSpPr/>
+        <p:nvPr/>
+      </p:nvGrpSpPr>
+      <p:grpSpPr>
+        <a:xfrm>
+          <a:off x="0" y="0"/>
+          <a:ext cx="0" cy="0"/>
+          <a:chOff x="0" y="0"/>
+          <a:chExt cx="0" cy="0"/>
+        </a:xfrm>
+      </p:grpSpPr>
+      <p:sp>
+        <p:nvSpPr>
+          <p:cNvPr id="2" name="Slide Image Placeholder 1"/>
+          <p:cNvSpPr>
+            <a:spLocks noGrp="1" noRot="1" noChangeAspect="1"/>
+          </p:cNvSpPr>
+          <p:nvPr>
+            <p:ph type="sldImg"/>
+          </p:nvPr>
+        </p:nvSpPr>
+        <p:spPr/>
+      </p:sp>
+      <p:sp>
+        <p:nvSpPr>
+          <p:cNvPr id="3" name="Notes Placeholder 2"/>
+          <p:cNvSpPr>
+            <a:spLocks noGrp="1"/>
+          </p:cNvSpPr>
+          <p:nvPr>
+            <p:ph type="body" idx="1"/>
+          </p:nvPr>
+        </p:nvSpPr>
+        <p:spPr/>
+        <p:txBody>
+          <a:bodyPr/>
+          <a:lstStyle/>
+          <a:p>
+            <a:endParaRPr lang="en-US" dirty="0"/>
+          </a:p>
+        </p:txBody>
+      </p:sp>
+      <p:sp>
+        <p:nvSpPr>
+          <p:cNvPr id="4" name="Slide Number Placeholder 3"/>
+          <p:cNvSpPr>
+            <a:spLocks noGrp="1"/>
+          </p:cNvSpPr>
+          <p:nvPr>
+            <p:ph type="sldNum" sz="quarter" idx="5"/>
+          </p:nvPr>
+        </p:nvSpPr>
+        <p:spPr/>
+        <p:txBody>
+          <a:bodyPr/>
+          <a:lstStyle/>
+          <a:p>
+            <a:fld id="{72CB0591-C279-4349-82C1-6126AFF98915}" type="slidenum">
+              <a:rPr lang="en-US" smtClean="0"/>
+              <a:t>11</a:t>
+            </a:fld>
+            <a:endParaRPr lang="en-US"/>
+          </a:p>
+        </p:txBody>
+      </p:sp>
+    </p:spTree>
+    <p:extLst>
+      <p:ext uri="{BB962C8B-B14F-4D97-AF65-F5344CB8AC3E}">
+        <p14:creationId xmlns:p14="http://schemas.microsoft.com/office/powerpoint/2010/main" val="213907848"/>
       </p:ext>
     </p:extLst>
   </p:cSld>
@@ -4639,7 +5673,3359 @@
           <a:chExt cx="0" cy="0"/>
         </a:xfrm>
       </p:grpSpPr>
+      <p:sp>
+        <p:nvSpPr>
+          <p:cNvPr id="2" name="Title 1">
+            <a:extLst>
+              <a:ext uri="{FF2B5EF4-FFF2-40B4-BE49-F238E27FC236}">
+                <a16:creationId xmlns:a16="http://schemas.microsoft.com/office/drawing/2014/main" id="{4EFC5FAD-3CA1-4744-B185-4DC4203D24D3}"/>
+              </a:ext>
+            </a:extLst>
+          </p:cNvPr>
+          <p:cNvSpPr>
+            <a:spLocks noGrp="1"/>
+          </p:cNvSpPr>
+          <p:nvPr>
+            <p:ph type="title"/>
+          </p:nvPr>
+        </p:nvSpPr>
+        <p:spPr/>
+        <p:txBody>
+          <a:bodyPr/>
+          <a:lstStyle/>
+          <a:p>
+            <a:r>
+              <a:rPr lang="en-US" dirty="0"/>
+              <a:t>0-1 Knapsack Data - Conservative</a:t>
+            </a:r>
+          </a:p>
+        </p:txBody>
+      </p:sp>
+      <p:graphicFrame>
+        <p:nvGraphicFramePr>
+          <p:cNvPr id="4" name="Table 3">
+            <a:extLst>
+              <a:ext uri="{FF2B5EF4-FFF2-40B4-BE49-F238E27FC236}">
+                <a16:creationId xmlns:a16="http://schemas.microsoft.com/office/drawing/2014/main" id="{19983D00-4B0F-4842-8647-79BE26162B2F}"/>
+              </a:ext>
+            </a:extLst>
+          </p:cNvPr>
+          <p:cNvGraphicFramePr/>
+          <p:nvPr>
+            <p:extLst>
+              <p:ext uri="{D42A27DB-BD31-4B8C-83A1-F6EECF244321}">
+                <p14:modId xmlns:p14="http://schemas.microsoft.com/office/powerpoint/2010/main" val="878186018"/>
+              </p:ext>
+            </p:extLst>
+          </p:nvPr>
+        </p:nvGraphicFramePr>
+        <p:xfrm>
+          <a:off x="609600" y="1827916"/>
+          <a:ext cx="3200400" cy="1034415"/>
+        </p:xfrm>
+        <a:graphic>
+          <a:graphicData uri="http://schemas.openxmlformats.org/drawingml/2006/table">
+            <a:tbl>
+              <a:tblPr firstRow="1" firstCol="1" bandRow="1">
+                <a:tableStyleId>{D7AC3CCA-C797-4891-BE02-D94E43425B78}</a:tableStyleId>
+              </a:tblPr>
+              <a:tblGrid>
+                <a:gridCol w="2514600">
+                  <a:extLst>
+                    <a:ext uri="{9D8B030D-6E8A-4147-A177-3AD203B41FA5}">
+                      <a16:colId xmlns:a16="http://schemas.microsoft.com/office/drawing/2014/main" val="548071243"/>
+                    </a:ext>
+                  </a:extLst>
+                </a:gridCol>
+                <a:gridCol w="685800">
+                  <a:extLst>
+                    <a:ext uri="{9D8B030D-6E8A-4147-A177-3AD203B41FA5}">
+                      <a16:colId xmlns:a16="http://schemas.microsoft.com/office/drawing/2014/main" val="865789244"/>
+                    </a:ext>
+                  </a:extLst>
+                </a:gridCol>
+              </a:tblGrid>
+              <a:tr h="182880">
+                <a:tc>
+                  <a:txBody>
+                    <a:bodyPr/>
+                    <a:lstStyle/>
+                    <a:p>
+                      <a:pPr marL="0" marR="0" algn="l" fontAlgn="t">
+                        <a:lnSpc>
+                          <a:spcPct val="200000"/>
+                        </a:lnSpc>
+                        <a:spcBef>
+                          <a:spcPts val="0"/>
+                        </a:spcBef>
+                        <a:spcAft>
+                          <a:spcPts val="800"/>
+                        </a:spcAft>
+                      </a:pPr>
+                      <a:r>
+                        <a:rPr lang="en-US" sz="1100" u="none" strike="noStrike">
+                          <a:effectLst/>
+                        </a:rPr>
+                        <a:t>% Chromosomes Mutated</a:t>
+                      </a:r>
+                      <a:endParaRPr lang="en-US" sz="1800" b="0" i="0" u="none" strike="noStrike">
+                        <a:effectLst/>
+                        <a:latin typeface="Arial" panose="020B0604020202020204" pitchFamily="34" charset="0"/>
+                      </a:endParaRPr>
+                    </a:p>
+                  </a:txBody>
+                  <a:tcPr marL="73025" marR="73025" marT="9525" marB="0"/>
+                </a:tc>
+                <a:tc>
+                  <a:txBody>
+                    <a:bodyPr/>
+                    <a:lstStyle/>
+                    <a:p>
+                      <a:pPr marL="0" marR="0" algn="l" fontAlgn="t">
+                        <a:lnSpc>
+                          <a:spcPct val="200000"/>
+                        </a:lnSpc>
+                        <a:spcBef>
+                          <a:spcPts val="0"/>
+                        </a:spcBef>
+                        <a:spcAft>
+                          <a:spcPts val="800"/>
+                        </a:spcAft>
+                      </a:pPr>
+                      <a:r>
+                        <a:rPr lang="en-US" sz="1100" b="0" u="none" strike="noStrike" dirty="0">
+                          <a:effectLst/>
+                        </a:rPr>
+                        <a:t>25%</a:t>
+                      </a:r>
+                      <a:endParaRPr lang="en-US" sz="1800" b="0" i="0" u="none" strike="noStrike" dirty="0">
+                        <a:effectLst/>
+                        <a:latin typeface="Arial" panose="020B0604020202020204" pitchFamily="34" charset="0"/>
+                      </a:endParaRPr>
+                    </a:p>
+                  </a:txBody>
+                  <a:tcPr marL="73025" marR="73025" marT="9525" marB="0"/>
+                </a:tc>
+                <a:extLst>
+                  <a:ext uri="{0D108BD9-81ED-4DB2-BD59-A6C34878D82A}">
+                    <a16:rowId xmlns:a16="http://schemas.microsoft.com/office/drawing/2014/main" val="343608565"/>
+                  </a:ext>
+                </a:extLst>
+              </a:tr>
+              <a:tr h="182880">
+                <a:tc>
+                  <a:txBody>
+                    <a:bodyPr/>
+                    <a:lstStyle/>
+                    <a:p>
+                      <a:pPr marL="0" marR="0" algn="l" fontAlgn="t">
+                        <a:lnSpc>
+                          <a:spcPct val="200000"/>
+                        </a:lnSpc>
+                        <a:spcBef>
+                          <a:spcPts val="0"/>
+                        </a:spcBef>
+                        <a:spcAft>
+                          <a:spcPts val="800"/>
+                        </a:spcAft>
+                      </a:pPr>
+                      <a:r>
+                        <a:rPr lang="en-US" sz="1100" u="none" strike="noStrike" dirty="0">
+                          <a:effectLst/>
+                        </a:rPr>
+                        <a:t>% Genes Mutated</a:t>
+                      </a:r>
+                      <a:endParaRPr lang="en-US" sz="1800" b="0" i="0" u="none" strike="noStrike" dirty="0">
+                        <a:effectLst/>
+                        <a:latin typeface="Arial" panose="020B0604020202020204" pitchFamily="34" charset="0"/>
+                      </a:endParaRPr>
+                    </a:p>
+                  </a:txBody>
+                  <a:tcPr marL="73025" marR="73025" marT="9525" marB="0"/>
+                </a:tc>
+                <a:tc>
+                  <a:txBody>
+                    <a:bodyPr/>
+                    <a:lstStyle/>
+                    <a:p>
+                      <a:pPr marL="0" marR="0" algn="l" fontAlgn="t">
+                        <a:lnSpc>
+                          <a:spcPct val="200000"/>
+                        </a:lnSpc>
+                        <a:spcBef>
+                          <a:spcPts val="0"/>
+                        </a:spcBef>
+                        <a:spcAft>
+                          <a:spcPts val="800"/>
+                        </a:spcAft>
+                      </a:pPr>
+                      <a:r>
+                        <a:rPr lang="en-US" sz="1100" u="none" strike="noStrike" dirty="0">
+                          <a:effectLst/>
+                        </a:rPr>
+                        <a:t>25%</a:t>
+                      </a:r>
+                      <a:endParaRPr lang="en-US" sz="1800" b="0" i="0" u="none" strike="noStrike" dirty="0">
+                        <a:effectLst/>
+                        <a:latin typeface="Arial" panose="020B0604020202020204" pitchFamily="34" charset="0"/>
+                      </a:endParaRPr>
+                    </a:p>
+                  </a:txBody>
+                  <a:tcPr marL="73025" marR="73025" marT="9525" marB="0"/>
+                </a:tc>
+                <a:extLst>
+                  <a:ext uri="{0D108BD9-81ED-4DB2-BD59-A6C34878D82A}">
+                    <a16:rowId xmlns:a16="http://schemas.microsoft.com/office/drawing/2014/main" val="4016507406"/>
+                  </a:ext>
+                </a:extLst>
+              </a:tr>
+              <a:tr h="182880">
+                <a:tc>
+                  <a:txBody>
+                    <a:bodyPr/>
+                    <a:lstStyle/>
+                    <a:p>
+                      <a:pPr marL="0" marR="0" algn="l" fontAlgn="t">
+                        <a:lnSpc>
+                          <a:spcPct val="200000"/>
+                        </a:lnSpc>
+                        <a:spcBef>
+                          <a:spcPts val="0"/>
+                        </a:spcBef>
+                        <a:spcAft>
+                          <a:spcPts val="800"/>
+                        </a:spcAft>
+                      </a:pPr>
+                      <a:r>
+                        <a:rPr lang="en-US" sz="1100" u="none" strike="noStrike">
+                          <a:effectLst/>
+                        </a:rPr>
+                        <a:t>Maximum % Mutation Deviation</a:t>
+                      </a:r>
+                      <a:endParaRPr lang="en-US" sz="1800" b="0" i="0" u="none" strike="noStrike">
+                        <a:effectLst/>
+                        <a:latin typeface="Arial" panose="020B0604020202020204" pitchFamily="34" charset="0"/>
+                      </a:endParaRPr>
+                    </a:p>
+                  </a:txBody>
+                  <a:tcPr marL="73025" marR="73025" marT="9525" marB="0"/>
+                </a:tc>
+                <a:tc>
+                  <a:txBody>
+                    <a:bodyPr/>
+                    <a:lstStyle/>
+                    <a:p>
+                      <a:pPr marL="0" marR="0" algn="l" fontAlgn="t">
+                        <a:lnSpc>
+                          <a:spcPct val="200000"/>
+                        </a:lnSpc>
+                        <a:spcBef>
+                          <a:spcPts val="0"/>
+                        </a:spcBef>
+                        <a:spcAft>
+                          <a:spcPts val="800"/>
+                        </a:spcAft>
+                      </a:pPr>
+                      <a:r>
+                        <a:rPr lang="en-US" sz="1100" u="none" strike="noStrike" dirty="0">
+                          <a:effectLst/>
+                        </a:rPr>
+                        <a:t>25%</a:t>
+                      </a:r>
+                      <a:endParaRPr lang="en-US" sz="1800" b="0" i="0" u="none" strike="noStrike" dirty="0">
+                        <a:effectLst/>
+                        <a:latin typeface="Arial" panose="020B0604020202020204" pitchFamily="34" charset="0"/>
+                      </a:endParaRPr>
+                    </a:p>
+                  </a:txBody>
+                  <a:tcPr marL="73025" marR="73025" marT="9525" marB="0"/>
+                </a:tc>
+                <a:extLst>
+                  <a:ext uri="{0D108BD9-81ED-4DB2-BD59-A6C34878D82A}">
+                    <a16:rowId xmlns:a16="http://schemas.microsoft.com/office/drawing/2014/main" val="3230206971"/>
+                  </a:ext>
+                </a:extLst>
+              </a:tr>
+            </a:tbl>
+          </a:graphicData>
+        </a:graphic>
+      </p:graphicFrame>
+      <p:graphicFrame>
+        <p:nvGraphicFramePr>
+          <p:cNvPr id="5" name="Table 4">
+            <a:extLst>
+              <a:ext uri="{FF2B5EF4-FFF2-40B4-BE49-F238E27FC236}">
+                <a16:creationId xmlns:a16="http://schemas.microsoft.com/office/drawing/2014/main" id="{E9948A27-BC34-4F8C-A9C2-85B6D788B3D4}"/>
+              </a:ext>
+            </a:extLst>
+          </p:cNvPr>
+          <p:cNvGraphicFramePr/>
+          <p:nvPr>
+            <p:extLst>
+              <p:ext uri="{D42A27DB-BD31-4B8C-83A1-F6EECF244321}">
+                <p14:modId xmlns:p14="http://schemas.microsoft.com/office/powerpoint/2010/main" val="1571327919"/>
+              </p:ext>
+            </p:extLst>
+          </p:nvPr>
+        </p:nvGraphicFramePr>
+        <p:xfrm>
+          <a:off x="4191000" y="1310709"/>
+          <a:ext cx="4604085" cy="1678305"/>
+        </p:xfrm>
+        <a:graphic>
+          <a:graphicData uri="http://schemas.openxmlformats.org/drawingml/2006/table">
+            <a:tbl>
+              <a:tblPr firstRow="1" firstCol="1" bandRow="1">
+                <a:tableStyleId>{5202B0CA-FC54-4496-8BCA-5EF66A818D29}</a:tableStyleId>
+              </a:tblPr>
+              <a:tblGrid>
+                <a:gridCol w="920817">
+                  <a:extLst>
+                    <a:ext uri="{9D8B030D-6E8A-4147-A177-3AD203B41FA5}">
+                      <a16:colId xmlns:a16="http://schemas.microsoft.com/office/drawing/2014/main" val="2407456421"/>
+                    </a:ext>
+                  </a:extLst>
+                </a:gridCol>
+                <a:gridCol w="920817">
+                  <a:extLst>
+                    <a:ext uri="{9D8B030D-6E8A-4147-A177-3AD203B41FA5}">
+                      <a16:colId xmlns:a16="http://schemas.microsoft.com/office/drawing/2014/main" val="1852184265"/>
+                    </a:ext>
+                  </a:extLst>
+                </a:gridCol>
+                <a:gridCol w="920817">
+                  <a:extLst>
+                    <a:ext uri="{9D8B030D-6E8A-4147-A177-3AD203B41FA5}">
+                      <a16:colId xmlns:a16="http://schemas.microsoft.com/office/drawing/2014/main" val="1808075248"/>
+                    </a:ext>
+                  </a:extLst>
+                </a:gridCol>
+                <a:gridCol w="920817">
+                  <a:extLst>
+                    <a:ext uri="{9D8B030D-6E8A-4147-A177-3AD203B41FA5}">
+                      <a16:colId xmlns:a16="http://schemas.microsoft.com/office/drawing/2014/main" val="766843608"/>
+                    </a:ext>
+                  </a:extLst>
+                </a:gridCol>
+                <a:gridCol w="920817">
+                  <a:extLst>
+                    <a:ext uri="{9D8B030D-6E8A-4147-A177-3AD203B41FA5}">
+                      <a16:colId xmlns:a16="http://schemas.microsoft.com/office/drawing/2014/main" val="1582951459"/>
+                    </a:ext>
+                  </a:extLst>
+                </a:gridCol>
+              </a:tblGrid>
+              <a:tr h="266700">
+                <a:tc>
+                  <a:txBody>
+                    <a:bodyPr/>
+                    <a:lstStyle/>
+                    <a:p>
+                      <a:pPr marL="0" marR="0" algn="l" fontAlgn="ctr">
+                        <a:lnSpc>
+                          <a:spcPct val="200000"/>
+                        </a:lnSpc>
+                        <a:spcBef>
+                          <a:spcPts val="0"/>
+                        </a:spcBef>
+                        <a:spcAft>
+                          <a:spcPts val="800"/>
+                        </a:spcAft>
+                      </a:pPr>
+                      <a:r>
+                        <a:rPr lang="en-US" sz="1100" u="none" strike="noStrike" dirty="0">
+                          <a:effectLst/>
+                        </a:rPr>
+                        <a:t>Min Weight</a:t>
+                      </a:r>
+                      <a:endParaRPr lang="en-US" sz="1800" b="0" i="0" u="none" strike="noStrike" dirty="0">
+                        <a:effectLst/>
+                        <a:latin typeface="Arial" panose="020B0604020202020204" pitchFamily="34" charset="0"/>
+                      </a:endParaRPr>
+                    </a:p>
+                  </a:txBody>
+                  <a:tcPr marL="73025" marR="73025" marT="9525" marB="0" anchor="ctr"/>
+                </a:tc>
+                <a:tc>
+                  <a:txBody>
+                    <a:bodyPr/>
+                    <a:lstStyle/>
+                    <a:p>
+                      <a:pPr marL="0" marR="0" algn="l" fontAlgn="ctr">
+                        <a:lnSpc>
+                          <a:spcPct val="200000"/>
+                        </a:lnSpc>
+                        <a:spcBef>
+                          <a:spcPts val="0"/>
+                        </a:spcBef>
+                        <a:spcAft>
+                          <a:spcPts val="800"/>
+                        </a:spcAft>
+                      </a:pPr>
+                      <a:r>
+                        <a:rPr lang="en-US" sz="1100" u="none" strike="noStrike">
+                          <a:effectLst/>
+                        </a:rPr>
+                        <a:t>Max Weight</a:t>
+                      </a:r>
+                      <a:endParaRPr lang="en-US" sz="1800" b="0" i="0" u="none" strike="noStrike">
+                        <a:effectLst/>
+                        <a:latin typeface="Arial" panose="020B0604020202020204" pitchFamily="34" charset="0"/>
+                      </a:endParaRPr>
+                    </a:p>
+                  </a:txBody>
+                  <a:tcPr marL="73025" marR="73025" marT="9525" marB="0" anchor="ctr"/>
+                </a:tc>
+                <a:tc>
+                  <a:txBody>
+                    <a:bodyPr/>
+                    <a:lstStyle/>
+                    <a:p>
+                      <a:pPr marL="0" marR="0" algn="l" fontAlgn="ctr">
+                        <a:lnSpc>
+                          <a:spcPct val="200000"/>
+                        </a:lnSpc>
+                        <a:spcBef>
+                          <a:spcPts val="0"/>
+                        </a:spcBef>
+                        <a:spcAft>
+                          <a:spcPts val="800"/>
+                        </a:spcAft>
+                      </a:pPr>
+                      <a:r>
+                        <a:rPr lang="en-US" sz="1100" u="none" strike="noStrike">
+                          <a:effectLst/>
+                        </a:rPr>
+                        <a:t>Min Value</a:t>
+                      </a:r>
+                      <a:endParaRPr lang="en-US" sz="1800" b="0" i="0" u="none" strike="noStrike">
+                        <a:effectLst/>
+                        <a:latin typeface="Arial" panose="020B0604020202020204" pitchFamily="34" charset="0"/>
+                      </a:endParaRPr>
+                    </a:p>
+                  </a:txBody>
+                  <a:tcPr marL="73025" marR="73025" marT="9525" marB="0" anchor="ctr"/>
+                </a:tc>
+                <a:tc>
+                  <a:txBody>
+                    <a:bodyPr/>
+                    <a:lstStyle/>
+                    <a:p>
+                      <a:pPr marL="0" marR="0" algn="l" fontAlgn="ctr">
+                        <a:lnSpc>
+                          <a:spcPct val="200000"/>
+                        </a:lnSpc>
+                        <a:spcBef>
+                          <a:spcPts val="0"/>
+                        </a:spcBef>
+                        <a:spcAft>
+                          <a:spcPts val="800"/>
+                        </a:spcAft>
+                      </a:pPr>
+                      <a:r>
+                        <a:rPr lang="en-US" sz="1100" u="none" strike="noStrike" dirty="0">
+                          <a:effectLst/>
+                        </a:rPr>
+                        <a:t>Max Value</a:t>
+                      </a:r>
+                      <a:endParaRPr lang="en-US" sz="1800" b="0" i="0" u="none" strike="noStrike" dirty="0">
+                        <a:effectLst/>
+                        <a:latin typeface="Arial" panose="020B0604020202020204" pitchFamily="34" charset="0"/>
+                      </a:endParaRPr>
+                    </a:p>
+                  </a:txBody>
+                  <a:tcPr marL="73025" marR="73025" marT="9525" marB="0" anchor="ctr"/>
+                </a:tc>
+                <a:tc>
+                  <a:txBody>
+                    <a:bodyPr/>
+                    <a:lstStyle/>
+                    <a:p>
+                      <a:pPr marL="0" marR="0" algn="l" fontAlgn="ctr">
+                        <a:lnSpc>
+                          <a:spcPct val="200000"/>
+                        </a:lnSpc>
+                        <a:spcBef>
+                          <a:spcPts val="0"/>
+                        </a:spcBef>
+                        <a:spcAft>
+                          <a:spcPts val="800"/>
+                        </a:spcAft>
+                      </a:pPr>
+                      <a:r>
+                        <a:rPr lang="en-US" sz="1100" u="none" strike="noStrike">
+                          <a:effectLst/>
+                        </a:rPr>
+                        <a:t>Total Value</a:t>
+                      </a:r>
+                      <a:endParaRPr lang="en-US" sz="1800" b="0" i="0" u="none" strike="noStrike">
+                        <a:effectLst/>
+                        <a:latin typeface="Arial" panose="020B0604020202020204" pitchFamily="34" charset="0"/>
+                      </a:endParaRPr>
+                    </a:p>
+                  </a:txBody>
+                  <a:tcPr marL="73025" marR="73025" marT="9525" marB="0" anchor="ctr"/>
+                </a:tc>
+                <a:extLst>
+                  <a:ext uri="{0D108BD9-81ED-4DB2-BD59-A6C34878D82A}">
+                    <a16:rowId xmlns:a16="http://schemas.microsoft.com/office/drawing/2014/main" val="2250225836"/>
+                  </a:ext>
+                </a:extLst>
+              </a:tr>
+              <a:tr h="266700">
+                <a:tc>
+                  <a:txBody>
+                    <a:bodyPr/>
+                    <a:lstStyle/>
+                    <a:p>
+                      <a:pPr marL="0" marR="0" algn="r">
+                        <a:spcBef>
+                          <a:spcPts val="0"/>
+                        </a:spcBef>
+                        <a:spcAft>
+                          <a:spcPts val="0"/>
+                        </a:spcAft>
+                      </a:pPr>
+                      <a:r>
+                        <a:rPr lang="en-US" sz="1100" b="0" dirty="0">
+                          <a:solidFill>
+                            <a:srgbClr val="000000"/>
+                          </a:solidFill>
+                          <a:effectLst/>
+                          <a:latin typeface="Calibri" panose="020F0502020204030204" pitchFamily="34" charset="0"/>
+                          <a:ea typeface="Times New Roman" panose="02020603050405020304" pitchFamily="18" charset="0"/>
+                          <a:cs typeface="Times New Roman" panose="02020603050405020304" pitchFamily="18" charset="0"/>
+                        </a:rPr>
+                        <a:t>0.956</a:t>
+                      </a:r>
+                      <a:endParaRPr lang="en-US" sz="1200" b="0" dirty="0">
+                        <a:effectLst/>
+                        <a:latin typeface="Helvetica" panose="020B0604020202020204" pitchFamily="34" charset="0"/>
+                        <a:ea typeface="Arial Unicode MS"/>
+                        <a:cs typeface="Times New Roman" panose="02020603050405020304" pitchFamily="18" charset="0"/>
+                      </a:endParaRPr>
+                    </a:p>
+                  </a:txBody>
+                  <a:tcPr marL="68580" marR="68580" marT="0" marB="0" anchor="b"/>
+                </a:tc>
+                <a:tc>
+                  <a:txBody>
+                    <a:bodyPr/>
+                    <a:lstStyle/>
+                    <a:p>
+                      <a:pPr marL="0" marR="0" algn="r">
+                        <a:spcBef>
+                          <a:spcPts val="0"/>
+                        </a:spcBef>
+                        <a:spcAft>
+                          <a:spcPts val="0"/>
+                        </a:spcAft>
+                      </a:pPr>
+                      <a:r>
+                        <a:rPr lang="en-US" sz="1100">
+                          <a:solidFill>
+                            <a:srgbClr val="000000"/>
+                          </a:solidFill>
+                          <a:effectLst/>
+                          <a:latin typeface="Calibri" panose="020F0502020204030204" pitchFamily="34" charset="0"/>
+                          <a:ea typeface="Times New Roman" panose="02020603050405020304" pitchFamily="18" charset="0"/>
+                          <a:cs typeface="Times New Roman" panose="02020603050405020304" pitchFamily="18" charset="0"/>
+                        </a:rPr>
+                        <a:t>0.624</a:t>
+                      </a:r>
+                      <a:endParaRPr lang="en-US" sz="1200">
+                        <a:effectLst/>
+                        <a:latin typeface="Helvetica" panose="020B0604020202020204" pitchFamily="34" charset="0"/>
+                        <a:ea typeface="Arial Unicode MS"/>
+                        <a:cs typeface="Times New Roman" panose="02020603050405020304" pitchFamily="18" charset="0"/>
+                      </a:endParaRPr>
+                    </a:p>
+                  </a:txBody>
+                  <a:tcPr marL="68580" marR="68580" marT="0" marB="0" anchor="b"/>
+                </a:tc>
+                <a:tc>
+                  <a:txBody>
+                    <a:bodyPr/>
+                    <a:lstStyle/>
+                    <a:p>
+                      <a:pPr marL="0" marR="0" algn="r">
+                        <a:spcBef>
+                          <a:spcPts val="0"/>
+                        </a:spcBef>
+                        <a:spcAft>
+                          <a:spcPts val="0"/>
+                        </a:spcAft>
+                      </a:pPr>
+                      <a:r>
+                        <a:rPr lang="en-US" sz="1100">
+                          <a:solidFill>
+                            <a:srgbClr val="000000"/>
+                          </a:solidFill>
+                          <a:effectLst/>
+                          <a:latin typeface="Calibri" panose="020F0502020204030204" pitchFamily="34" charset="0"/>
+                          <a:ea typeface="Times New Roman" panose="02020603050405020304" pitchFamily="18" charset="0"/>
+                          <a:cs typeface="Times New Roman" panose="02020603050405020304" pitchFamily="18" charset="0"/>
+                        </a:rPr>
+                        <a:t>0.672</a:t>
+                      </a:r>
+                      <a:endParaRPr lang="en-US" sz="1200">
+                        <a:effectLst/>
+                        <a:latin typeface="Helvetica" panose="020B0604020202020204" pitchFamily="34" charset="0"/>
+                        <a:ea typeface="Arial Unicode MS"/>
+                        <a:cs typeface="Times New Roman" panose="02020603050405020304" pitchFamily="18" charset="0"/>
+                      </a:endParaRPr>
+                    </a:p>
+                  </a:txBody>
+                  <a:tcPr marL="68580" marR="68580" marT="0" marB="0" anchor="b"/>
+                </a:tc>
+                <a:tc>
+                  <a:txBody>
+                    <a:bodyPr/>
+                    <a:lstStyle/>
+                    <a:p>
+                      <a:pPr marL="0" marR="0" algn="r">
+                        <a:spcBef>
+                          <a:spcPts val="0"/>
+                        </a:spcBef>
+                        <a:spcAft>
+                          <a:spcPts val="0"/>
+                        </a:spcAft>
+                      </a:pPr>
+                      <a:r>
+                        <a:rPr lang="en-US" sz="1100">
+                          <a:solidFill>
+                            <a:srgbClr val="000000"/>
+                          </a:solidFill>
+                          <a:effectLst/>
+                          <a:latin typeface="Calibri" panose="020F0502020204030204" pitchFamily="34" charset="0"/>
+                          <a:ea typeface="Times New Roman" panose="02020603050405020304" pitchFamily="18" charset="0"/>
+                          <a:cs typeface="Times New Roman" panose="02020603050405020304" pitchFamily="18" charset="0"/>
+                        </a:rPr>
+                        <a:t>1</a:t>
+                      </a:r>
+                      <a:endParaRPr lang="en-US" sz="1200">
+                        <a:effectLst/>
+                        <a:latin typeface="Helvetica" panose="020B0604020202020204" pitchFamily="34" charset="0"/>
+                        <a:ea typeface="Arial Unicode MS"/>
+                        <a:cs typeface="Times New Roman" panose="02020603050405020304" pitchFamily="18" charset="0"/>
+                      </a:endParaRPr>
+                    </a:p>
+                  </a:txBody>
+                  <a:tcPr marL="68580" marR="68580" marT="0" marB="0" anchor="b"/>
+                </a:tc>
+                <a:tc>
+                  <a:txBody>
+                    <a:bodyPr/>
+                    <a:lstStyle/>
+                    <a:p>
+                      <a:pPr marL="0" marR="0" algn="r">
+                        <a:spcBef>
+                          <a:spcPts val="0"/>
+                        </a:spcBef>
+                        <a:spcAft>
+                          <a:spcPts val="0"/>
+                        </a:spcAft>
+                      </a:pPr>
+                      <a:r>
+                        <a:rPr lang="en-US" sz="1100">
+                          <a:solidFill>
+                            <a:srgbClr val="000000"/>
+                          </a:solidFill>
+                          <a:effectLst/>
+                          <a:latin typeface="Calibri" panose="020F0502020204030204" pitchFamily="34" charset="0"/>
+                          <a:ea typeface="Times New Roman" panose="02020603050405020304" pitchFamily="18" charset="0"/>
+                          <a:cs typeface="Times New Roman" panose="02020603050405020304" pitchFamily="18" charset="0"/>
+                        </a:rPr>
+                        <a:t>490.279</a:t>
+                      </a:r>
+                      <a:endParaRPr lang="en-US" sz="1200">
+                        <a:effectLst/>
+                        <a:latin typeface="Helvetica" panose="020B0604020202020204" pitchFamily="34" charset="0"/>
+                        <a:ea typeface="Arial Unicode MS"/>
+                        <a:cs typeface="Times New Roman" panose="02020603050405020304" pitchFamily="18" charset="0"/>
+                      </a:endParaRPr>
+                    </a:p>
+                  </a:txBody>
+                  <a:tcPr marL="68580" marR="68580" marT="0" marB="0" anchor="b"/>
+                </a:tc>
+                <a:extLst>
+                  <a:ext uri="{0D108BD9-81ED-4DB2-BD59-A6C34878D82A}">
+                    <a16:rowId xmlns:a16="http://schemas.microsoft.com/office/drawing/2014/main" val="1879391807"/>
+                  </a:ext>
+                </a:extLst>
+              </a:tr>
+              <a:tr h="266700">
+                <a:tc>
+                  <a:txBody>
+                    <a:bodyPr/>
+                    <a:lstStyle/>
+                    <a:p>
+                      <a:pPr marL="0" marR="0" algn="r">
+                        <a:spcBef>
+                          <a:spcPts val="0"/>
+                        </a:spcBef>
+                        <a:spcAft>
+                          <a:spcPts val="0"/>
+                        </a:spcAft>
+                      </a:pPr>
+                      <a:r>
+                        <a:rPr lang="en-US" sz="1100" b="0" dirty="0">
+                          <a:solidFill>
+                            <a:srgbClr val="000000"/>
+                          </a:solidFill>
+                          <a:effectLst/>
+                          <a:latin typeface="Calibri" panose="020F0502020204030204" pitchFamily="34" charset="0"/>
+                          <a:ea typeface="Times New Roman" panose="02020603050405020304" pitchFamily="18" charset="0"/>
+                          <a:cs typeface="Times New Roman" panose="02020603050405020304" pitchFamily="18" charset="0"/>
+                        </a:rPr>
+                        <a:t>0.956</a:t>
+                      </a:r>
+                      <a:endParaRPr lang="en-US" sz="1200" b="0" dirty="0">
+                        <a:effectLst/>
+                        <a:latin typeface="Helvetica" panose="020B0604020202020204" pitchFamily="34" charset="0"/>
+                        <a:ea typeface="Arial Unicode MS"/>
+                        <a:cs typeface="Times New Roman" panose="02020603050405020304" pitchFamily="18" charset="0"/>
+                      </a:endParaRPr>
+                    </a:p>
+                  </a:txBody>
+                  <a:tcPr marL="68580" marR="68580" marT="0" marB="0" anchor="b"/>
+                </a:tc>
+                <a:tc>
+                  <a:txBody>
+                    <a:bodyPr/>
+                    <a:lstStyle/>
+                    <a:p>
+                      <a:pPr marL="0" marR="0" algn="r">
+                        <a:spcBef>
+                          <a:spcPts val="0"/>
+                        </a:spcBef>
+                        <a:spcAft>
+                          <a:spcPts val="0"/>
+                        </a:spcAft>
+                      </a:pPr>
+                      <a:r>
+                        <a:rPr lang="en-US" sz="1100">
+                          <a:solidFill>
+                            <a:srgbClr val="000000"/>
+                          </a:solidFill>
+                          <a:effectLst/>
+                          <a:latin typeface="Calibri" panose="020F0502020204030204" pitchFamily="34" charset="0"/>
+                          <a:ea typeface="Times New Roman" panose="02020603050405020304" pitchFamily="18" charset="0"/>
+                          <a:cs typeface="Times New Roman" panose="02020603050405020304" pitchFamily="18" charset="0"/>
+                        </a:rPr>
+                        <a:t>0.618</a:t>
+                      </a:r>
+                      <a:endParaRPr lang="en-US" sz="1200">
+                        <a:effectLst/>
+                        <a:latin typeface="Helvetica" panose="020B0604020202020204" pitchFamily="34" charset="0"/>
+                        <a:ea typeface="Arial Unicode MS"/>
+                        <a:cs typeface="Times New Roman" panose="02020603050405020304" pitchFamily="18" charset="0"/>
+                      </a:endParaRPr>
+                    </a:p>
+                  </a:txBody>
+                  <a:tcPr marL="68580" marR="68580" marT="0" marB="0" anchor="b"/>
+                </a:tc>
+                <a:tc>
+                  <a:txBody>
+                    <a:bodyPr/>
+                    <a:lstStyle/>
+                    <a:p>
+                      <a:pPr marL="0" marR="0" algn="r">
+                        <a:spcBef>
+                          <a:spcPts val="0"/>
+                        </a:spcBef>
+                        <a:spcAft>
+                          <a:spcPts val="0"/>
+                        </a:spcAft>
+                      </a:pPr>
+                      <a:r>
+                        <a:rPr lang="en-US" sz="1100">
+                          <a:solidFill>
+                            <a:srgbClr val="000000"/>
+                          </a:solidFill>
+                          <a:effectLst/>
+                          <a:latin typeface="Calibri" panose="020F0502020204030204" pitchFamily="34" charset="0"/>
+                          <a:ea typeface="Times New Roman" panose="02020603050405020304" pitchFamily="18" charset="0"/>
+                          <a:cs typeface="Times New Roman" panose="02020603050405020304" pitchFamily="18" charset="0"/>
+                        </a:rPr>
+                        <a:t>0.714</a:t>
+                      </a:r>
+                      <a:endParaRPr lang="en-US" sz="1200">
+                        <a:effectLst/>
+                        <a:latin typeface="Helvetica" panose="020B0604020202020204" pitchFamily="34" charset="0"/>
+                        <a:ea typeface="Arial Unicode MS"/>
+                        <a:cs typeface="Times New Roman" panose="02020603050405020304" pitchFamily="18" charset="0"/>
+                      </a:endParaRPr>
+                    </a:p>
+                  </a:txBody>
+                  <a:tcPr marL="68580" marR="68580" marT="0" marB="0" anchor="b"/>
+                </a:tc>
+                <a:tc>
+                  <a:txBody>
+                    <a:bodyPr/>
+                    <a:lstStyle/>
+                    <a:p>
+                      <a:pPr marL="0" marR="0" algn="r">
+                        <a:spcBef>
+                          <a:spcPts val="0"/>
+                        </a:spcBef>
+                        <a:spcAft>
+                          <a:spcPts val="0"/>
+                        </a:spcAft>
+                      </a:pPr>
+                      <a:r>
+                        <a:rPr lang="en-US" sz="1100">
+                          <a:solidFill>
+                            <a:srgbClr val="000000"/>
+                          </a:solidFill>
+                          <a:effectLst/>
+                          <a:latin typeface="Calibri" panose="020F0502020204030204" pitchFamily="34" charset="0"/>
+                          <a:ea typeface="Times New Roman" panose="02020603050405020304" pitchFamily="18" charset="0"/>
+                          <a:cs typeface="Times New Roman" panose="02020603050405020304" pitchFamily="18" charset="0"/>
+                        </a:rPr>
+                        <a:t>1</a:t>
+                      </a:r>
+                      <a:endParaRPr lang="en-US" sz="1200">
+                        <a:effectLst/>
+                        <a:latin typeface="Helvetica" panose="020B0604020202020204" pitchFamily="34" charset="0"/>
+                        <a:ea typeface="Arial Unicode MS"/>
+                        <a:cs typeface="Times New Roman" panose="02020603050405020304" pitchFamily="18" charset="0"/>
+                      </a:endParaRPr>
+                    </a:p>
+                  </a:txBody>
+                  <a:tcPr marL="68580" marR="68580" marT="0" marB="0" anchor="b"/>
+                </a:tc>
+                <a:tc>
+                  <a:txBody>
+                    <a:bodyPr/>
+                    <a:lstStyle/>
+                    <a:p>
+                      <a:pPr marL="0" marR="0" algn="r">
+                        <a:spcBef>
+                          <a:spcPts val="0"/>
+                        </a:spcBef>
+                        <a:spcAft>
+                          <a:spcPts val="0"/>
+                        </a:spcAft>
+                      </a:pPr>
+                      <a:r>
+                        <a:rPr lang="en-US" sz="1100">
+                          <a:solidFill>
+                            <a:srgbClr val="000000"/>
+                          </a:solidFill>
+                          <a:effectLst/>
+                          <a:latin typeface="Calibri" panose="020F0502020204030204" pitchFamily="34" charset="0"/>
+                          <a:ea typeface="Times New Roman" panose="02020603050405020304" pitchFamily="18" charset="0"/>
+                          <a:cs typeface="Times New Roman" panose="02020603050405020304" pitchFamily="18" charset="0"/>
+                        </a:rPr>
+                        <a:t>488.994</a:t>
+                      </a:r>
+                      <a:endParaRPr lang="en-US" sz="1200">
+                        <a:effectLst/>
+                        <a:latin typeface="Helvetica" panose="020B0604020202020204" pitchFamily="34" charset="0"/>
+                        <a:ea typeface="Arial Unicode MS"/>
+                        <a:cs typeface="Times New Roman" panose="02020603050405020304" pitchFamily="18" charset="0"/>
+                      </a:endParaRPr>
+                    </a:p>
+                  </a:txBody>
+                  <a:tcPr marL="68580" marR="68580" marT="0" marB="0" anchor="b"/>
+                </a:tc>
+                <a:extLst>
+                  <a:ext uri="{0D108BD9-81ED-4DB2-BD59-A6C34878D82A}">
+                    <a16:rowId xmlns:a16="http://schemas.microsoft.com/office/drawing/2014/main" val="2280899627"/>
+                  </a:ext>
+                </a:extLst>
+              </a:tr>
+              <a:tr h="266700">
+                <a:tc>
+                  <a:txBody>
+                    <a:bodyPr/>
+                    <a:lstStyle/>
+                    <a:p>
+                      <a:pPr marL="0" marR="0" algn="r">
+                        <a:spcBef>
+                          <a:spcPts val="0"/>
+                        </a:spcBef>
+                        <a:spcAft>
+                          <a:spcPts val="0"/>
+                        </a:spcAft>
+                      </a:pPr>
+                      <a:r>
+                        <a:rPr lang="en-US" sz="1100" b="0" dirty="0">
+                          <a:solidFill>
+                            <a:srgbClr val="000000"/>
+                          </a:solidFill>
+                          <a:effectLst/>
+                          <a:latin typeface="Calibri" panose="020F0502020204030204" pitchFamily="34" charset="0"/>
+                          <a:ea typeface="Times New Roman" panose="02020603050405020304" pitchFamily="18" charset="0"/>
+                          <a:cs typeface="Times New Roman" panose="02020603050405020304" pitchFamily="18" charset="0"/>
+                        </a:rPr>
+                        <a:t>1</a:t>
+                      </a:r>
+                      <a:endParaRPr lang="en-US" sz="1200" b="0" dirty="0">
+                        <a:effectLst/>
+                        <a:latin typeface="Helvetica" panose="020B0604020202020204" pitchFamily="34" charset="0"/>
+                        <a:ea typeface="Arial Unicode MS"/>
+                        <a:cs typeface="Times New Roman" panose="02020603050405020304" pitchFamily="18" charset="0"/>
+                      </a:endParaRPr>
+                    </a:p>
+                  </a:txBody>
+                  <a:tcPr marL="68580" marR="68580" marT="0" marB="0" anchor="b"/>
+                </a:tc>
+                <a:tc>
+                  <a:txBody>
+                    <a:bodyPr/>
+                    <a:lstStyle/>
+                    <a:p>
+                      <a:pPr marL="0" marR="0" algn="r">
+                        <a:spcBef>
+                          <a:spcPts val="0"/>
+                        </a:spcBef>
+                        <a:spcAft>
+                          <a:spcPts val="0"/>
+                        </a:spcAft>
+                      </a:pPr>
+                      <a:r>
+                        <a:rPr lang="en-US" sz="1100">
+                          <a:solidFill>
+                            <a:srgbClr val="000000"/>
+                          </a:solidFill>
+                          <a:effectLst/>
+                          <a:latin typeface="Calibri" panose="020F0502020204030204" pitchFamily="34" charset="0"/>
+                          <a:ea typeface="Times New Roman" panose="02020603050405020304" pitchFamily="18" charset="0"/>
+                          <a:cs typeface="Times New Roman" panose="02020603050405020304" pitchFamily="18" charset="0"/>
+                        </a:rPr>
+                        <a:t>0.618</a:t>
+                      </a:r>
+                      <a:endParaRPr lang="en-US" sz="1200">
+                        <a:effectLst/>
+                        <a:latin typeface="Helvetica" panose="020B0604020202020204" pitchFamily="34" charset="0"/>
+                        <a:ea typeface="Arial Unicode MS"/>
+                        <a:cs typeface="Times New Roman" panose="02020603050405020304" pitchFamily="18" charset="0"/>
+                      </a:endParaRPr>
+                    </a:p>
+                  </a:txBody>
+                  <a:tcPr marL="68580" marR="68580" marT="0" marB="0" anchor="b"/>
+                </a:tc>
+                <a:tc>
+                  <a:txBody>
+                    <a:bodyPr/>
+                    <a:lstStyle/>
+                    <a:p>
+                      <a:pPr marL="0" marR="0" algn="r">
+                        <a:spcBef>
+                          <a:spcPts val="0"/>
+                        </a:spcBef>
+                        <a:spcAft>
+                          <a:spcPts val="0"/>
+                        </a:spcAft>
+                      </a:pPr>
+                      <a:r>
+                        <a:rPr lang="en-US" sz="1100">
+                          <a:solidFill>
+                            <a:srgbClr val="000000"/>
+                          </a:solidFill>
+                          <a:effectLst/>
+                          <a:latin typeface="Calibri" panose="020F0502020204030204" pitchFamily="34" charset="0"/>
+                          <a:ea typeface="Times New Roman" panose="02020603050405020304" pitchFamily="18" charset="0"/>
+                          <a:cs typeface="Times New Roman" panose="02020603050405020304" pitchFamily="18" charset="0"/>
+                        </a:rPr>
+                        <a:t>0.62</a:t>
+                      </a:r>
+                      <a:endParaRPr lang="en-US" sz="1200">
+                        <a:effectLst/>
+                        <a:latin typeface="Helvetica" panose="020B0604020202020204" pitchFamily="34" charset="0"/>
+                        <a:ea typeface="Arial Unicode MS"/>
+                        <a:cs typeface="Times New Roman" panose="02020603050405020304" pitchFamily="18" charset="0"/>
+                      </a:endParaRPr>
+                    </a:p>
+                  </a:txBody>
+                  <a:tcPr marL="68580" marR="68580" marT="0" marB="0" anchor="b"/>
+                </a:tc>
+                <a:tc>
+                  <a:txBody>
+                    <a:bodyPr/>
+                    <a:lstStyle/>
+                    <a:p>
+                      <a:pPr marL="0" marR="0" algn="r">
+                        <a:spcBef>
+                          <a:spcPts val="0"/>
+                        </a:spcBef>
+                        <a:spcAft>
+                          <a:spcPts val="0"/>
+                        </a:spcAft>
+                      </a:pPr>
+                      <a:r>
+                        <a:rPr lang="en-US" sz="1100">
+                          <a:solidFill>
+                            <a:srgbClr val="000000"/>
+                          </a:solidFill>
+                          <a:effectLst/>
+                          <a:latin typeface="Calibri" panose="020F0502020204030204" pitchFamily="34" charset="0"/>
+                          <a:ea typeface="Times New Roman" panose="02020603050405020304" pitchFamily="18" charset="0"/>
+                          <a:cs typeface="Times New Roman" panose="02020603050405020304" pitchFamily="18" charset="0"/>
+                        </a:rPr>
+                        <a:t>0.936</a:t>
+                      </a:r>
+                      <a:endParaRPr lang="en-US" sz="1200">
+                        <a:effectLst/>
+                        <a:latin typeface="Helvetica" panose="020B0604020202020204" pitchFamily="34" charset="0"/>
+                        <a:ea typeface="Arial Unicode MS"/>
+                        <a:cs typeface="Times New Roman" panose="02020603050405020304" pitchFamily="18" charset="0"/>
+                      </a:endParaRPr>
+                    </a:p>
+                  </a:txBody>
+                  <a:tcPr marL="68580" marR="68580" marT="0" marB="0" anchor="b"/>
+                </a:tc>
+                <a:tc>
+                  <a:txBody>
+                    <a:bodyPr/>
+                    <a:lstStyle/>
+                    <a:p>
+                      <a:pPr marL="0" marR="0" algn="r">
+                        <a:spcBef>
+                          <a:spcPts val="0"/>
+                        </a:spcBef>
+                        <a:spcAft>
+                          <a:spcPts val="0"/>
+                        </a:spcAft>
+                      </a:pPr>
+                      <a:r>
+                        <a:rPr lang="en-US" sz="1100">
+                          <a:solidFill>
+                            <a:srgbClr val="000000"/>
+                          </a:solidFill>
+                          <a:effectLst/>
+                          <a:latin typeface="Calibri" panose="020F0502020204030204" pitchFamily="34" charset="0"/>
+                          <a:ea typeface="Times New Roman" panose="02020603050405020304" pitchFamily="18" charset="0"/>
+                          <a:cs typeface="Times New Roman" panose="02020603050405020304" pitchFamily="18" charset="0"/>
+                        </a:rPr>
+                        <a:t>488.303</a:t>
+                      </a:r>
+                      <a:endParaRPr lang="en-US" sz="1200">
+                        <a:effectLst/>
+                        <a:latin typeface="Helvetica" panose="020B0604020202020204" pitchFamily="34" charset="0"/>
+                        <a:ea typeface="Arial Unicode MS"/>
+                        <a:cs typeface="Times New Roman" panose="02020603050405020304" pitchFamily="18" charset="0"/>
+                      </a:endParaRPr>
+                    </a:p>
+                  </a:txBody>
+                  <a:tcPr marL="68580" marR="68580" marT="0" marB="0" anchor="b"/>
+                </a:tc>
+                <a:extLst>
+                  <a:ext uri="{0D108BD9-81ED-4DB2-BD59-A6C34878D82A}">
+                    <a16:rowId xmlns:a16="http://schemas.microsoft.com/office/drawing/2014/main" val="3616183547"/>
+                  </a:ext>
+                </a:extLst>
+              </a:tr>
+              <a:tr h="266700">
+                <a:tc>
+                  <a:txBody>
+                    <a:bodyPr/>
+                    <a:lstStyle/>
+                    <a:p>
+                      <a:pPr marL="0" marR="0" algn="r">
+                        <a:spcBef>
+                          <a:spcPts val="0"/>
+                        </a:spcBef>
+                        <a:spcAft>
+                          <a:spcPts val="0"/>
+                        </a:spcAft>
+                      </a:pPr>
+                      <a:r>
+                        <a:rPr lang="en-US" sz="1100" b="0" dirty="0">
+                          <a:solidFill>
+                            <a:srgbClr val="000000"/>
+                          </a:solidFill>
+                          <a:effectLst/>
+                          <a:latin typeface="Calibri" panose="020F0502020204030204" pitchFamily="34" charset="0"/>
+                          <a:ea typeface="Times New Roman" panose="02020603050405020304" pitchFamily="18" charset="0"/>
+                          <a:cs typeface="Times New Roman" panose="02020603050405020304" pitchFamily="18" charset="0"/>
+                        </a:rPr>
+                        <a:t>1</a:t>
+                      </a:r>
+                      <a:endParaRPr lang="en-US" sz="1200" b="0" dirty="0">
+                        <a:effectLst/>
+                        <a:latin typeface="Helvetica" panose="020B0604020202020204" pitchFamily="34" charset="0"/>
+                        <a:ea typeface="Arial Unicode MS"/>
+                        <a:cs typeface="Times New Roman" panose="02020603050405020304" pitchFamily="18" charset="0"/>
+                      </a:endParaRPr>
+                    </a:p>
+                  </a:txBody>
+                  <a:tcPr marL="68580" marR="68580" marT="0" marB="0" anchor="b"/>
+                </a:tc>
+                <a:tc>
+                  <a:txBody>
+                    <a:bodyPr/>
+                    <a:lstStyle/>
+                    <a:p>
+                      <a:pPr marL="0" marR="0" algn="r">
+                        <a:spcBef>
+                          <a:spcPts val="0"/>
+                        </a:spcBef>
+                        <a:spcAft>
+                          <a:spcPts val="0"/>
+                        </a:spcAft>
+                      </a:pPr>
+                      <a:r>
+                        <a:rPr lang="en-US" sz="1100">
+                          <a:solidFill>
+                            <a:srgbClr val="000000"/>
+                          </a:solidFill>
+                          <a:effectLst/>
+                          <a:latin typeface="Calibri" panose="020F0502020204030204" pitchFamily="34" charset="0"/>
+                          <a:ea typeface="Times New Roman" panose="02020603050405020304" pitchFamily="18" charset="0"/>
+                          <a:cs typeface="Times New Roman" panose="02020603050405020304" pitchFamily="18" charset="0"/>
+                        </a:rPr>
+                        <a:t>0.771</a:t>
+                      </a:r>
+                      <a:endParaRPr lang="en-US" sz="1200">
+                        <a:effectLst/>
+                        <a:latin typeface="Helvetica" panose="020B0604020202020204" pitchFamily="34" charset="0"/>
+                        <a:ea typeface="Arial Unicode MS"/>
+                        <a:cs typeface="Times New Roman" panose="02020603050405020304" pitchFamily="18" charset="0"/>
+                      </a:endParaRPr>
+                    </a:p>
+                  </a:txBody>
+                  <a:tcPr marL="68580" marR="68580" marT="0" marB="0" anchor="b"/>
+                </a:tc>
+                <a:tc>
+                  <a:txBody>
+                    <a:bodyPr/>
+                    <a:lstStyle/>
+                    <a:p>
+                      <a:pPr marL="0" marR="0" algn="r">
+                        <a:spcBef>
+                          <a:spcPts val="0"/>
+                        </a:spcBef>
+                        <a:spcAft>
+                          <a:spcPts val="0"/>
+                        </a:spcAft>
+                      </a:pPr>
+                      <a:r>
+                        <a:rPr lang="en-US" sz="1100">
+                          <a:solidFill>
+                            <a:srgbClr val="000000"/>
+                          </a:solidFill>
+                          <a:effectLst/>
+                          <a:latin typeface="Calibri" panose="020F0502020204030204" pitchFamily="34" charset="0"/>
+                          <a:ea typeface="Times New Roman" panose="02020603050405020304" pitchFamily="18" charset="0"/>
+                          <a:cs typeface="Times New Roman" panose="02020603050405020304" pitchFamily="18" charset="0"/>
+                        </a:rPr>
+                        <a:t>0.643</a:t>
+                      </a:r>
+                      <a:endParaRPr lang="en-US" sz="1200">
+                        <a:effectLst/>
+                        <a:latin typeface="Helvetica" panose="020B0604020202020204" pitchFamily="34" charset="0"/>
+                        <a:ea typeface="Arial Unicode MS"/>
+                        <a:cs typeface="Times New Roman" panose="02020603050405020304" pitchFamily="18" charset="0"/>
+                      </a:endParaRPr>
+                    </a:p>
+                  </a:txBody>
+                  <a:tcPr marL="68580" marR="68580" marT="0" marB="0" anchor="b"/>
+                </a:tc>
+                <a:tc>
+                  <a:txBody>
+                    <a:bodyPr/>
+                    <a:lstStyle/>
+                    <a:p>
+                      <a:pPr marL="0" marR="0" algn="r">
+                        <a:spcBef>
+                          <a:spcPts val="0"/>
+                        </a:spcBef>
+                        <a:spcAft>
+                          <a:spcPts val="0"/>
+                        </a:spcAft>
+                      </a:pPr>
+                      <a:r>
+                        <a:rPr lang="en-US" sz="1100">
+                          <a:solidFill>
+                            <a:srgbClr val="000000"/>
+                          </a:solidFill>
+                          <a:effectLst/>
+                          <a:latin typeface="Calibri" panose="020F0502020204030204" pitchFamily="34" charset="0"/>
+                          <a:ea typeface="Times New Roman" panose="02020603050405020304" pitchFamily="18" charset="0"/>
+                          <a:cs typeface="Times New Roman" panose="02020603050405020304" pitchFamily="18" charset="0"/>
+                        </a:rPr>
+                        <a:t>0.811</a:t>
+                      </a:r>
+                      <a:endParaRPr lang="en-US" sz="1200">
+                        <a:effectLst/>
+                        <a:latin typeface="Helvetica" panose="020B0604020202020204" pitchFamily="34" charset="0"/>
+                        <a:ea typeface="Arial Unicode MS"/>
+                        <a:cs typeface="Times New Roman" panose="02020603050405020304" pitchFamily="18" charset="0"/>
+                      </a:endParaRPr>
+                    </a:p>
+                  </a:txBody>
+                  <a:tcPr marL="68580" marR="68580" marT="0" marB="0" anchor="b"/>
+                </a:tc>
+                <a:tc>
+                  <a:txBody>
+                    <a:bodyPr/>
+                    <a:lstStyle/>
+                    <a:p>
+                      <a:pPr marL="0" marR="0" algn="r">
+                        <a:spcBef>
+                          <a:spcPts val="0"/>
+                        </a:spcBef>
+                        <a:spcAft>
+                          <a:spcPts val="0"/>
+                        </a:spcAft>
+                      </a:pPr>
+                      <a:r>
+                        <a:rPr lang="en-US" sz="1100">
+                          <a:solidFill>
+                            <a:srgbClr val="000000"/>
+                          </a:solidFill>
+                          <a:effectLst/>
+                          <a:latin typeface="Calibri" panose="020F0502020204030204" pitchFamily="34" charset="0"/>
+                          <a:ea typeface="Times New Roman" panose="02020603050405020304" pitchFamily="18" charset="0"/>
+                          <a:cs typeface="Times New Roman" panose="02020603050405020304" pitchFamily="18" charset="0"/>
+                        </a:rPr>
+                        <a:t>485.735</a:t>
+                      </a:r>
+                      <a:endParaRPr lang="en-US" sz="1200">
+                        <a:effectLst/>
+                        <a:latin typeface="Helvetica" panose="020B0604020202020204" pitchFamily="34" charset="0"/>
+                        <a:ea typeface="Arial Unicode MS"/>
+                        <a:cs typeface="Times New Roman" panose="02020603050405020304" pitchFamily="18" charset="0"/>
+                      </a:endParaRPr>
+                    </a:p>
+                  </a:txBody>
+                  <a:tcPr marL="68580" marR="68580" marT="0" marB="0" anchor="b"/>
+                </a:tc>
+                <a:extLst>
+                  <a:ext uri="{0D108BD9-81ED-4DB2-BD59-A6C34878D82A}">
+                    <a16:rowId xmlns:a16="http://schemas.microsoft.com/office/drawing/2014/main" val="2563498567"/>
+                  </a:ext>
+                </a:extLst>
+              </a:tr>
+              <a:tr h="266700">
+                <a:tc>
+                  <a:txBody>
+                    <a:bodyPr/>
+                    <a:lstStyle/>
+                    <a:p>
+                      <a:pPr marL="0" marR="0" algn="r">
+                        <a:spcBef>
+                          <a:spcPts val="0"/>
+                        </a:spcBef>
+                        <a:spcAft>
+                          <a:spcPts val="0"/>
+                        </a:spcAft>
+                      </a:pPr>
+                      <a:r>
+                        <a:rPr lang="en-US" sz="1100" b="0" dirty="0">
+                          <a:solidFill>
+                            <a:srgbClr val="000000"/>
+                          </a:solidFill>
+                          <a:effectLst/>
+                          <a:latin typeface="Calibri" panose="020F0502020204030204" pitchFamily="34" charset="0"/>
+                          <a:ea typeface="Times New Roman" panose="02020603050405020304" pitchFamily="18" charset="0"/>
+                          <a:cs typeface="Times New Roman" panose="02020603050405020304" pitchFamily="18" charset="0"/>
+                        </a:rPr>
+                        <a:t>1</a:t>
+                      </a:r>
+                      <a:endParaRPr lang="en-US" sz="1200" b="0" dirty="0">
+                        <a:effectLst/>
+                        <a:latin typeface="Helvetica" panose="020B0604020202020204" pitchFamily="34" charset="0"/>
+                        <a:ea typeface="Arial Unicode MS"/>
+                        <a:cs typeface="Times New Roman" panose="02020603050405020304" pitchFamily="18" charset="0"/>
+                      </a:endParaRPr>
+                    </a:p>
+                  </a:txBody>
+                  <a:tcPr marL="68580" marR="68580" marT="0" marB="0" anchor="b"/>
+                </a:tc>
+                <a:tc>
+                  <a:txBody>
+                    <a:bodyPr/>
+                    <a:lstStyle/>
+                    <a:p>
+                      <a:pPr marL="0" marR="0" algn="r">
+                        <a:spcBef>
+                          <a:spcPts val="0"/>
+                        </a:spcBef>
+                        <a:spcAft>
+                          <a:spcPts val="0"/>
+                        </a:spcAft>
+                      </a:pPr>
+                      <a:r>
+                        <a:rPr lang="en-US" sz="1100">
+                          <a:solidFill>
+                            <a:srgbClr val="000000"/>
+                          </a:solidFill>
+                          <a:effectLst/>
+                          <a:latin typeface="Calibri" panose="020F0502020204030204" pitchFamily="34" charset="0"/>
+                          <a:ea typeface="Times New Roman" panose="02020603050405020304" pitchFamily="18" charset="0"/>
+                          <a:cs typeface="Times New Roman" panose="02020603050405020304" pitchFamily="18" charset="0"/>
+                        </a:rPr>
+                        <a:t>0.711</a:t>
+                      </a:r>
+                      <a:endParaRPr lang="en-US" sz="1200">
+                        <a:effectLst/>
+                        <a:latin typeface="Helvetica" panose="020B0604020202020204" pitchFamily="34" charset="0"/>
+                        <a:ea typeface="Arial Unicode MS"/>
+                        <a:cs typeface="Times New Roman" panose="02020603050405020304" pitchFamily="18" charset="0"/>
+                      </a:endParaRPr>
+                    </a:p>
+                  </a:txBody>
+                  <a:tcPr marL="68580" marR="68580" marT="0" marB="0" anchor="b"/>
+                </a:tc>
+                <a:tc>
+                  <a:txBody>
+                    <a:bodyPr/>
+                    <a:lstStyle/>
+                    <a:p>
+                      <a:pPr marL="0" marR="0" algn="r">
+                        <a:spcBef>
+                          <a:spcPts val="0"/>
+                        </a:spcBef>
+                        <a:spcAft>
+                          <a:spcPts val="0"/>
+                        </a:spcAft>
+                      </a:pPr>
+                      <a:r>
+                        <a:rPr lang="en-US" sz="1100">
+                          <a:solidFill>
+                            <a:srgbClr val="000000"/>
+                          </a:solidFill>
+                          <a:effectLst/>
+                          <a:latin typeface="Calibri" panose="020F0502020204030204" pitchFamily="34" charset="0"/>
+                          <a:ea typeface="Times New Roman" panose="02020603050405020304" pitchFamily="18" charset="0"/>
+                          <a:cs typeface="Times New Roman" panose="02020603050405020304" pitchFamily="18" charset="0"/>
+                        </a:rPr>
+                        <a:t>0.703</a:t>
+                      </a:r>
+                      <a:endParaRPr lang="en-US" sz="1200">
+                        <a:effectLst/>
+                        <a:latin typeface="Helvetica" panose="020B0604020202020204" pitchFamily="34" charset="0"/>
+                        <a:ea typeface="Arial Unicode MS"/>
+                        <a:cs typeface="Times New Roman" panose="02020603050405020304" pitchFamily="18" charset="0"/>
+                      </a:endParaRPr>
+                    </a:p>
+                  </a:txBody>
+                  <a:tcPr marL="68580" marR="68580" marT="0" marB="0" anchor="b"/>
+                </a:tc>
+                <a:tc>
+                  <a:txBody>
+                    <a:bodyPr/>
+                    <a:lstStyle/>
+                    <a:p>
+                      <a:pPr marL="0" marR="0" algn="r">
+                        <a:spcBef>
+                          <a:spcPts val="0"/>
+                        </a:spcBef>
+                        <a:spcAft>
+                          <a:spcPts val="0"/>
+                        </a:spcAft>
+                      </a:pPr>
+                      <a:r>
+                        <a:rPr lang="en-US" sz="1100">
+                          <a:solidFill>
+                            <a:srgbClr val="000000"/>
+                          </a:solidFill>
+                          <a:effectLst/>
+                          <a:latin typeface="Calibri" panose="020F0502020204030204" pitchFamily="34" charset="0"/>
+                          <a:ea typeface="Times New Roman" panose="02020603050405020304" pitchFamily="18" charset="0"/>
+                          <a:cs typeface="Times New Roman" panose="02020603050405020304" pitchFamily="18" charset="0"/>
+                        </a:rPr>
+                        <a:t>0.787</a:t>
+                      </a:r>
+                      <a:endParaRPr lang="en-US" sz="1200">
+                        <a:effectLst/>
+                        <a:latin typeface="Helvetica" panose="020B0604020202020204" pitchFamily="34" charset="0"/>
+                        <a:ea typeface="Arial Unicode MS"/>
+                        <a:cs typeface="Times New Roman" panose="02020603050405020304" pitchFamily="18" charset="0"/>
+                      </a:endParaRPr>
+                    </a:p>
+                  </a:txBody>
+                  <a:tcPr marL="68580" marR="68580" marT="0" marB="0" anchor="b"/>
+                </a:tc>
+                <a:tc>
+                  <a:txBody>
+                    <a:bodyPr/>
+                    <a:lstStyle/>
+                    <a:p>
+                      <a:pPr marL="0" marR="0" algn="r">
+                        <a:spcBef>
+                          <a:spcPts val="0"/>
+                        </a:spcBef>
+                        <a:spcAft>
+                          <a:spcPts val="0"/>
+                        </a:spcAft>
+                      </a:pPr>
+                      <a:r>
+                        <a:rPr lang="en-US" sz="1100" dirty="0">
+                          <a:solidFill>
+                            <a:srgbClr val="000000"/>
+                          </a:solidFill>
+                          <a:effectLst/>
+                          <a:latin typeface="Calibri" panose="020F0502020204030204" pitchFamily="34" charset="0"/>
+                          <a:ea typeface="Times New Roman" panose="02020603050405020304" pitchFamily="18" charset="0"/>
+                          <a:cs typeface="Times New Roman" panose="02020603050405020304" pitchFamily="18" charset="0"/>
+                        </a:rPr>
+                        <a:t>485.472</a:t>
+                      </a:r>
+                      <a:endParaRPr lang="en-US" sz="1200" dirty="0">
+                        <a:effectLst/>
+                        <a:latin typeface="Helvetica" panose="020B0604020202020204" pitchFamily="34" charset="0"/>
+                        <a:ea typeface="Arial Unicode MS"/>
+                        <a:cs typeface="Times New Roman" panose="02020603050405020304" pitchFamily="18" charset="0"/>
+                      </a:endParaRPr>
+                    </a:p>
+                  </a:txBody>
+                  <a:tcPr marL="68580" marR="68580" marT="0" marB="0" anchor="b"/>
+                </a:tc>
+                <a:extLst>
+                  <a:ext uri="{0D108BD9-81ED-4DB2-BD59-A6C34878D82A}">
+                    <a16:rowId xmlns:a16="http://schemas.microsoft.com/office/drawing/2014/main" val="2911062223"/>
+                  </a:ext>
+                </a:extLst>
+              </a:tr>
+            </a:tbl>
+          </a:graphicData>
+        </a:graphic>
+      </p:graphicFrame>
+      <p:pic>
+        <p:nvPicPr>
+          <p:cNvPr id="9" name="Picture 8">
+            <a:extLst>
+              <a:ext uri="{FF2B5EF4-FFF2-40B4-BE49-F238E27FC236}">
+                <a16:creationId xmlns:a16="http://schemas.microsoft.com/office/drawing/2014/main" id="{BF346A71-29CA-490E-94A5-33778C1E6C35}"/>
+              </a:ext>
+            </a:extLst>
+          </p:cNvPr>
+          <p:cNvPicPr/>
+          <p:nvPr/>
+        </p:nvPicPr>
+        <p:blipFill>
+          <a:blip r:embed="rId3"/>
+          <a:stretch>
+            <a:fillRect/>
+          </a:stretch>
+        </p:blipFill>
+        <p:spPr>
+          <a:xfrm>
+            <a:off x="-1" y="3602659"/>
+            <a:ext cx="4571999" cy="1887820"/>
+          </a:xfrm>
+          <a:prstGeom prst="rect">
+            <a:avLst/>
+          </a:prstGeom>
+        </p:spPr>
+      </p:pic>
+      <p:pic>
+        <p:nvPicPr>
+          <p:cNvPr id="10" name="Picture 9">
+            <a:extLst>
+              <a:ext uri="{FF2B5EF4-FFF2-40B4-BE49-F238E27FC236}">
+                <a16:creationId xmlns:a16="http://schemas.microsoft.com/office/drawing/2014/main" id="{0CDC7992-9CC7-4513-984F-CAD0C6A9CDE6}"/>
+              </a:ext>
+            </a:extLst>
+          </p:cNvPr>
+          <p:cNvPicPr/>
+          <p:nvPr/>
+        </p:nvPicPr>
+        <p:blipFill>
+          <a:blip r:embed="rId4"/>
+          <a:stretch>
+            <a:fillRect/>
+          </a:stretch>
+        </p:blipFill>
+        <p:spPr>
+          <a:xfrm>
+            <a:off x="4571998" y="3602659"/>
+            <a:ext cx="4571999" cy="1887820"/>
+          </a:xfrm>
+          <a:prstGeom prst="rect">
+            <a:avLst/>
+          </a:prstGeom>
+        </p:spPr>
+      </p:pic>
     </p:spTree>
+    <p:extLst>
+      <p:ext uri="{BB962C8B-B14F-4D97-AF65-F5344CB8AC3E}">
+        <p14:creationId xmlns:p14="http://schemas.microsoft.com/office/powerpoint/2010/main" val="1918966894"/>
+      </p:ext>
+    </p:extLst>
+  </p:cSld>
+  <p:clrMapOvr>
+    <a:masterClrMapping/>
+  </p:clrMapOvr>
+</p:sld>
+</file>
+
+<file path=ppt/slides/slide11.xml><?xml version="1.0" encoding="utf-8"?>
+<p:sld xmlns:a="http://schemas.openxmlformats.org/drawingml/2006/main" xmlns:r="http://schemas.openxmlformats.org/officeDocument/2006/relationships" xmlns:p="http://schemas.openxmlformats.org/presentationml/2006/main">
+  <p:cSld>
+    <p:spTree>
+      <p:nvGrpSpPr>
+        <p:cNvPr id="1" name=""/>
+        <p:cNvGrpSpPr/>
+        <p:nvPr/>
+      </p:nvGrpSpPr>
+      <p:grpSpPr>
+        <a:xfrm>
+          <a:off x="0" y="0"/>
+          <a:ext cx="0" cy="0"/>
+          <a:chOff x="0" y="0"/>
+          <a:chExt cx="0" cy="0"/>
+        </a:xfrm>
+      </p:grpSpPr>
+      <p:sp>
+        <p:nvSpPr>
+          <p:cNvPr id="2" name="Title 1">
+            <a:extLst>
+              <a:ext uri="{FF2B5EF4-FFF2-40B4-BE49-F238E27FC236}">
+                <a16:creationId xmlns:a16="http://schemas.microsoft.com/office/drawing/2014/main" id="{4EFC5FAD-3CA1-4744-B185-4DC4203D24D3}"/>
+              </a:ext>
+            </a:extLst>
+          </p:cNvPr>
+          <p:cNvSpPr>
+            <a:spLocks noGrp="1"/>
+          </p:cNvSpPr>
+          <p:nvPr>
+            <p:ph type="title"/>
+          </p:nvPr>
+        </p:nvSpPr>
+        <p:spPr/>
+        <p:txBody>
+          <a:bodyPr/>
+          <a:lstStyle/>
+          <a:p>
+            <a:r>
+              <a:rPr lang="en-US" dirty="0"/>
+              <a:t>0-1 Knapsack Takeaways</a:t>
+            </a:r>
+          </a:p>
+        </p:txBody>
+      </p:sp>
+      <p:sp>
+        <p:nvSpPr>
+          <p:cNvPr id="3" name="Content Placeholder 2">
+            <a:extLst>
+              <a:ext uri="{FF2B5EF4-FFF2-40B4-BE49-F238E27FC236}">
+                <a16:creationId xmlns:a16="http://schemas.microsoft.com/office/drawing/2014/main" id="{B72B3CA9-BED0-4C6F-9D62-F44C94E219E2}"/>
+              </a:ext>
+            </a:extLst>
+          </p:cNvPr>
+          <p:cNvSpPr>
+            <a:spLocks noGrp="1"/>
+          </p:cNvSpPr>
+          <p:nvPr>
+            <p:ph idx="1"/>
+          </p:nvPr>
+        </p:nvSpPr>
+        <p:spPr>
+          <a:xfrm>
+            <a:off x="457200" y="1600200"/>
+            <a:ext cx="8229600" cy="4495799"/>
+          </a:xfrm>
+        </p:spPr>
+        <p:txBody>
+          <a:bodyPr>
+            <a:normAutofit lnSpcReduction="10000"/>
+          </a:bodyPr>
+          <a:lstStyle/>
+          <a:p>
+            <a:pPr lvl="1"/>
+            <a:r>
+              <a:rPr lang="en-US" dirty="0"/>
+              <a:t>Genetic algorithms aren’t always the way to go to get the best possible answer.</a:t>
+            </a:r>
+          </a:p>
+          <a:p>
+            <a:pPr lvl="1"/>
+            <a:r>
+              <a:rPr lang="en-US" dirty="0"/>
+              <a:t>So many minor variables are unforeseeable but significantly affect the problem. Hence why Khot’s Conjecture is so interesting.</a:t>
+            </a:r>
+          </a:p>
+          <a:p>
+            <a:pPr lvl="1"/>
+            <a:r>
+              <a:rPr lang="en-US" dirty="0"/>
+              <a:t>Genetic algorithms are awesome, and I would like to use them in the future. Abraham Maslow – “If all you have is a hammer, everything looks like a nail” will come to mind when I think about applying it though.</a:t>
+            </a:r>
+          </a:p>
+        </p:txBody>
+      </p:sp>
+    </p:spTree>
+    <p:extLst>
+      <p:ext uri="{BB962C8B-B14F-4D97-AF65-F5344CB8AC3E}">
+        <p14:creationId xmlns:p14="http://schemas.microsoft.com/office/powerpoint/2010/main" val="2022440248"/>
+      </p:ext>
+    </p:extLst>
+  </p:cSld>
+  <p:clrMapOvr>
+    <a:masterClrMapping/>
+  </p:clrMapOvr>
+</p:sld>
+</file>
+
+<file path=ppt/slides/slide12.xml><?xml version="1.0" encoding="utf-8"?>
+<p:sld xmlns:a="http://schemas.openxmlformats.org/drawingml/2006/main" xmlns:r="http://schemas.openxmlformats.org/officeDocument/2006/relationships" xmlns:p="http://schemas.openxmlformats.org/presentationml/2006/main">
+  <p:cSld>
+    <p:spTree>
+      <p:nvGrpSpPr>
+        <p:cNvPr id="1" name=""/>
+        <p:cNvGrpSpPr/>
+        <p:nvPr/>
+      </p:nvGrpSpPr>
+      <p:grpSpPr>
+        <a:xfrm>
+          <a:off x="0" y="0"/>
+          <a:ext cx="0" cy="0"/>
+          <a:chOff x="0" y="0"/>
+          <a:chExt cx="0" cy="0"/>
+        </a:xfrm>
+      </p:grpSpPr>
+      <p:sp>
+        <p:nvSpPr>
+          <p:cNvPr id="6" name="Title 5"/>
+          <p:cNvSpPr>
+            <a:spLocks noGrp="1"/>
+          </p:cNvSpPr>
+          <p:nvPr>
+            <p:ph type="title"/>
+          </p:nvPr>
+        </p:nvSpPr>
+        <p:spPr/>
+        <p:txBody>
+          <a:bodyPr/>
+          <a:lstStyle/>
+          <a:p>
+            <a:r>
+              <a:rPr lang="en-US" dirty="0"/>
+              <a:t>Graph Coloring</a:t>
+            </a:r>
+          </a:p>
+        </p:txBody>
+      </p:sp>
+      <p:sp>
+        <p:nvSpPr>
+          <p:cNvPr id="7" name="Content Placeholder 6"/>
+          <p:cNvSpPr>
+            <a:spLocks noGrp="1"/>
+          </p:cNvSpPr>
+          <p:nvPr>
+            <p:ph idx="1"/>
+          </p:nvPr>
+        </p:nvSpPr>
+        <p:spPr>
+          <a:xfrm>
+            <a:off x="457200" y="1600201"/>
+            <a:ext cx="8229600" cy="4419600"/>
+          </a:xfrm>
+        </p:spPr>
+        <p:txBody>
+          <a:bodyPr>
+            <a:normAutofit fontScale="92500"/>
+          </a:bodyPr>
+          <a:lstStyle/>
+          <a:p>
+            <a:pPr lvl="1"/>
+            <a:r>
+              <a:rPr lang="en-US" dirty="0"/>
+              <a:t>We opted for the simple vertex coloring problem, where the only rule is that no node can be neighbored with a node of the same color.</a:t>
+            </a:r>
+          </a:p>
+          <a:p>
+            <a:pPr lvl="1"/>
+            <a:r>
+              <a:rPr lang="en-US" dirty="0"/>
+              <a:t>Determining when to cut a branch was based on the four-color theorem proved by Kenneth Appel and Wolfgang Haken.</a:t>
+            </a:r>
+          </a:p>
+          <a:p>
+            <a:pPr lvl="1"/>
+            <a:r>
+              <a:rPr lang="en-US" dirty="0"/>
+              <a:t>Ran into complexity issues because our algorithm had two sets of heuristics: one for determining which node to color first, and one for which graph to continue progress on first.</a:t>
+            </a:r>
+          </a:p>
+          <a:p>
+            <a:pPr lvl="1"/>
+            <a:endParaRPr lang="en-US" dirty="0"/>
+          </a:p>
+        </p:txBody>
+      </p:sp>
+    </p:spTree>
+    <p:extLst>
+      <p:ext uri="{BB962C8B-B14F-4D97-AF65-F5344CB8AC3E}">
+        <p14:creationId xmlns:p14="http://schemas.microsoft.com/office/powerpoint/2010/main" val="861326887"/>
+      </p:ext>
+    </p:extLst>
+  </p:cSld>
+  <p:clrMapOvr>
+    <a:masterClrMapping/>
+  </p:clrMapOvr>
+</p:sld>
+</file>
+
+<file path=ppt/slides/slide13.xml><?xml version="1.0" encoding="utf-8"?>
+<p:sld xmlns:a="http://schemas.openxmlformats.org/drawingml/2006/main" xmlns:r="http://schemas.openxmlformats.org/officeDocument/2006/relationships" xmlns:p="http://schemas.openxmlformats.org/presentationml/2006/main">
+  <p:cSld>
+    <p:spTree>
+      <p:nvGrpSpPr>
+        <p:cNvPr id="1" name=""/>
+        <p:cNvGrpSpPr/>
+        <p:nvPr/>
+      </p:nvGrpSpPr>
+      <p:grpSpPr>
+        <a:xfrm>
+          <a:off x="0" y="0"/>
+          <a:ext cx="0" cy="0"/>
+          <a:chOff x="0" y="0"/>
+          <a:chExt cx="0" cy="0"/>
+        </a:xfrm>
+      </p:grpSpPr>
+      <p:sp>
+        <p:nvSpPr>
+          <p:cNvPr id="6" name="Title 5"/>
+          <p:cNvSpPr>
+            <a:spLocks noGrp="1"/>
+          </p:cNvSpPr>
+          <p:nvPr>
+            <p:ph type="title"/>
+          </p:nvPr>
+        </p:nvSpPr>
+        <p:spPr/>
+        <p:txBody>
+          <a:bodyPr/>
+          <a:lstStyle/>
+          <a:p>
+            <a:r>
+              <a:rPr lang="en-US" dirty="0"/>
+              <a:t>Graph Coloring Genetic Algorithm</a:t>
+            </a:r>
+          </a:p>
+        </p:txBody>
+      </p:sp>
+      <p:sp>
+        <p:nvSpPr>
+          <p:cNvPr id="7" name="Content Placeholder 6"/>
+          <p:cNvSpPr>
+            <a:spLocks noGrp="1"/>
+          </p:cNvSpPr>
+          <p:nvPr>
+            <p:ph idx="1"/>
+          </p:nvPr>
+        </p:nvSpPr>
+        <p:spPr>
+          <a:xfrm>
+            <a:off x="457200" y="1600201"/>
+            <a:ext cx="8229600" cy="4419600"/>
+          </a:xfrm>
+        </p:spPr>
+        <p:txBody>
+          <a:bodyPr>
+            <a:normAutofit fontScale="92500" lnSpcReduction="10000"/>
+          </a:bodyPr>
+          <a:lstStyle/>
+          <a:p>
+            <a:pPr lvl="1"/>
+            <a:r>
+              <a:rPr lang="en-US" dirty="0"/>
+              <a:t>Genetic Algorithm Fitness</a:t>
+            </a:r>
+          </a:p>
+          <a:p>
+            <a:pPr lvl="2"/>
+            <a:r>
+              <a:rPr lang="en-US" dirty="0"/>
+              <a:t>How many nodes were attempted to be colored before the algorithm found a solution</a:t>
+            </a:r>
+          </a:p>
+          <a:p>
+            <a:pPr lvl="1"/>
+            <a:r>
+              <a:rPr lang="en-US" dirty="0"/>
+              <a:t>Graph fitness</a:t>
+            </a:r>
+          </a:p>
+          <a:p>
+            <a:pPr lvl="2"/>
+            <a:r>
+              <a:rPr lang="en-US" dirty="0"/>
+              <a:t>Priority of total number of current colors</a:t>
+            </a:r>
+          </a:p>
+          <a:p>
+            <a:pPr lvl="2"/>
+            <a:r>
+              <a:rPr lang="en-US" dirty="0"/>
+              <a:t>Priority of graph percentage completion</a:t>
+            </a:r>
+          </a:p>
+          <a:p>
+            <a:pPr lvl="2"/>
+            <a:r>
+              <a:rPr lang="en-US" dirty="0"/>
+              <a:t>Priority of total number of edges with an uncolored vertex</a:t>
+            </a:r>
+          </a:p>
+          <a:p>
+            <a:pPr lvl="1"/>
+            <a:r>
+              <a:rPr lang="en-US" dirty="0"/>
+              <a:t>Node fitness</a:t>
+            </a:r>
+          </a:p>
+          <a:p>
+            <a:pPr lvl="2"/>
+            <a:r>
+              <a:rPr lang="en-US" dirty="0"/>
+              <a:t>Priority on total number of uncolored neighbors</a:t>
+            </a:r>
+          </a:p>
+          <a:p>
+            <a:pPr lvl="2"/>
+            <a:r>
+              <a:rPr lang="en-US" dirty="0"/>
+              <a:t>Priority on the node’s degree</a:t>
+            </a:r>
+          </a:p>
+        </p:txBody>
+      </p:sp>
+    </p:spTree>
+    <p:extLst>
+      <p:ext uri="{BB962C8B-B14F-4D97-AF65-F5344CB8AC3E}">
+        <p14:creationId xmlns:p14="http://schemas.microsoft.com/office/powerpoint/2010/main" val="312505207"/>
+      </p:ext>
+    </p:extLst>
+  </p:cSld>
+  <p:clrMapOvr>
+    <a:masterClrMapping/>
+  </p:clrMapOvr>
+</p:sld>
+</file>
+
+<file path=ppt/slides/slide14.xml><?xml version="1.0" encoding="utf-8"?>
+<p:sld xmlns:a="http://schemas.openxmlformats.org/drawingml/2006/main" xmlns:r="http://schemas.openxmlformats.org/officeDocument/2006/relationships" xmlns:p="http://schemas.openxmlformats.org/presentationml/2006/main">
+  <p:cSld>
+    <p:spTree>
+      <p:nvGrpSpPr>
+        <p:cNvPr id="1" name=""/>
+        <p:cNvGrpSpPr/>
+        <p:nvPr/>
+      </p:nvGrpSpPr>
+      <p:grpSpPr>
+        <a:xfrm>
+          <a:off x="0" y="0"/>
+          <a:ext cx="0" cy="0"/>
+          <a:chOff x="0" y="0"/>
+          <a:chExt cx="0" cy="0"/>
+        </a:xfrm>
+      </p:grpSpPr>
+      <p:sp>
+        <p:nvSpPr>
+          <p:cNvPr id="6" name="Title 5"/>
+          <p:cNvSpPr>
+            <a:spLocks noGrp="1"/>
+          </p:cNvSpPr>
+          <p:nvPr>
+            <p:ph type="title"/>
+          </p:nvPr>
+        </p:nvSpPr>
+        <p:spPr>
+          <a:xfrm>
+            <a:off x="457200" y="274638"/>
+            <a:ext cx="4191000" cy="1143000"/>
+          </a:xfrm>
+        </p:spPr>
+        <p:txBody>
+          <a:bodyPr>
+            <a:normAutofit fontScale="90000"/>
+          </a:bodyPr>
+          <a:lstStyle/>
+          <a:p>
+            <a:r>
+              <a:rPr lang="en-US" dirty="0"/>
+              <a:t>Graph Coloring Data - Balanced</a:t>
+            </a:r>
+          </a:p>
+        </p:txBody>
+      </p:sp>
+      <p:graphicFrame>
+        <p:nvGraphicFramePr>
+          <p:cNvPr id="4" name="Table 3">
+            <a:extLst>
+              <a:ext uri="{FF2B5EF4-FFF2-40B4-BE49-F238E27FC236}">
+                <a16:creationId xmlns:a16="http://schemas.microsoft.com/office/drawing/2014/main" id="{DAECFBA7-E0F1-43EB-B089-5EADED464330}"/>
+              </a:ext>
+            </a:extLst>
+          </p:cNvPr>
+          <p:cNvGraphicFramePr/>
+          <p:nvPr>
+            <p:extLst>
+              <p:ext uri="{D42A27DB-BD31-4B8C-83A1-F6EECF244321}">
+                <p14:modId xmlns:p14="http://schemas.microsoft.com/office/powerpoint/2010/main" val="2923193338"/>
+              </p:ext>
+            </p:extLst>
+          </p:nvPr>
+        </p:nvGraphicFramePr>
+        <p:xfrm>
+          <a:off x="4955035" y="280571"/>
+          <a:ext cx="3200400" cy="1034415"/>
+        </p:xfrm>
+        <a:graphic>
+          <a:graphicData uri="http://schemas.openxmlformats.org/drawingml/2006/table">
+            <a:tbl>
+              <a:tblPr firstRow="1" firstCol="1" bandRow="1">
+                <a:tableStyleId>{D7AC3CCA-C797-4891-BE02-D94E43425B78}</a:tableStyleId>
+              </a:tblPr>
+              <a:tblGrid>
+                <a:gridCol w="2514600">
+                  <a:extLst>
+                    <a:ext uri="{9D8B030D-6E8A-4147-A177-3AD203B41FA5}">
+                      <a16:colId xmlns:a16="http://schemas.microsoft.com/office/drawing/2014/main" val="548071243"/>
+                    </a:ext>
+                  </a:extLst>
+                </a:gridCol>
+                <a:gridCol w="685800">
+                  <a:extLst>
+                    <a:ext uri="{9D8B030D-6E8A-4147-A177-3AD203B41FA5}">
+                      <a16:colId xmlns:a16="http://schemas.microsoft.com/office/drawing/2014/main" val="865789244"/>
+                    </a:ext>
+                  </a:extLst>
+                </a:gridCol>
+              </a:tblGrid>
+              <a:tr h="182880">
+                <a:tc>
+                  <a:txBody>
+                    <a:bodyPr/>
+                    <a:lstStyle/>
+                    <a:p>
+                      <a:pPr marL="0" marR="0" algn="l" fontAlgn="t">
+                        <a:lnSpc>
+                          <a:spcPct val="200000"/>
+                        </a:lnSpc>
+                        <a:spcBef>
+                          <a:spcPts val="0"/>
+                        </a:spcBef>
+                        <a:spcAft>
+                          <a:spcPts val="800"/>
+                        </a:spcAft>
+                      </a:pPr>
+                      <a:r>
+                        <a:rPr lang="en-US" sz="1100" u="none" strike="noStrike" dirty="0">
+                          <a:effectLst/>
+                        </a:rPr>
+                        <a:t>% Chromosomes Mutated</a:t>
+                      </a:r>
+                      <a:endParaRPr lang="en-US" sz="1800" b="0" i="0" u="none" strike="noStrike" dirty="0">
+                        <a:effectLst/>
+                        <a:latin typeface="Arial" panose="020B0604020202020204" pitchFamily="34" charset="0"/>
+                      </a:endParaRPr>
+                    </a:p>
+                  </a:txBody>
+                  <a:tcPr marL="73025" marR="73025" marT="9525" marB="0"/>
+                </a:tc>
+                <a:tc>
+                  <a:txBody>
+                    <a:bodyPr/>
+                    <a:lstStyle/>
+                    <a:p>
+                      <a:pPr marL="0" marR="0" algn="l" fontAlgn="t">
+                        <a:lnSpc>
+                          <a:spcPct val="200000"/>
+                        </a:lnSpc>
+                        <a:spcBef>
+                          <a:spcPts val="0"/>
+                        </a:spcBef>
+                        <a:spcAft>
+                          <a:spcPts val="800"/>
+                        </a:spcAft>
+                      </a:pPr>
+                      <a:r>
+                        <a:rPr lang="en-US" sz="1100" b="0" u="none" strike="noStrike" dirty="0">
+                          <a:effectLst/>
+                        </a:rPr>
+                        <a:t>100%</a:t>
+                      </a:r>
+                      <a:endParaRPr lang="en-US" sz="1800" b="0" i="0" u="none" strike="noStrike" dirty="0">
+                        <a:effectLst/>
+                        <a:latin typeface="Arial" panose="020B0604020202020204" pitchFamily="34" charset="0"/>
+                      </a:endParaRPr>
+                    </a:p>
+                  </a:txBody>
+                  <a:tcPr marL="73025" marR="73025" marT="9525" marB="0"/>
+                </a:tc>
+                <a:extLst>
+                  <a:ext uri="{0D108BD9-81ED-4DB2-BD59-A6C34878D82A}">
+                    <a16:rowId xmlns:a16="http://schemas.microsoft.com/office/drawing/2014/main" val="343608565"/>
+                  </a:ext>
+                </a:extLst>
+              </a:tr>
+              <a:tr h="182880">
+                <a:tc>
+                  <a:txBody>
+                    <a:bodyPr/>
+                    <a:lstStyle/>
+                    <a:p>
+                      <a:pPr marL="0" marR="0" algn="l" fontAlgn="t">
+                        <a:lnSpc>
+                          <a:spcPct val="200000"/>
+                        </a:lnSpc>
+                        <a:spcBef>
+                          <a:spcPts val="0"/>
+                        </a:spcBef>
+                        <a:spcAft>
+                          <a:spcPts val="800"/>
+                        </a:spcAft>
+                      </a:pPr>
+                      <a:r>
+                        <a:rPr lang="en-US" sz="1100" u="none" strike="noStrike" dirty="0">
+                          <a:effectLst/>
+                        </a:rPr>
+                        <a:t>% Genes Mutated</a:t>
+                      </a:r>
+                      <a:endParaRPr lang="en-US" sz="1800" b="0" i="0" u="none" strike="noStrike" dirty="0">
+                        <a:effectLst/>
+                        <a:latin typeface="Arial" panose="020B0604020202020204" pitchFamily="34" charset="0"/>
+                      </a:endParaRPr>
+                    </a:p>
+                  </a:txBody>
+                  <a:tcPr marL="73025" marR="73025" marT="9525" marB="0"/>
+                </a:tc>
+                <a:tc>
+                  <a:txBody>
+                    <a:bodyPr/>
+                    <a:lstStyle/>
+                    <a:p>
+                      <a:pPr marL="0" marR="0" algn="l" fontAlgn="t">
+                        <a:lnSpc>
+                          <a:spcPct val="200000"/>
+                        </a:lnSpc>
+                        <a:spcBef>
+                          <a:spcPts val="0"/>
+                        </a:spcBef>
+                        <a:spcAft>
+                          <a:spcPts val="800"/>
+                        </a:spcAft>
+                      </a:pPr>
+                      <a:r>
+                        <a:rPr lang="en-US" sz="1100" u="none" strike="noStrike" dirty="0">
+                          <a:effectLst/>
+                        </a:rPr>
+                        <a:t>25%</a:t>
+                      </a:r>
+                      <a:endParaRPr lang="en-US" sz="1800" b="0" i="0" u="none" strike="noStrike" dirty="0">
+                        <a:effectLst/>
+                        <a:latin typeface="Arial" panose="020B0604020202020204" pitchFamily="34" charset="0"/>
+                      </a:endParaRPr>
+                    </a:p>
+                  </a:txBody>
+                  <a:tcPr marL="73025" marR="73025" marT="9525" marB="0"/>
+                </a:tc>
+                <a:extLst>
+                  <a:ext uri="{0D108BD9-81ED-4DB2-BD59-A6C34878D82A}">
+                    <a16:rowId xmlns:a16="http://schemas.microsoft.com/office/drawing/2014/main" val="4016507406"/>
+                  </a:ext>
+                </a:extLst>
+              </a:tr>
+              <a:tr h="182880">
+                <a:tc>
+                  <a:txBody>
+                    <a:bodyPr/>
+                    <a:lstStyle/>
+                    <a:p>
+                      <a:pPr marL="0" marR="0" algn="l" fontAlgn="t">
+                        <a:lnSpc>
+                          <a:spcPct val="200000"/>
+                        </a:lnSpc>
+                        <a:spcBef>
+                          <a:spcPts val="0"/>
+                        </a:spcBef>
+                        <a:spcAft>
+                          <a:spcPts val="800"/>
+                        </a:spcAft>
+                      </a:pPr>
+                      <a:r>
+                        <a:rPr lang="en-US" sz="1100" u="none" strike="noStrike">
+                          <a:effectLst/>
+                        </a:rPr>
+                        <a:t>Maximum % Mutation Deviation</a:t>
+                      </a:r>
+                      <a:endParaRPr lang="en-US" sz="1800" b="0" i="0" u="none" strike="noStrike">
+                        <a:effectLst/>
+                        <a:latin typeface="Arial" panose="020B0604020202020204" pitchFamily="34" charset="0"/>
+                      </a:endParaRPr>
+                    </a:p>
+                  </a:txBody>
+                  <a:tcPr marL="73025" marR="73025" marT="9525" marB="0"/>
+                </a:tc>
+                <a:tc>
+                  <a:txBody>
+                    <a:bodyPr/>
+                    <a:lstStyle/>
+                    <a:p>
+                      <a:pPr marL="0" marR="0" algn="l" fontAlgn="t">
+                        <a:lnSpc>
+                          <a:spcPct val="200000"/>
+                        </a:lnSpc>
+                        <a:spcBef>
+                          <a:spcPts val="0"/>
+                        </a:spcBef>
+                        <a:spcAft>
+                          <a:spcPts val="800"/>
+                        </a:spcAft>
+                      </a:pPr>
+                      <a:r>
+                        <a:rPr lang="en-US" sz="1100" u="none" strike="noStrike" dirty="0">
+                          <a:effectLst/>
+                        </a:rPr>
+                        <a:t>25%</a:t>
+                      </a:r>
+                      <a:endParaRPr lang="en-US" sz="1800" b="0" i="0" u="none" strike="noStrike" dirty="0">
+                        <a:effectLst/>
+                        <a:latin typeface="Arial" panose="020B0604020202020204" pitchFamily="34" charset="0"/>
+                      </a:endParaRPr>
+                    </a:p>
+                  </a:txBody>
+                  <a:tcPr marL="73025" marR="73025" marT="9525" marB="0"/>
+                </a:tc>
+                <a:extLst>
+                  <a:ext uri="{0D108BD9-81ED-4DB2-BD59-A6C34878D82A}">
+                    <a16:rowId xmlns:a16="http://schemas.microsoft.com/office/drawing/2014/main" val="3230206971"/>
+                  </a:ext>
+                </a:extLst>
+              </a:tr>
+            </a:tbl>
+          </a:graphicData>
+        </a:graphic>
+      </p:graphicFrame>
+      <p:pic>
+        <p:nvPicPr>
+          <p:cNvPr id="5" name="Picture 4">
+            <a:extLst>
+              <a:ext uri="{FF2B5EF4-FFF2-40B4-BE49-F238E27FC236}">
+                <a16:creationId xmlns:a16="http://schemas.microsoft.com/office/drawing/2014/main" id="{1BB31C77-F013-417A-9B77-B12A8570686D}"/>
+              </a:ext>
+            </a:extLst>
+          </p:cNvPr>
+          <p:cNvPicPr>
+            <a:picLocks noChangeAspect="1"/>
+          </p:cNvPicPr>
+          <p:nvPr/>
+        </p:nvPicPr>
+        <p:blipFill>
+          <a:blip r:embed="rId3"/>
+          <a:stretch>
+            <a:fillRect/>
+          </a:stretch>
+        </p:blipFill>
+        <p:spPr>
+          <a:xfrm>
+            <a:off x="723900" y="1314961"/>
+            <a:ext cx="3657600" cy="2893016"/>
+          </a:xfrm>
+          <a:prstGeom prst="rect">
+            <a:avLst/>
+          </a:prstGeom>
+        </p:spPr>
+      </p:pic>
+      <p:pic>
+        <p:nvPicPr>
+          <p:cNvPr id="8" name="Picture 7">
+            <a:extLst>
+              <a:ext uri="{FF2B5EF4-FFF2-40B4-BE49-F238E27FC236}">
+                <a16:creationId xmlns:a16="http://schemas.microsoft.com/office/drawing/2014/main" id="{968B68F9-F8D4-49DE-BB1D-9D89EADC7122}"/>
+              </a:ext>
+            </a:extLst>
+          </p:cNvPr>
+          <p:cNvPicPr>
+            <a:picLocks noChangeAspect="1"/>
+          </p:cNvPicPr>
+          <p:nvPr/>
+        </p:nvPicPr>
+        <p:blipFill>
+          <a:blip r:embed="rId4"/>
+          <a:stretch>
+            <a:fillRect/>
+          </a:stretch>
+        </p:blipFill>
+        <p:spPr>
+          <a:xfrm>
+            <a:off x="1" y="4161448"/>
+            <a:ext cx="4572000" cy="1934988"/>
+          </a:xfrm>
+          <a:prstGeom prst="rect">
+            <a:avLst/>
+          </a:prstGeom>
+        </p:spPr>
+      </p:pic>
+      <p:pic>
+        <p:nvPicPr>
+          <p:cNvPr id="9" name="Picture 8">
+            <a:extLst>
+              <a:ext uri="{FF2B5EF4-FFF2-40B4-BE49-F238E27FC236}">
+                <a16:creationId xmlns:a16="http://schemas.microsoft.com/office/drawing/2014/main" id="{A4717681-E79B-4AC4-918B-2FBD5302510F}"/>
+              </a:ext>
+            </a:extLst>
+          </p:cNvPr>
+          <p:cNvPicPr>
+            <a:picLocks noChangeAspect="1"/>
+          </p:cNvPicPr>
+          <p:nvPr/>
+        </p:nvPicPr>
+        <p:blipFill>
+          <a:blip r:embed="rId5"/>
+          <a:stretch>
+            <a:fillRect/>
+          </a:stretch>
+        </p:blipFill>
+        <p:spPr>
+          <a:xfrm>
+            <a:off x="4572001" y="4161448"/>
+            <a:ext cx="4571999" cy="1934988"/>
+          </a:xfrm>
+          <a:prstGeom prst="rect">
+            <a:avLst/>
+          </a:prstGeom>
+        </p:spPr>
+      </p:pic>
+      <p:pic>
+        <p:nvPicPr>
+          <p:cNvPr id="10" name="Picture 9">
+            <a:extLst>
+              <a:ext uri="{FF2B5EF4-FFF2-40B4-BE49-F238E27FC236}">
+                <a16:creationId xmlns:a16="http://schemas.microsoft.com/office/drawing/2014/main" id="{309B4E32-B77B-4A2C-A127-71FF0786A17D}"/>
+              </a:ext>
+            </a:extLst>
+          </p:cNvPr>
+          <p:cNvPicPr>
+            <a:picLocks noChangeAspect="1"/>
+          </p:cNvPicPr>
+          <p:nvPr/>
+        </p:nvPicPr>
+        <p:blipFill>
+          <a:blip r:embed="rId6"/>
+          <a:stretch>
+            <a:fillRect/>
+          </a:stretch>
+        </p:blipFill>
+        <p:spPr>
+          <a:xfrm>
+            <a:off x="5486400" y="1335593"/>
+            <a:ext cx="3428999" cy="2929029"/>
+          </a:xfrm>
+          <a:prstGeom prst="rect">
+            <a:avLst/>
+          </a:prstGeom>
+        </p:spPr>
+      </p:pic>
+    </p:spTree>
+    <p:extLst>
+      <p:ext uri="{BB962C8B-B14F-4D97-AF65-F5344CB8AC3E}">
+        <p14:creationId xmlns:p14="http://schemas.microsoft.com/office/powerpoint/2010/main" val="972337160"/>
+      </p:ext>
+    </p:extLst>
+  </p:cSld>
+  <p:clrMapOvr>
+    <a:masterClrMapping/>
+  </p:clrMapOvr>
+</p:sld>
+</file>
+
+<file path=ppt/slides/slide15.xml><?xml version="1.0" encoding="utf-8"?>
+<p:sld xmlns:a="http://schemas.openxmlformats.org/drawingml/2006/main" xmlns:r="http://schemas.openxmlformats.org/officeDocument/2006/relationships" xmlns:p="http://schemas.openxmlformats.org/presentationml/2006/main">
+  <p:cSld>
+    <p:spTree>
+      <p:nvGrpSpPr>
+        <p:cNvPr id="1" name=""/>
+        <p:cNvGrpSpPr/>
+        <p:nvPr/>
+      </p:nvGrpSpPr>
+      <p:grpSpPr>
+        <a:xfrm>
+          <a:off x="0" y="0"/>
+          <a:ext cx="0" cy="0"/>
+          <a:chOff x="0" y="0"/>
+          <a:chExt cx="0" cy="0"/>
+        </a:xfrm>
+      </p:grpSpPr>
+      <p:sp>
+        <p:nvSpPr>
+          <p:cNvPr id="6" name="Title 5"/>
+          <p:cNvSpPr>
+            <a:spLocks noGrp="1"/>
+          </p:cNvSpPr>
+          <p:nvPr>
+            <p:ph type="title"/>
+          </p:nvPr>
+        </p:nvSpPr>
+        <p:spPr>
+          <a:xfrm>
+            <a:off x="457200" y="274638"/>
+            <a:ext cx="4343400" cy="1143000"/>
+          </a:xfrm>
+        </p:spPr>
+        <p:txBody>
+          <a:bodyPr>
+            <a:normAutofit fontScale="90000"/>
+          </a:bodyPr>
+          <a:lstStyle/>
+          <a:p>
+            <a:r>
+              <a:rPr lang="en-US" dirty="0"/>
+              <a:t>Graph Coloring Data - Liberal</a:t>
+            </a:r>
+          </a:p>
+        </p:txBody>
+      </p:sp>
+      <p:graphicFrame>
+        <p:nvGraphicFramePr>
+          <p:cNvPr id="4" name="Table 3">
+            <a:extLst>
+              <a:ext uri="{FF2B5EF4-FFF2-40B4-BE49-F238E27FC236}">
+                <a16:creationId xmlns:a16="http://schemas.microsoft.com/office/drawing/2014/main" id="{DAECFBA7-E0F1-43EB-B089-5EADED464330}"/>
+              </a:ext>
+            </a:extLst>
+          </p:cNvPr>
+          <p:cNvGraphicFramePr/>
+          <p:nvPr>
+            <p:extLst>
+              <p:ext uri="{D42A27DB-BD31-4B8C-83A1-F6EECF244321}">
+                <p14:modId xmlns:p14="http://schemas.microsoft.com/office/powerpoint/2010/main" val="2031458495"/>
+              </p:ext>
+            </p:extLst>
+          </p:nvPr>
+        </p:nvGraphicFramePr>
+        <p:xfrm>
+          <a:off x="4955035" y="280571"/>
+          <a:ext cx="3200400" cy="1034415"/>
+        </p:xfrm>
+        <a:graphic>
+          <a:graphicData uri="http://schemas.openxmlformats.org/drawingml/2006/table">
+            <a:tbl>
+              <a:tblPr firstRow="1" firstCol="1" bandRow="1">
+                <a:tableStyleId>{D7AC3CCA-C797-4891-BE02-D94E43425B78}</a:tableStyleId>
+              </a:tblPr>
+              <a:tblGrid>
+                <a:gridCol w="2514600">
+                  <a:extLst>
+                    <a:ext uri="{9D8B030D-6E8A-4147-A177-3AD203B41FA5}">
+                      <a16:colId xmlns:a16="http://schemas.microsoft.com/office/drawing/2014/main" val="548071243"/>
+                    </a:ext>
+                  </a:extLst>
+                </a:gridCol>
+                <a:gridCol w="685800">
+                  <a:extLst>
+                    <a:ext uri="{9D8B030D-6E8A-4147-A177-3AD203B41FA5}">
+                      <a16:colId xmlns:a16="http://schemas.microsoft.com/office/drawing/2014/main" val="865789244"/>
+                    </a:ext>
+                  </a:extLst>
+                </a:gridCol>
+              </a:tblGrid>
+              <a:tr h="182880">
+                <a:tc>
+                  <a:txBody>
+                    <a:bodyPr/>
+                    <a:lstStyle/>
+                    <a:p>
+                      <a:pPr marL="0" marR="0" algn="l" fontAlgn="t">
+                        <a:lnSpc>
+                          <a:spcPct val="200000"/>
+                        </a:lnSpc>
+                        <a:spcBef>
+                          <a:spcPts val="0"/>
+                        </a:spcBef>
+                        <a:spcAft>
+                          <a:spcPts val="800"/>
+                        </a:spcAft>
+                      </a:pPr>
+                      <a:r>
+                        <a:rPr lang="en-US" sz="1100" u="none" strike="noStrike" dirty="0">
+                          <a:effectLst/>
+                        </a:rPr>
+                        <a:t>% Chromosomes Mutated</a:t>
+                      </a:r>
+                      <a:endParaRPr lang="en-US" sz="1800" b="0" i="0" u="none" strike="noStrike" dirty="0">
+                        <a:effectLst/>
+                        <a:latin typeface="Arial" panose="020B0604020202020204" pitchFamily="34" charset="0"/>
+                      </a:endParaRPr>
+                    </a:p>
+                  </a:txBody>
+                  <a:tcPr marL="73025" marR="73025" marT="9525" marB="0"/>
+                </a:tc>
+                <a:tc>
+                  <a:txBody>
+                    <a:bodyPr/>
+                    <a:lstStyle/>
+                    <a:p>
+                      <a:pPr marL="0" marR="0" algn="l" fontAlgn="t">
+                        <a:lnSpc>
+                          <a:spcPct val="200000"/>
+                        </a:lnSpc>
+                        <a:spcBef>
+                          <a:spcPts val="0"/>
+                        </a:spcBef>
+                        <a:spcAft>
+                          <a:spcPts val="800"/>
+                        </a:spcAft>
+                      </a:pPr>
+                      <a:r>
+                        <a:rPr lang="en-US" sz="1100" b="0" u="none" strike="noStrike" dirty="0">
+                          <a:effectLst/>
+                        </a:rPr>
+                        <a:t>100%</a:t>
+                      </a:r>
+                      <a:endParaRPr lang="en-US" sz="1800" b="0" i="0" u="none" strike="noStrike" dirty="0">
+                        <a:effectLst/>
+                        <a:latin typeface="Arial" panose="020B0604020202020204" pitchFamily="34" charset="0"/>
+                      </a:endParaRPr>
+                    </a:p>
+                  </a:txBody>
+                  <a:tcPr marL="73025" marR="73025" marT="9525" marB="0"/>
+                </a:tc>
+                <a:extLst>
+                  <a:ext uri="{0D108BD9-81ED-4DB2-BD59-A6C34878D82A}">
+                    <a16:rowId xmlns:a16="http://schemas.microsoft.com/office/drawing/2014/main" val="343608565"/>
+                  </a:ext>
+                </a:extLst>
+              </a:tr>
+              <a:tr h="182880">
+                <a:tc>
+                  <a:txBody>
+                    <a:bodyPr/>
+                    <a:lstStyle/>
+                    <a:p>
+                      <a:pPr marL="0" marR="0" algn="l" fontAlgn="t">
+                        <a:lnSpc>
+                          <a:spcPct val="200000"/>
+                        </a:lnSpc>
+                        <a:spcBef>
+                          <a:spcPts val="0"/>
+                        </a:spcBef>
+                        <a:spcAft>
+                          <a:spcPts val="800"/>
+                        </a:spcAft>
+                      </a:pPr>
+                      <a:r>
+                        <a:rPr lang="en-US" sz="1100" u="none" strike="noStrike" dirty="0">
+                          <a:effectLst/>
+                        </a:rPr>
+                        <a:t>% Genes Mutated</a:t>
+                      </a:r>
+                      <a:endParaRPr lang="en-US" sz="1800" b="0" i="0" u="none" strike="noStrike" dirty="0">
+                        <a:effectLst/>
+                        <a:latin typeface="Arial" panose="020B0604020202020204" pitchFamily="34" charset="0"/>
+                      </a:endParaRPr>
+                    </a:p>
+                  </a:txBody>
+                  <a:tcPr marL="73025" marR="73025" marT="9525" marB="0"/>
+                </a:tc>
+                <a:tc>
+                  <a:txBody>
+                    <a:bodyPr/>
+                    <a:lstStyle/>
+                    <a:p>
+                      <a:pPr marL="0" marR="0" algn="l" fontAlgn="t">
+                        <a:lnSpc>
+                          <a:spcPct val="200000"/>
+                        </a:lnSpc>
+                        <a:spcBef>
+                          <a:spcPts val="0"/>
+                        </a:spcBef>
+                        <a:spcAft>
+                          <a:spcPts val="800"/>
+                        </a:spcAft>
+                      </a:pPr>
+                      <a:r>
+                        <a:rPr lang="en-US" sz="1100" u="none" strike="noStrike" dirty="0">
+                          <a:effectLst/>
+                        </a:rPr>
+                        <a:t>100%</a:t>
+                      </a:r>
+                      <a:endParaRPr lang="en-US" sz="1800" b="0" i="0" u="none" strike="noStrike" dirty="0">
+                        <a:effectLst/>
+                        <a:latin typeface="Arial" panose="020B0604020202020204" pitchFamily="34" charset="0"/>
+                      </a:endParaRPr>
+                    </a:p>
+                  </a:txBody>
+                  <a:tcPr marL="73025" marR="73025" marT="9525" marB="0"/>
+                </a:tc>
+                <a:extLst>
+                  <a:ext uri="{0D108BD9-81ED-4DB2-BD59-A6C34878D82A}">
+                    <a16:rowId xmlns:a16="http://schemas.microsoft.com/office/drawing/2014/main" val="4016507406"/>
+                  </a:ext>
+                </a:extLst>
+              </a:tr>
+              <a:tr h="182880">
+                <a:tc>
+                  <a:txBody>
+                    <a:bodyPr/>
+                    <a:lstStyle/>
+                    <a:p>
+                      <a:pPr marL="0" marR="0" algn="l" fontAlgn="t">
+                        <a:lnSpc>
+                          <a:spcPct val="200000"/>
+                        </a:lnSpc>
+                        <a:spcBef>
+                          <a:spcPts val="0"/>
+                        </a:spcBef>
+                        <a:spcAft>
+                          <a:spcPts val="800"/>
+                        </a:spcAft>
+                      </a:pPr>
+                      <a:r>
+                        <a:rPr lang="en-US" sz="1100" u="none" strike="noStrike">
+                          <a:effectLst/>
+                        </a:rPr>
+                        <a:t>Maximum % Mutation Deviation</a:t>
+                      </a:r>
+                      <a:endParaRPr lang="en-US" sz="1800" b="0" i="0" u="none" strike="noStrike">
+                        <a:effectLst/>
+                        <a:latin typeface="Arial" panose="020B0604020202020204" pitchFamily="34" charset="0"/>
+                      </a:endParaRPr>
+                    </a:p>
+                  </a:txBody>
+                  <a:tcPr marL="73025" marR="73025" marT="9525" marB="0"/>
+                </a:tc>
+                <a:tc>
+                  <a:txBody>
+                    <a:bodyPr/>
+                    <a:lstStyle/>
+                    <a:p>
+                      <a:pPr marL="0" marR="0" algn="l" fontAlgn="t">
+                        <a:lnSpc>
+                          <a:spcPct val="200000"/>
+                        </a:lnSpc>
+                        <a:spcBef>
+                          <a:spcPts val="0"/>
+                        </a:spcBef>
+                        <a:spcAft>
+                          <a:spcPts val="800"/>
+                        </a:spcAft>
+                      </a:pPr>
+                      <a:r>
+                        <a:rPr lang="en-US" sz="1100" u="none" strike="noStrike" dirty="0">
+                          <a:effectLst/>
+                        </a:rPr>
+                        <a:t>25%</a:t>
+                      </a:r>
+                      <a:endParaRPr lang="en-US" sz="1800" b="0" i="0" u="none" strike="noStrike" dirty="0">
+                        <a:effectLst/>
+                        <a:latin typeface="Arial" panose="020B0604020202020204" pitchFamily="34" charset="0"/>
+                      </a:endParaRPr>
+                    </a:p>
+                  </a:txBody>
+                  <a:tcPr marL="73025" marR="73025" marT="9525" marB="0"/>
+                </a:tc>
+                <a:extLst>
+                  <a:ext uri="{0D108BD9-81ED-4DB2-BD59-A6C34878D82A}">
+                    <a16:rowId xmlns:a16="http://schemas.microsoft.com/office/drawing/2014/main" val="3230206971"/>
+                  </a:ext>
+                </a:extLst>
+              </a:tr>
+            </a:tbl>
+          </a:graphicData>
+        </a:graphic>
+      </p:graphicFrame>
+      <p:pic>
+        <p:nvPicPr>
+          <p:cNvPr id="5" name="Picture 4">
+            <a:extLst>
+              <a:ext uri="{FF2B5EF4-FFF2-40B4-BE49-F238E27FC236}">
+                <a16:creationId xmlns:a16="http://schemas.microsoft.com/office/drawing/2014/main" id="{1BB31C77-F013-417A-9B77-B12A8570686D}"/>
+              </a:ext>
+            </a:extLst>
+          </p:cNvPr>
+          <p:cNvPicPr>
+            <a:picLocks noChangeAspect="1"/>
+          </p:cNvPicPr>
+          <p:nvPr/>
+        </p:nvPicPr>
+        <p:blipFill>
+          <a:blip r:embed="rId3"/>
+          <a:stretch>
+            <a:fillRect/>
+          </a:stretch>
+        </p:blipFill>
+        <p:spPr>
+          <a:xfrm>
+            <a:off x="723900" y="1314961"/>
+            <a:ext cx="3657600" cy="2893016"/>
+          </a:xfrm>
+          <a:prstGeom prst="rect">
+            <a:avLst/>
+          </a:prstGeom>
+        </p:spPr>
+      </p:pic>
+      <p:pic>
+        <p:nvPicPr>
+          <p:cNvPr id="15" name="Picture 14">
+            <a:extLst>
+              <a:ext uri="{FF2B5EF4-FFF2-40B4-BE49-F238E27FC236}">
+                <a16:creationId xmlns:a16="http://schemas.microsoft.com/office/drawing/2014/main" id="{88AE0307-FA13-4E79-ACFF-948037CF85F0}"/>
+              </a:ext>
+            </a:extLst>
+          </p:cNvPr>
+          <p:cNvPicPr>
+            <a:picLocks noChangeAspect="1"/>
+          </p:cNvPicPr>
+          <p:nvPr/>
+        </p:nvPicPr>
+        <p:blipFill>
+          <a:blip r:embed="rId4"/>
+          <a:stretch>
+            <a:fillRect/>
+          </a:stretch>
+        </p:blipFill>
+        <p:spPr>
+          <a:xfrm>
+            <a:off x="4572000" y="4230888"/>
+            <a:ext cx="4567989" cy="1933291"/>
+          </a:xfrm>
+          <a:prstGeom prst="rect">
+            <a:avLst/>
+          </a:prstGeom>
+        </p:spPr>
+      </p:pic>
+      <p:pic>
+        <p:nvPicPr>
+          <p:cNvPr id="16" name="Picture 15">
+            <a:extLst>
+              <a:ext uri="{FF2B5EF4-FFF2-40B4-BE49-F238E27FC236}">
+                <a16:creationId xmlns:a16="http://schemas.microsoft.com/office/drawing/2014/main" id="{CEE6352D-E3B5-4923-9C87-6E6EA626A0FE}"/>
+              </a:ext>
+            </a:extLst>
+          </p:cNvPr>
+          <p:cNvPicPr>
+            <a:picLocks noChangeAspect="1"/>
+          </p:cNvPicPr>
+          <p:nvPr/>
+        </p:nvPicPr>
+        <p:blipFill>
+          <a:blip r:embed="rId5"/>
+          <a:stretch>
+            <a:fillRect/>
+          </a:stretch>
+        </p:blipFill>
+        <p:spPr>
+          <a:xfrm>
+            <a:off x="1" y="4207976"/>
+            <a:ext cx="4678980" cy="1980265"/>
+          </a:xfrm>
+          <a:prstGeom prst="rect">
+            <a:avLst/>
+          </a:prstGeom>
+        </p:spPr>
+      </p:pic>
+      <p:pic>
+        <p:nvPicPr>
+          <p:cNvPr id="17" name="Picture 16">
+            <a:extLst>
+              <a:ext uri="{FF2B5EF4-FFF2-40B4-BE49-F238E27FC236}">
+                <a16:creationId xmlns:a16="http://schemas.microsoft.com/office/drawing/2014/main" id="{57E307B2-1BE3-4476-95AB-05BAFA00BA0A}"/>
+              </a:ext>
+            </a:extLst>
+          </p:cNvPr>
+          <p:cNvPicPr>
+            <a:picLocks noChangeAspect="1"/>
+          </p:cNvPicPr>
+          <p:nvPr/>
+        </p:nvPicPr>
+        <p:blipFill>
+          <a:blip r:embed="rId6"/>
+          <a:stretch>
+            <a:fillRect/>
+          </a:stretch>
+        </p:blipFill>
+        <p:spPr>
+          <a:xfrm>
+            <a:off x="5440460" y="1337898"/>
+            <a:ext cx="3513039" cy="3000815"/>
+          </a:xfrm>
+          <a:prstGeom prst="rect">
+            <a:avLst/>
+          </a:prstGeom>
+        </p:spPr>
+      </p:pic>
+    </p:spTree>
+    <p:extLst>
+      <p:ext uri="{BB962C8B-B14F-4D97-AF65-F5344CB8AC3E}">
+        <p14:creationId xmlns:p14="http://schemas.microsoft.com/office/powerpoint/2010/main" val="1123217862"/>
+      </p:ext>
+    </p:extLst>
+  </p:cSld>
+  <p:clrMapOvr>
+    <a:masterClrMapping/>
+  </p:clrMapOvr>
+</p:sld>
+</file>
+
+<file path=ppt/slides/slide16.xml><?xml version="1.0" encoding="utf-8"?>
+<p:sld xmlns:a="http://schemas.openxmlformats.org/drawingml/2006/main" xmlns:r="http://schemas.openxmlformats.org/officeDocument/2006/relationships" xmlns:p="http://schemas.openxmlformats.org/presentationml/2006/main">
+  <p:cSld>
+    <p:spTree>
+      <p:nvGrpSpPr>
+        <p:cNvPr id="1" name=""/>
+        <p:cNvGrpSpPr/>
+        <p:nvPr/>
+      </p:nvGrpSpPr>
+      <p:grpSpPr>
+        <a:xfrm>
+          <a:off x="0" y="0"/>
+          <a:ext cx="0" cy="0"/>
+          <a:chOff x="0" y="0"/>
+          <a:chExt cx="0" cy="0"/>
+        </a:xfrm>
+      </p:grpSpPr>
+      <p:sp>
+        <p:nvSpPr>
+          <p:cNvPr id="6" name="Title 5"/>
+          <p:cNvSpPr>
+            <a:spLocks noGrp="1"/>
+          </p:cNvSpPr>
+          <p:nvPr>
+            <p:ph type="title"/>
+          </p:nvPr>
+        </p:nvSpPr>
+        <p:spPr>
+          <a:xfrm>
+            <a:off x="457200" y="274638"/>
+            <a:ext cx="4343400" cy="1143000"/>
+          </a:xfrm>
+        </p:spPr>
+        <p:txBody>
+          <a:bodyPr>
+            <a:normAutofit fontScale="90000"/>
+          </a:bodyPr>
+          <a:lstStyle/>
+          <a:p>
+            <a:r>
+              <a:rPr lang="en-US" dirty="0"/>
+              <a:t>Graph Coloring Data - Conservative</a:t>
+            </a:r>
+          </a:p>
+        </p:txBody>
+      </p:sp>
+      <p:graphicFrame>
+        <p:nvGraphicFramePr>
+          <p:cNvPr id="4" name="Table 3">
+            <a:extLst>
+              <a:ext uri="{FF2B5EF4-FFF2-40B4-BE49-F238E27FC236}">
+                <a16:creationId xmlns:a16="http://schemas.microsoft.com/office/drawing/2014/main" id="{DAECFBA7-E0F1-43EB-B089-5EADED464330}"/>
+              </a:ext>
+            </a:extLst>
+          </p:cNvPr>
+          <p:cNvGraphicFramePr/>
+          <p:nvPr/>
+        </p:nvGraphicFramePr>
+        <p:xfrm>
+          <a:off x="4955035" y="280571"/>
+          <a:ext cx="3200400" cy="1034415"/>
+        </p:xfrm>
+        <a:graphic>
+          <a:graphicData uri="http://schemas.openxmlformats.org/drawingml/2006/table">
+            <a:tbl>
+              <a:tblPr firstRow="1" firstCol="1" bandRow="1">
+                <a:tableStyleId>{D7AC3CCA-C797-4891-BE02-D94E43425B78}</a:tableStyleId>
+              </a:tblPr>
+              <a:tblGrid>
+                <a:gridCol w="2514600">
+                  <a:extLst>
+                    <a:ext uri="{9D8B030D-6E8A-4147-A177-3AD203B41FA5}">
+                      <a16:colId xmlns:a16="http://schemas.microsoft.com/office/drawing/2014/main" val="548071243"/>
+                    </a:ext>
+                  </a:extLst>
+                </a:gridCol>
+                <a:gridCol w="685800">
+                  <a:extLst>
+                    <a:ext uri="{9D8B030D-6E8A-4147-A177-3AD203B41FA5}">
+                      <a16:colId xmlns:a16="http://schemas.microsoft.com/office/drawing/2014/main" val="865789244"/>
+                    </a:ext>
+                  </a:extLst>
+                </a:gridCol>
+              </a:tblGrid>
+              <a:tr h="182880">
+                <a:tc>
+                  <a:txBody>
+                    <a:bodyPr/>
+                    <a:lstStyle/>
+                    <a:p>
+                      <a:pPr marL="0" marR="0" algn="l" fontAlgn="t">
+                        <a:lnSpc>
+                          <a:spcPct val="200000"/>
+                        </a:lnSpc>
+                        <a:spcBef>
+                          <a:spcPts val="0"/>
+                        </a:spcBef>
+                        <a:spcAft>
+                          <a:spcPts val="800"/>
+                        </a:spcAft>
+                      </a:pPr>
+                      <a:r>
+                        <a:rPr lang="en-US" sz="1100" u="none" strike="noStrike" dirty="0">
+                          <a:effectLst/>
+                        </a:rPr>
+                        <a:t>% Chromosomes Mutated</a:t>
+                      </a:r>
+                      <a:endParaRPr lang="en-US" sz="1800" b="0" i="0" u="none" strike="noStrike" dirty="0">
+                        <a:effectLst/>
+                        <a:latin typeface="Arial" panose="020B0604020202020204" pitchFamily="34" charset="0"/>
+                      </a:endParaRPr>
+                    </a:p>
+                  </a:txBody>
+                  <a:tcPr marL="73025" marR="73025" marT="9525" marB="0"/>
+                </a:tc>
+                <a:tc>
+                  <a:txBody>
+                    <a:bodyPr/>
+                    <a:lstStyle/>
+                    <a:p>
+                      <a:pPr marL="0" marR="0" algn="l" fontAlgn="t">
+                        <a:lnSpc>
+                          <a:spcPct val="200000"/>
+                        </a:lnSpc>
+                        <a:spcBef>
+                          <a:spcPts val="0"/>
+                        </a:spcBef>
+                        <a:spcAft>
+                          <a:spcPts val="800"/>
+                        </a:spcAft>
+                      </a:pPr>
+                      <a:r>
+                        <a:rPr lang="en-US" sz="1100" b="0" u="none" strike="noStrike" dirty="0">
+                          <a:effectLst/>
+                        </a:rPr>
+                        <a:t>25%</a:t>
+                      </a:r>
+                      <a:endParaRPr lang="en-US" sz="1800" b="0" i="0" u="none" strike="noStrike" dirty="0">
+                        <a:effectLst/>
+                        <a:latin typeface="Arial" panose="020B0604020202020204" pitchFamily="34" charset="0"/>
+                      </a:endParaRPr>
+                    </a:p>
+                  </a:txBody>
+                  <a:tcPr marL="73025" marR="73025" marT="9525" marB="0"/>
+                </a:tc>
+                <a:extLst>
+                  <a:ext uri="{0D108BD9-81ED-4DB2-BD59-A6C34878D82A}">
+                    <a16:rowId xmlns:a16="http://schemas.microsoft.com/office/drawing/2014/main" val="343608565"/>
+                  </a:ext>
+                </a:extLst>
+              </a:tr>
+              <a:tr h="182880">
+                <a:tc>
+                  <a:txBody>
+                    <a:bodyPr/>
+                    <a:lstStyle/>
+                    <a:p>
+                      <a:pPr marL="0" marR="0" algn="l" fontAlgn="t">
+                        <a:lnSpc>
+                          <a:spcPct val="200000"/>
+                        </a:lnSpc>
+                        <a:spcBef>
+                          <a:spcPts val="0"/>
+                        </a:spcBef>
+                        <a:spcAft>
+                          <a:spcPts val="800"/>
+                        </a:spcAft>
+                      </a:pPr>
+                      <a:r>
+                        <a:rPr lang="en-US" sz="1100" u="none" strike="noStrike" dirty="0">
+                          <a:effectLst/>
+                        </a:rPr>
+                        <a:t>% Genes Mutated</a:t>
+                      </a:r>
+                      <a:endParaRPr lang="en-US" sz="1800" b="0" i="0" u="none" strike="noStrike" dirty="0">
+                        <a:effectLst/>
+                        <a:latin typeface="Arial" panose="020B0604020202020204" pitchFamily="34" charset="0"/>
+                      </a:endParaRPr>
+                    </a:p>
+                  </a:txBody>
+                  <a:tcPr marL="73025" marR="73025" marT="9525" marB="0"/>
+                </a:tc>
+                <a:tc>
+                  <a:txBody>
+                    <a:bodyPr/>
+                    <a:lstStyle/>
+                    <a:p>
+                      <a:pPr marL="0" marR="0" algn="l" fontAlgn="t">
+                        <a:lnSpc>
+                          <a:spcPct val="200000"/>
+                        </a:lnSpc>
+                        <a:spcBef>
+                          <a:spcPts val="0"/>
+                        </a:spcBef>
+                        <a:spcAft>
+                          <a:spcPts val="800"/>
+                        </a:spcAft>
+                      </a:pPr>
+                      <a:r>
+                        <a:rPr lang="en-US" sz="1100" u="none" strike="noStrike" dirty="0">
+                          <a:effectLst/>
+                        </a:rPr>
+                        <a:t>25%</a:t>
+                      </a:r>
+                      <a:endParaRPr lang="en-US" sz="1800" b="0" i="0" u="none" strike="noStrike" dirty="0">
+                        <a:effectLst/>
+                        <a:latin typeface="Arial" panose="020B0604020202020204" pitchFamily="34" charset="0"/>
+                      </a:endParaRPr>
+                    </a:p>
+                  </a:txBody>
+                  <a:tcPr marL="73025" marR="73025" marT="9525" marB="0"/>
+                </a:tc>
+                <a:extLst>
+                  <a:ext uri="{0D108BD9-81ED-4DB2-BD59-A6C34878D82A}">
+                    <a16:rowId xmlns:a16="http://schemas.microsoft.com/office/drawing/2014/main" val="4016507406"/>
+                  </a:ext>
+                </a:extLst>
+              </a:tr>
+              <a:tr h="182880">
+                <a:tc>
+                  <a:txBody>
+                    <a:bodyPr/>
+                    <a:lstStyle/>
+                    <a:p>
+                      <a:pPr marL="0" marR="0" algn="l" fontAlgn="t">
+                        <a:lnSpc>
+                          <a:spcPct val="200000"/>
+                        </a:lnSpc>
+                        <a:spcBef>
+                          <a:spcPts val="0"/>
+                        </a:spcBef>
+                        <a:spcAft>
+                          <a:spcPts val="800"/>
+                        </a:spcAft>
+                      </a:pPr>
+                      <a:r>
+                        <a:rPr lang="en-US" sz="1100" u="none" strike="noStrike">
+                          <a:effectLst/>
+                        </a:rPr>
+                        <a:t>Maximum % Mutation Deviation</a:t>
+                      </a:r>
+                      <a:endParaRPr lang="en-US" sz="1800" b="0" i="0" u="none" strike="noStrike">
+                        <a:effectLst/>
+                        <a:latin typeface="Arial" panose="020B0604020202020204" pitchFamily="34" charset="0"/>
+                      </a:endParaRPr>
+                    </a:p>
+                  </a:txBody>
+                  <a:tcPr marL="73025" marR="73025" marT="9525" marB="0"/>
+                </a:tc>
+                <a:tc>
+                  <a:txBody>
+                    <a:bodyPr/>
+                    <a:lstStyle/>
+                    <a:p>
+                      <a:pPr marL="0" marR="0" algn="l" fontAlgn="t">
+                        <a:lnSpc>
+                          <a:spcPct val="200000"/>
+                        </a:lnSpc>
+                        <a:spcBef>
+                          <a:spcPts val="0"/>
+                        </a:spcBef>
+                        <a:spcAft>
+                          <a:spcPts val="800"/>
+                        </a:spcAft>
+                      </a:pPr>
+                      <a:r>
+                        <a:rPr lang="en-US" sz="1100" u="none" strike="noStrike" dirty="0">
+                          <a:effectLst/>
+                        </a:rPr>
+                        <a:t>25%</a:t>
+                      </a:r>
+                      <a:endParaRPr lang="en-US" sz="1800" b="0" i="0" u="none" strike="noStrike" dirty="0">
+                        <a:effectLst/>
+                        <a:latin typeface="Arial" panose="020B0604020202020204" pitchFamily="34" charset="0"/>
+                      </a:endParaRPr>
+                    </a:p>
+                  </a:txBody>
+                  <a:tcPr marL="73025" marR="73025" marT="9525" marB="0"/>
+                </a:tc>
+                <a:extLst>
+                  <a:ext uri="{0D108BD9-81ED-4DB2-BD59-A6C34878D82A}">
+                    <a16:rowId xmlns:a16="http://schemas.microsoft.com/office/drawing/2014/main" val="3230206971"/>
+                  </a:ext>
+                </a:extLst>
+              </a:tr>
+            </a:tbl>
+          </a:graphicData>
+        </a:graphic>
+      </p:graphicFrame>
+      <p:pic>
+        <p:nvPicPr>
+          <p:cNvPr id="5" name="Picture 4">
+            <a:extLst>
+              <a:ext uri="{FF2B5EF4-FFF2-40B4-BE49-F238E27FC236}">
+                <a16:creationId xmlns:a16="http://schemas.microsoft.com/office/drawing/2014/main" id="{1BB31C77-F013-417A-9B77-B12A8570686D}"/>
+              </a:ext>
+            </a:extLst>
+          </p:cNvPr>
+          <p:cNvPicPr>
+            <a:picLocks noChangeAspect="1"/>
+          </p:cNvPicPr>
+          <p:nvPr/>
+        </p:nvPicPr>
+        <p:blipFill>
+          <a:blip r:embed="rId3"/>
+          <a:stretch>
+            <a:fillRect/>
+          </a:stretch>
+        </p:blipFill>
+        <p:spPr>
+          <a:xfrm>
+            <a:off x="723900" y="1314961"/>
+            <a:ext cx="3657600" cy="2893016"/>
+          </a:xfrm>
+          <a:prstGeom prst="rect">
+            <a:avLst/>
+          </a:prstGeom>
+        </p:spPr>
+      </p:pic>
+      <p:pic>
+        <p:nvPicPr>
+          <p:cNvPr id="12" name="Picture 11">
+            <a:extLst>
+              <a:ext uri="{FF2B5EF4-FFF2-40B4-BE49-F238E27FC236}">
+                <a16:creationId xmlns:a16="http://schemas.microsoft.com/office/drawing/2014/main" id="{FC581152-5F62-4E6B-9B93-D32BCDC93C0A}"/>
+              </a:ext>
+            </a:extLst>
+          </p:cNvPr>
+          <p:cNvPicPr>
+            <a:picLocks noChangeAspect="1"/>
+          </p:cNvPicPr>
+          <p:nvPr/>
+        </p:nvPicPr>
+        <p:blipFill>
+          <a:blip r:embed="rId4"/>
+          <a:stretch>
+            <a:fillRect/>
+          </a:stretch>
+        </p:blipFill>
+        <p:spPr>
+          <a:xfrm>
+            <a:off x="4419598" y="4164742"/>
+            <a:ext cx="4743231" cy="2007458"/>
+          </a:xfrm>
+          <a:prstGeom prst="rect">
+            <a:avLst/>
+          </a:prstGeom>
+        </p:spPr>
+      </p:pic>
+      <p:pic>
+        <p:nvPicPr>
+          <p:cNvPr id="13" name="Picture 12">
+            <a:extLst>
+              <a:ext uri="{FF2B5EF4-FFF2-40B4-BE49-F238E27FC236}">
+                <a16:creationId xmlns:a16="http://schemas.microsoft.com/office/drawing/2014/main" id="{5CAEC913-510F-4A1E-8E29-64949616DBF2}"/>
+              </a:ext>
+            </a:extLst>
+          </p:cNvPr>
+          <p:cNvPicPr>
+            <a:picLocks noChangeAspect="1"/>
+          </p:cNvPicPr>
+          <p:nvPr/>
+        </p:nvPicPr>
+        <p:blipFill>
+          <a:blip r:embed="rId5"/>
+          <a:stretch>
+            <a:fillRect/>
+          </a:stretch>
+        </p:blipFill>
+        <p:spPr>
+          <a:xfrm>
+            <a:off x="-76200" y="4164742"/>
+            <a:ext cx="4743231" cy="2007458"/>
+          </a:xfrm>
+          <a:prstGeom prst="rect">
+            <a:avLst/>
+          </a:prstGeom>
+        </p:spPr>
+      </p:pic>
+      <p:pic>
+        <p:nvPicPr>
+          <p:cNvPr id="14" name="Picture 13">
+            <a:extLst>
+              <a:ext uri="{FF2B5EF4-FFF2-40B4-BE49-F238E27FC236}">
+                <a16:creationId xmlns:a16="http://schemas.microsoft.com/office/drawing/2014/main" id="{D0D9AEDD-992C-43D5-A073-393A90321B4D}"/>
+              </a:ext>
+            </a:extLst>
+          </p:cNvPr>
+          <p:cNvPicPr>
+            <a:picLocks noChangeAspect="1"/>
+          </p:cNvPicPr>
+          <p:nvPr/>
+        </p:nvPicPr>
+        <p:blipFill>
+          <a:blip r:embed="rId6"/>
+          <a:stretch>
+            <a:fillRect/>
+          </a:stretch>
+        </p:blipFill>
+        <p:spPr>
+          <a:xfrm>
+            <a:off x="5467131" y="1347664"/>
+            <a:ext cx="3348553" cy="2860313"/>
+          </a:xfrm>
+          <a:prstGeom prst="rect">
+            <a:avLst/>
+          </a:prstGeom>
+        </p:spPr>
+      </p:pic>
+    </p:spTree>
+    <p:extLst>
+      <p:ext uri="{BB962C8B-B14F-4D97-AF65-F5344CB8AC3E}">
+        <p14:creationId xmlns:p14="http://schemas.microsoft.com/office/powerpoint/2010/main" val="2649828648"/>
+      </p:ext>
+    </p:extLst>
+  </p:cSld>
+  <p:clrMapOvr>
+    <a:masterClrMapping/>
+  </p:clrMapOvr>
+</p:sld>
+</file>
+
+<file path=ppt/slides/slide17.xml><?xml version="1.0" encoding="utf-8"?>
+<p:sld xmlns:a="http://schemas.openxmlformats.org/drawingml/2006/main" xmlns:r="http://schemas.openxmlformats.org/officeDocument/2006/relationships" xmlns:p="http://schemas.openxmlformats.org/presentationml/2006/main">
+  <p:cSld>
+    <p:spTree>
+      <p:nvGrpSpPr>
+        <p:cNvPr id="1" name=""/>
+        <p:cNvGrpSpPr/>
+        <p:nvPr/>
+      </p:nvGrpSpPr>
+      <p:grpSpPr>
+        <a:xfrm>
+          <a:off x="0" y="0"/>
+          <a:ext cx="0" cy="0"/>
+          <a:chOff x="0" y="0"/>
+          <a:chExt cx="0" cy="0"/>
+        </a:xfrm>
+      </p:grpSpPr>
+      <p:sp>
+        <p:nvSpPr>
+          <p:cNvPr id="6" name="Title 5"/>
+          <p:cNvSpPr>
+            <a:spLocks noGrp="1"/>
+          </p:cNvSpPr>
+          <p:nvPr>
+            <p:ph type="title"/>
+          </p:nvPr>
+        </p:nvSpPr>
+        <p:spPr/>
+        <p:txBody>
+          <a:bodyPr/>
+          <a:lstStyle/>
+          <a:p>
+            <a:r>
+              <a:rPr lang="en-US" dirty="0"/>
+              <a:t>Graph Coloring Takeaways</a:t>
+            </a:r>
+          </a:p>
+        </p:txBody>
+      </p:sp>
+      <p:sp>
+        <p:nvSpPr>
+          <p:cNvPr id="7" name="Content Placeholder 6"/>
+          <p:cNvSpPr>
+            <a:spLocks noGrp="1"/>
+          </p:cNvSpPr>
+          <p:nvPr>
+            <p:ph idx="1"/>
+          </p:nvPr>
+        </p:nvSpPr>
+        <p:spPr>
+          <a:xfrm>
+            <a:off x="457200" y="1600201"/>
+            <a:ext cx="8229600" cy="4419600"/>
+          </a:xfrm>
+        </p:spPr>
+        <p:txBody>
+          <a:bodyPr>
+            <a:normAutofit/>
+          </a:bodyPr>
+          <a:lstStyle/>
+          <a:p>
+            <a:pPr lvl="1"/>
+            <a:r>
+              <a:rPr lang="en-US" dirty="0"/>
+              <a:t>Understanding these problems can be difficult because they take a very long time to compute, causing you to have to wait a long time or use simpler problems which aren’t as interesting.</a:t>
+            </a:r>
+          </a:p>
+          <a:p>
+            <a:pPr lvl="1"/>
+            <a:r>
+              <a:rPr lang="en-US" dirty="0"/>
+              <a:t>Without an interesting genetic algorithm fitness score, it basically just devolved down to “run until all heuristics solve in one go”.</a:t>
+            </a:r>
+          </a:p>
+        </p:txBody>
+      </p:sp>
+    </p:spTree>
+    <p:extLst>
+      <p:ext uri="{BB962C8B-B14F-4D97-AF65-F5344CB8AC3E}">
+        <p14:creationId xmlns:p14="http://schemas.microsoft.com/office/powerpoint/2010/main" val="500212323"/>
+      </p:ext>
+    </p:extLst>
+  </p:cSld>
+  <p:clrMapOvr>
+    <a:masterClrMapping/>
+  </p:clrMapOvr>
+</p:sld>
+</file>
+
+<file path=ppt/slides/slide18.xml><?xml version="1.0" encoding="utf-8"?>
+<p:sld xmlns:a="http://schemas.openxmlformats.org/drawingml/2006/main" xmlns:r="http://schemas.openxmlformats.org/officeDocument/2006/relationships" xmlns:p="http://schemas.openxmlformats.org/presentationml/2006/main">
+  <p:cSld>
+    <p:spTree>
+      <p:nvGrpSpPr>
+        <p:cNvPr id="1" name=""/>
+        <p:cNvGrpSpPr/>
+        <p:nvPr/>
+      </p:nvGrpSpPr>
+      <p:grpSpPr>
+        <a:xfrm>
+          <a:off x="0" y="0"/>
+          <a:ext cx="0" cy="0"/>
+          <a:chOff x="0" y="0"/>
+          <a:chExt cx="0" cy="0"/>
+        </a:xfrm>
+      </p:grpSpPr>
+      <p:sp>
+        <p:nvSpPr>
+          <p:cNvPr id="6" name="Title 5"/>
+          <p:cNvSpPr>
+            <a:spLocks noGrp="1"/>
+          </p:cNvSpPr>
+          <p:nvPr>
+            <p:ph type="title"/>
+          </p:nvPr>
+        </p:nvSpPr>
+        <p:spPr/>
+        <p:txBody>
+          <a:bodyPr>
+            <a:normAutofit/>
+          </a:bodyPr>
+          <a:lstStyle/>
+          <a:p>
+            <a:r>
+              <a:rPr lang="en-US" dirty="0"/>
+              <a:t>Graph Coloring - What to change</a:t>
+            </a:r>
+          </a:p>
+        </p:txBody>
+      </p:sp>
+      <p:sp>
+        <p:nvSpPr>
+          <p:cNvPr id="7" name="Content Placeholder 6"/>
+          <p:cNvSpPr>
+            <a:spLocks noGrp="1"/>
+          </p:cNvSpPr>
+          <p:nvPr>
+            <p:ph idx="1"/>
+          </p:nvPr>
+        </p:nvSpPr>
+        <p:spPr>
+          <a:xfrm>
+            <a:off x="457200" y="1600201"/>
+            <a:ext cx="8229600" cy="4419600"/>
+          </a:xfrm>
+        </p:spPr>
+        <p:txBody>
+          <a:bodyPr/>
+          <a:lstStyle/>
+          <a:p>
+            <a:pPr lvl="1"/>
+            <a:r>
+              <a:rPr lang="en-US" dirty="0"/>
+              <a:t>Allow algorithm to go above 4 node colors and include that information in the fitness of the algorithm.</a:t>
+            </a:r>
+          </a:p>
+          <a:p>
+            <a:pPr lvl="1"/>
+            <a:r>
+              <a:rPr lang="en-US" dirty="0"/>
+              <a:t>Optimize the algorithm so that we can experiment with larger graphs.</a:t>
+            </a:r>
+          </a:p>
+        </p:txBody>
+      </p:sp>
+    </p:spTree>
+    <p:extLst>
+      <p:ext uri="{BB962C8B-B14F-4D97-AF65-F5344CB8AC3E}">
+        <p14:creationId xmlns:p14="http://schemas.microsoft.com/office/powerpoint/2010/main" val="714754773"/>
+      </p:ext>
+    </p:extLst>
+  </p:cSld>
+  <p:clrMapOvr>
+    <a:masterClrMapping/>
+  </p:clrMapOvr>
+</p:sld>
+</file>
+
+<file path=ppt/slides/slide19.xml><?xml version="1.0" encoding="utf-8"?>
+<p:sld xmlns:a="http://schemas.openxmlformats.org/drawingml/2006/main" xmlns:r="http://schemas.openxmlformats.org/officeDocument/2006/relationships" xmlns:p="http://schemas.openxmlformats.org/presentationml/2006/main">
+  <p:cSld>
+    <p:spTree>
+      <p:nvGrpSpPr>
+        <p:cNvPr id="1" name=""/>
+        <p:cNvGrpSpPr/>
+        <p:nvPr/>
+      </p:nvGrpSpPr>
+      <p:grpSpPr>
+        <a:xfrm>
+          <a:off x="0" y="0"/>
+          <a:ext cx="0" cy="0"/>
+          <a:chOff x="0" y="0"/>
+          <a:chExt cx="0" cy="0"/>
+        </a:xfrm>
+      </p:grpSpPr>
+      <p:sp>
+        <p:nvSpPr>
+          <p:cNvPr id="6" name="Title 5"/>
+          <p:cNvSpPr>
+            <a:spLocks noGrp="1"/>
+          </p:cNvSpPr>
+          <p:nvPr>
+            <p:ph type="title"/>
+          </p:nvPr>
+        </p:nvSpPr>
+        <p:spPr/>
+        <p:txBody>
+          <a:bodyPr/>
+          <a:lstStyle/>
+          <a:p>
+            <a:r>
+              <a:rPr lang="en-US" dirty="0"/>
+              <a:t>The Random Game</a:t>
+            </a:r>
+          </a:p>
+        </p:txBody>
+      </p:sp>
+      <p:sp>
+        <p:nvSpPr>
+          <p:cNvPr id="7" name="Content Placeholder 6"/>
+          <p:cNvSpPr>
+            <a:spLocks noGrp="1"/>
+          </p:cNvSpPr>
+          <p:nvPr>
+            <p:ph idx="1"/>
+          </p:nvPr>
+        </p:nvSpPr>
+        <p:spPr>
+          <a:xfrm>
+            <a:off x="457200" y="1600201"/>
+            <a:ext cx="8229600" cy="4419600"/>
+          </a:xfrm>
+        </p:spPr>
+        <p:txBody>
+          <a:bodyPr/>
+          <a:lstStyle/>
+          <a:p>
+            <a:endParaRPr lang="en-US" dirty="0"/>
+          </a:p>
+        </p:txBody>
+      </p:sp>
+    </p:spTree>
+    <p:extLst>
+      <p:ext uri="{BB962C8B-B14F-4D97-AF65-F5344CB8AC3E}">
+        <p14:creationId xmlns:p14="http://schemas.microsoft.com/office/powerpoint/2010/main" val="1801136540"/>
+      </p:ext>
+    </p:extLst>
   </p:cSld>
   <p:clrMapOvr>
     <a:masterClrMapping/>
@@ -4766,6 +9152,107 @@
           </a:p>
         </p:txBody>
       </p:sp>
+    </p:spTree>
+  </p:cSld>
+  <p:clrMapOvr>
+    <a:masterClrMapping/>
+  </p:clrMapOvr>
+</p:sld>
+</file>
+
+<file path=ppt/slides/slide20.xml><?xml version="1.0" encoding="utf-8"?>
+<p:sld xmlns:a="http://schemas.openxmlformats.org/drawingml/2006/main" xmlns:r="http://schemas.openxmlformats.org/officeDocument/2006/relationships" xmlns:p="http://schemas.openxmlformats.org/presentationml/2006/main">
+  <p:cSld>
+    <p:spTree>
+      <p:nvGrpSpPr>
+        <p:cNvPr id="1" name=""/>
+        <p:cNvGrpSpPr/>
+        <p:nvPr/>
+      </p:nvGrpSpPr>
+      <p:grpSpPr>
+        <a:xfrm>
+          <a:off x="0" y="0"/>
+          <a:ext cx="0" cy="0"/>
+          <a:chOff x="0" y="0"/>
+          <a:chExt cx="0" cy="0"/>
+        </a:xfrm>
+      </p:grpSpPr>
+      <p:sp>
+        <p:nvSpPr>
+          <p:cNvPr id="6" name="Title 5"/>
+          <p:cNvSpPr>
+            <a:spLocks noGrp="1"/>
+          </p:cNvSpPr>
+          <p:nvPr>
+            <p:ph type="title"/>
+          </p:nvPr>
+        </p:nvSpPr>
+        <p:spPr/>
+        <p:txBody>
+          <a:bodyPr/>
+          <a:lstStyle/>
+          <a:p>
+            <a:r>
+              <a:rPr lang="en-US" dirty="0"/>
+              <a:t>Conclusion</a:t>
+            </a:r>
+          </a:p>
+        </p:txBody>
+      </p:sp>
+      <p:sp>
+        <p:nvSpPr>
+          <p:cNvPr id="7" name="Content Placeholder 6"/>
+          <p:cNvSpPr>
+            <a:spLocks noGrp="1"/>
+          </p:cNvSpPr>
+          <p:nvPr>
+            <p:ph idx="1"/>
+          </p:nvPr>
+        </p:nvSpPr>
+        <p:spPr>
+          <a:xfrm>
+            <a:off x="457200" y="1600201"/>
+            <a:ext cx="8229600" cy="4419600"/>
+          </a:xfrm>
+        </p:spPr>
+        <p:txBody>
+          <a:bodyPr/>
+          <a:lstStyle/>
+          <a:p>
+            <a:endParaRPr lang="en-US" dirty="0"/>
+          </a:p>
+        </p:txBody>
+      </p:sp>
+    </p:spTree>
+    <p:extLst>
+      <p:ext uri="{BB962C8B-B14F-4D97-AF65-F5344CB8AC3E}">
+        <p14:creationId xmlns:p14="http://schemas.microsoft.com/office/powerpoint/2010/main" val="34706079"/>
+      </p:ext>
+    </p:extLst>
+  </p:cSld>
+  <p:clrMapOvr>
+    <a:masterClrMapping/>
+  </p:clrMapOvr>
+</p:sld>
+</file>
+
+<file path=ppt/slides/slide21.xml><?xml version="1.0" encoding="utf-8"?>
+<p:sld xmlns:a="http://schemas.openxmlformats.org/drawingml/2006/main" xmlns:r="http://schemas.openxmlformats.org/officeDocument/2006/relationships" xmlns:p="http://schemas.openxmlformats.org/presentationml/2006/main">
+  <p:cSld>
+    <p:spTree>
+      <p:nvGrpSpPr>
+        <p:cNvPr id="1" name=""/>
+        <p:cNvGrpSpPr/>
+        <p:nvPr/>
+      </p:nvGrpSpPr>
+      <p:grpSpPr>
+        <a:xfrm>
+          <a:off x="0" y="0"/>
+          <a:ext cx="0" cy="0"/>
+          <a:chOff x="0" y="0"/>
+          <a:chExt cx="0" cy="0"/>
+        </a:xfrm>
+      </p:grpSpPr>
     </p:spTree>
   </p:cSld>
   <p:clrMapOvr>
@@ -5984,11 +10471,13 @@
         <p:spPr>
           <a:xfrm>
             <a:off x="457200" y="1600201"/>
-            <a:ext cx="4724400" cy="4419600"/>
+            <a:ext cx="5029200" cy="4419600"/>
           </a:xfrm>
         </p:spPr>
         <p:txBody>
-          <a:bodyPr/>
+          <a:bodyPr>
+            <a:normAutofit/>
+          </a:bodyPr>
           <a:lstStyle/>
           <a:p>
             <a:pPr lvl="1"/>
@@ -6037,6 +10526,20 @@
             <a:r>
               <a:rPr lang="en-US" dirty="0"/>
               <a:t>Priority of high value</a:t>
+            </a:r>
+          </a:p>
+          <a:p>
+            <a:pPr lvl="1"/>
+            <a:r>
+              <a:rPr lang="en-US" dirty="0"/>
+              <a:t>Genetic Algorithm Fitness</a:t>
+            </a:r>
+          </a:p>
+          <a:p>
+            <a:pPr lvl="2"/>
+            <a:r>
+              <a:rPr lang="en-US" dirty="0"/>
+              <a:t>Total value of knapsack</a:t>
             </a:r>
           </a:p>
         </p:txBody>
@@ -6073,7 +10576,13 @@
       </p:grpSpPr>
       <p:sp>
         <p:nvSpPr>
-          <p:cNvPr id="6" name="Title 5"/>
+          <p:cNvPr id="2" name="Title 1">
+            <a:extLst>
+              <a:ext uri="{FF2B5EF4-FFF2-40B4-BE49-F238E27FC236}">
+                <a16:creationId xmlns:a16="http://schemas.microsoft.com/office/drawing/2014/main" id="{4EFC5FAD-3CA1-4744-B185-4DC4203D24D3}"/>
+              </a:ext>
+            </a:extLst>
+          </p:cNvPr>
           <p:cNvSpPr>
             <a:spLocks noGrp="1"/>
           </p:cNvSpPr>
@@ -6088,14 +10597,20 @@
           <a:p>
             <a:r>
               <a:rPr lang="en-US" dirty="0"/>
-              <a:t>Graph Coloring</a:t>
+              <a:t>0-1 Knapsack Data</a:t>
             </a:r>
           </a:p>
         </p:txBody>
       </p:sp>
       <p:sp>
         <p:nvSpPr>
-          <p:cNvPr id="7" name="Content Placeholder 6"/>
+          <p:cNvPr id="3" name="Content Placeholder 2">
+            <a:extLst>
+              <a:ext uri="{FF2B5EF4-FFF2-40B4-BE49-F238E27FC236}">
+                <a16:creationId xmlns:a16="http://schemas.microsoft.com/office/drawing/2014/main" id="{B72B3CA9-BED0-4C6F-9D62-F44C94E219E2}"/>
+              </a:ext>
+            </a:extLst>
+          </p:cNvPr>
           <p:cNvSpPr>
             <a:spLocks noGrp="1"/>
           </p:cNvSpPr>
@@ -6105,14 +10620,60 @@
         </p:nvSpPr>
         <p:spPr>
           <a:xfrm>
-            <a:off x="457200" y="1600201"/>
-            <a:ext cx="8229600" cy="4419600"/>
+            <a:off x="457200" y="1600200"/>
+            <a:ext cx="8229600" cy="4495799"/>
           </a:xfrm>
         </p:spPr>
         <p:txBody>
-          <a:bodyPr/>
+          <a:bodyPr>
+            <a:normAutofit/>
+          </a:bodyPr>
           <a:lstStyle/>
           <a:p>
+            <a:r>
+              <a:rPr lang="en-US" dirty="0"/>
+              <a:t>All 0-1 knapsack data is as follows:</a:t>
+            </a:r>
+          </a:p>
+          <a:p>
+            <a:pPr lvl="1"/>
+            <a:r>
+              <a:rPr lang="en-US" dirty="0"/>
+              <a:t>Knapsack with capacity of 300</a:t>
+            </a:r>
+          </a:p>
+          <a:p>
+            <a:pPr lvl="1"/>
+            <a:r>
+              <a:rPr lang="en-US" dirty="0"/>
+              <a:t>300 randomly generated objects with weights and values between 10-20.</a:t>
+            </a:r>
+          </a:p>
+          <a:p>
+            <a:pPr lvl="1"/>
+            <a:r>
+              <a:rPr lang="en-US" dirty="0"/>
+              <a:t>All population sizes are 528. </a:t>
+            </a:r>
+          </a:p>
+          <a:p>
+            <a:pPr lvl="1"/>
+            <a:r>
+              <a:rPr lang="en-US" dirty="0"/>
+              <a:t>The “fittest” population size is 33.</a:t>
+            </a:r>
+          </a:p>
+          <a:p>
+            <a:pPr lvl="1"/>
+            <a:r>
+              <a:rPr lang="en-US" dirty="0"/>
+              <a:t>Convergence requirement is that all chromosomes considered “fit” were within 5% of each other.</a:t>
+            </a:r>
+          </a:p>
+          <a:p>
+            <a:pPr marL="457200" lvl="1" indent="0">
+              <a:buNone/>
+            </a:pPr>
             <a:endParaRPr lang="en-US" dirty="0"/>
           </a:p>
         </p:txBody>
@@ -6120,7 +10681,7 @@
     </p:spTree>
     <p:extLst>
       <p:ext uri="{BB962C8B-B14F-4D97-AF65-F5344CB8AC3E}">
-        <p14:creationId xmlns:p14="http://schemas.microsoft.com/office/powerpoint/2010/main" val="861326887"/>
+        <p14:creationId xmlns:p14="http://schemas.microsoft.com/office/powerpoint/2010/main" val="1228142099"/>
       </p:ext>
     </p:extLst>
   </p:cSld>
@@ -6149,7 +10710,13 @@
       </p:grpSpPr>
       <p:sp>
         <p:nvSpPr>
-          <p:cNvPr id="6" name="Title 5"/>
+          <p:cNvPr id="2" name="Title 1">
+            <a:extLst>
+              <a:ext uri="{FF2B5EF4-FFF2-40B4-BE49-F238E27FC236}">
+                <a16:creationId xmlns:a16="http://schemas.microsoft.com/office/drawing/2014/main" id="{4EFC5FAD-3CA1-4744-B185-4DC4203D24D3}"/>
+              </a:ext>
+            </a:extLst>
+          </p:cNvPr>
           <p:cNvSpPr>
             <a:spLocks noGrp="1"/>
           </p:cNvSpPr>
@@ -6164,39 +10731,1831 @@
           <a:p>
             <a:r>
               <a:rPr lang="en-US" dirty="0"/>
-              <a:t>The Random Game</a:t>
+              <a:t>0-1 Knapsack Data - Balanced</a:t>
             </a:r>
           </a:p>
         </p:txBody>
       </p:sp>
-      <p:sp>
-        <p:nvSpPr>
-          <p:cNvPr id="7" name="Content Placeholder 6"/>
-          <p:cNvSpPr>
-            <a:spLocks noGrp="1"/>
-          </p:cNvSpPr>
-          <p:nvPr>
-            <p:ph idx="1"/>
-          </p:nvPr>
-        </p:nvSpPr>
+      <p:graphicFrame>
+        <p:nvGraphicFramePr>
+          <p:cNvPr id="4" name="Table 3">
+            <a:extLst>
+              <a:ext uri="{FF2B5EF4-FFF2-40B4-BE49-F238E27FC236}">
+                <a16:creationId xmlns:a16="http://schemas.microsoft.com/office/drawing/2014/main" id="{19983D00-4B0F-4842-8647-79BE26162B2F}"/>
+              </a:ext>
+            </a:extLst>
+          </p:cNvPr>
+          <p:cNvGraphicFramePr/>
+          <p:nvPr>
+            <p:extLst>
+              <p:ext uri="{D42A27DB-BD31-4B8C-83A1-F6EECF244321}">
+                <p14:modId xmlns:p14="http://schemas.microsoft.com/office/powerpoint/2010/main" val="1076330466"/>
+              </p:ext>
+            </p:extLst>
+          </p:nvPr>
+        </p:nvGraphicFramePr>
+        <p:xfrm>
+          <a:off x="609600" y="1827916"/>
+          <a:ext cx="3200400" cy="1034415"/>
+        </p:xfrm>
+        <a:graphic>
+          <a:graphicData uri="http://schemas.openxmlformats.org/drawingml/2006/table">
+            <a:tbl>
+              <a:tblPr firstRow="1" firstCol="1" bandRow="1">
+                <a:tableStyleId>{D7AC3CCA-C797-4891-BE02-D94E43425B78}</a:tableStyleId>
+              </a:tblPr>
+              <a:tblGrid>
+                <a:gridCol w="2514600">
+                  <a:extLst>
+                    <a:ext uri="{9D8B030D-6E8A-4147-A177-3AD203B41FA5}">
+                      <a16:colId xmlns:a16="http://schemas.microsoft.com/office/drawing/2014/main" val="548071243"/>
+                    </a:ext>
+                  </a:extLst>
+                </a:gridCol>
+                <a:gridCol w="685800">
+                  <a:extLst>
+                    <a:ext uri="{9D8B030D-6E8A-4147-A177-3AD203B41FA5}">
+                      <a16:colId xmlns:a16="http://schemas.microsoft.com/office/drawing/2014/main" val="865789244"/>
+                    </a:ext>
+                  </a:extLst>
+                </a:gridCol>
+              </a:tblGrid>
+              <a:tr h="182880">
+                <a:tc>
+                  <a:txBody>
+                    <a:bodyPr/>
+                    <a:lstStyle/>
+                    <a:p>
+                      <a:pPr marL="0" marR="0" algn="l" fontAlgn="t">
+                        <a:lnSpc>
+                          <a:spcPct val="200000"/>
+                        </a:lnSpc>
+                        <a:spcBef>
+                          <a:spcPts val="0"/>
+                        </a:spcBef>
+                        <a:spcAft>
+                          <a:spcPts val="800"/>
+                        </a:spcAft>
+                      </a:pPr>
+                      <a:r>
+                        <a:rPr lang="en-US" sz="1100" u="none" strike="noStrike" dirty="0">
+                          <a:effectLst/>
+                        </a:rPr>
+                        <a:t>% Chromosomes Mutated</a:t>
+                      </a:r>
+                      <a:endParaRPr lang="en-US" sz="1800" b="0" i="0" u="none" strike="noStrike" dirty="0">
+                        <a:effectLst/>
+                        <a:latin typeface="Arial" panose="020B0604020202020204" pitchFamily="34" charset="0"/>
+                      </a:endParaRPr>
+                    </a:p>
+                  </a:txBody>
+                  <a:tcPr marL="73025" marR="73025" marT="9525" marB="0"/>
+                </a:tc>
+                <a:tc>
+                  <a:txBody>
+                    <a:bodyPr/>
+                    <a:lstStyle/>
+                    <a:p>
+                      <a:pPr marL="0" marR="0" algn="l" fontAlgn="t">
+                        <a:lnSpc>
+                          <a:spcPct val="200000"/>
+                        </a:lnSpc>
+                        <a:spcBef>
+                          <a:spcPts val="0"/>
+                        </a:spcBef>
+                        <a:spcAft>
+                          <a:spcPts val="800"/>
+                        </a:spcAft>
+                      </a:pPr>
+                      <a:r>
+                        <a:rPr lang="en-US" sz="1100" b="0" u="none" strike="noStrike" dirty="0">
+                          <a:effectLst/>
+                        </a:rPr>
+                        <a:t>50%</a:t>
+                      </a:r>
+                      <a:endParaRPr lang="en-US" sz="1800" b="0" i="0" u="none" strike="noStrike" dirty="0">
+                        <a:effectLst/>
+                        <a:latin typeface="Arial" panose="020B0604020202020204" pitchFamily="34" charset="0"/>
+                      </a:endParaRPr>
+                    </a:p>
+                  </a:txBody>
+                  <a:tcPr marL="73025" marR="73025" marT="9525" marB="0"/>
+                </a:tc>
+                <a:extLst>
+                  <a:ext uri="{0D108BD9-81ED-4DB2-BD59-A6C34878D82A}">
+                    <a16:rowId xmlns:a16="http://schemas.microsoft.com/office/drawing/2014/main" val="343608565"/>
+                  </a:ext>
+                </a:extLst>
+              </a:tr>
+              <a:tr h="182880">
+                <a:tc>
+                  <a:txBody>
+                    <a:bodyPr/>
+                    <a:lstStyle/>
+                    <a:p>
+                      <a:pPr marL="0" marR="0" algn="l" fontAlgn="t">
+                        <a:lnSpc>
+                          <a:spcPct val="200000"/>
+                        </a:lnSpc>
+                        <a:spcBef>
+                          <a:spcPts val="0"/>
+                        </a:spcBef>
+                        <a:spcAft>
+                          <a:spcPts val="800"/>
+                        </a:spcAft>
+                      </a:pPr>
+                      <a:r>
+                        <a:rPr lang="en-US" sz="1100" u="none" strike="noStrike" dirty="0">
+                          <a:effectLst/>
+                        </a:rPr>
+                        <a:t>% Genes Mutated</a:t>
+                      </a:r>
+                      <a:endParaRPr lang="en-US" sz="1800" b="0" i="0" u="none" strike="noStrike" dirty="0">
+                        <a:effectLst/>
+                        <a:latin typeface="Arial" panose="020B0604020202020204" pitchFamily="34" charset="0"/>
+                      </a:endParaRPr>
+                    </a:p>
+                  </a:txBody>
+                  <a:tcPr marL="73025" marR="73025" marT="9525" marB="0"/>
+                </a:tc>
+                <a:tc>
+                  <a:txBody>
+                    <a:bodyPr/>
+                    <a:lstStyle/>
+                    <a:p>
+                      <a:pPr marL="0" marR="0" algn="l" fontAlgn="t">
+                        <a:lnSpc>
+                          <a:spcPct val="200000"/>
+                        </a:lnSpc>
+                        <a:spcBef>
+                          <a:spcPts val="0"/>
+                        </a:spcBef>
+                        <a:spcAft>
+                          <a:spcPts val="800"/>
+                        </a:spcAft>
+                      </a:pPr>
+                      <a:r>
+                        <a:rPr lang="en-US" sz="1100" u="none" strike="noStrike" dirty="0">
+                          <a:effectLst/>
+                        </a:rPr>
+                        <a:t>50%</a:t>
+                      </a:r>
+                      <a:endParaRPr lang="en-US" sz="1800" b="0" i="0" u="none" strike="noStrike" dirty="0">
+                        <a:effectLst/>
+                        <a:latin typeface="Arial" panose="020B0604020202020204" pitchFamily="34" charset="0"/>
+                      </a:endParaRPr>
+                    </a:p>
+                  </a:txBody>
+                  <a:tcPr marL="73025" marR="73025" marT="9525" marB="0"/>
+                </a:tc>
+                <a:extLst>
+                  <a:ext uri="{0D108BD9-81ED-4DB2-BD59-A6C34878D82A}">
+                    <a16:rowId xmlns:a16="http://schemas.microsoft.com/office/drawing/2014/main" val="4016507406"/>
+                  </a:ext>
+                </a:extLst>
+              </a:tr>
+              <a:tr h="182880">
+                <a:tc>
+                  <a:txBody>
+                    <a:bodyPr/>
+                    <a:lstStyle/>
+                    <a:p>
+                      <a:pPr marL="0" marR="0" algn="l" fontAlgn="t">
+                        <a:lnSpc>
+                          <a:spcPct val="200000"/>
+                        </a:lnSpc>
+                        <a:spcBef>
+                          <a:spcPts val="0"/>
+                        </a:spcBef>
+                        <a:spcAft>
+                          <a:spcPts val="800"/>
+                        </a:spcAft>
+                      </a:pPr>
+                      <a:r>
+                        <a:rPr lang="en-US" sz="1100" u="none" strike="noStrike">
+                          <a:effectLst/>
+                        </a:rPr>
+                        <a:t>Maximum % Mutation Deviation</a:t>
+                      </a:r>
+                      <a:endParaRPr lang="en-US" sz="1800" b="0" i="0" u="none" strike="noStrike">
+                        <a:effectLst/>
+                        <a:latin typeface="Arial" panose="020B0604020202020204" pitchFamily="34" charset="0"/>
+                      </a:endParaRPr>
+                    </a:p>
+                  </a:txBody>
+                  <a:tcPr marL="73025" marR="73025" marT="9525" marB="0"/>
+                </a:tc>
+                <a:tc>
+                  <a:txBody>
+                    <a:bodyPr/>
+                    <a:lstStyle/>
+                    <a:p>
+                      <a:pPr marL="0" marR="0" algn="l" fontAlgn="t">
+                        <a:lnSpc>
+                          <a:spcPct val="200000"/>
+                        </a:lnSpc>
+                        <a:spcBef>
+                          <a:spcPts val="0"/>
+                        </a:spcBef>
+                        <a:spcAft>
+                          <a:spcPts val="800"/>
+                        </a:spcAft>
+                      </a:pPr>
+                      <a:r>
+                        <a:rPr lang="en-US" sz="1100" u="none" strike="noStrike" dirty="0">
+                          <a:effectLst/>
+                        </a:rPr>
+                        <a:t>25%</a:t>
+                      </a:r>
+                      <a:endParaRPr lang="en-US" sz="1800" b="0" i="0" u="none" strike="noStrike" dirty="0">
+                        <a:effectLst/>
+                        <a:latin typeface="Arial" panose="020B0604020202020204" pitchFamily="34" charset="0"/>
+                      </a:endParaRPr>
+                    </a:p>
+                  </a:txBody>
+                  <a:tcPr marL="73025" marR="73025" marT="9525" marB="0"/>
+                </a:tc>
+                <a:extLst>
+                  <a:ext uri="{0D108BD9-81ED-4DB2-BD59-A6C34878D82A}">
+                    <a16:rowId xmlns:a16="http://schemas.microsoft.com/office/drawing/2014/main" val="3230206971"/>
+                  </a:ext>
+                </a:extLst>
+              </a:tr>
+            </a:tbl>
+          </a:graphicData>
+        </a:graphic>
+      </p:graphicFrame>
+      <p:graphicFrame>
+        <p:nvGraphicFramePr>
+          <p:cNvPr id="5" name="Table 4">
+            <a:extLst>
+              <a:ext uri="{FF2B5EF4-FFF2-40B4-BE49-F238E27FC236}">
+                <a16:creationId xmlns:a16="http://schemas.microsoft.com/office/drawing/2014/main" id="{E9948A27-BC34-4F8C-A9C2-85B6D788B3D4}"/>
+              </a:ext>
+            </a:extLst>
+          </p:cNvPr>
+          <p:cNvGraphicFramePr/>
+          <p:nvPr>
+            <p:extLst>
+              <p:ext uri="{D42A27DB-BD31-4B8C-83A1-F6EECF244321}">
+                <p14:modId xmlns:p14="http://schemas.microsoft.com/office/powerpoint/2010/main" val="1916967727"/>
+              </p:ext>
+            </p:extLst>
+          </p:nvPr>
+        </p:nvGraphicFramePr>
+        <p:xfrm>
+          <a:off x="4191000" y="1310709"/>
+          <a:ext cx="4604085" cy="1781175"/>
+        </p:xfrm>
+        <a:graphic>
+          <a:graphicData uri="http://schemas.openxmlformats.org/drawingml/2006/table">
+            <a:tbl>
+              <a:tblPr firstRow="1" firstCol="1" bandRow="1">
+                <a:tableStyleId>{5202B0CA-FC54-4496-8BCA-5EF66A818D29}</a:tableStyleId>
+              </a:tblPr>
+              <a:tblGrid>
+                <a:gridCol w="920817">
+                  <a:extLst>
+                    <a:ext uri="{9D8B030D-6E8A-4147-A177-3AD203B41FA5}">
+                      <a16:colId xmlns:a16="http://schemas.microsoft.com/office/drawing/2014/main" val="2407456421"/>
+                    </a:ext>
+                  </a:extLst>
+                </a:gridCol>
+                <a:gridCol w="920817">
+                  <a:extLst>
+                    <a:ext uri="{9D8B030D-6E8A-4147-A177-3AD203B41FA5}">
+                      <a16:colId xmlns:a16="http://schemas.microsoft.com/office/drawing/2014/main" val="1852184265"/>
+                    </a:ext>
+                  </a:extLst>
+                </a:gridCol>
+                <a:gridCol w="920817">
+                  <a:extLst>
+                    <a:ext uri="{9D8B030D-6E8A-4147-A177-3AD203B41FA5}">
+                      <a16:colId xmlns:a16="http://schemas.microsoft.com/office/drawing/2014/main" val="1808075248"/>
+                    </a:ext>
+                  </a:extLst>
+                </a:gridCol>
+                <a:gridCol w="920817">
+                  <a:extLst>
+                    <a:ext uri="{9D8B030D-6E8A-4147-A177-3AD203B41FA5}">
+                      <a16:colId xmlns:a16="http://schemas.microsoft.com/office/drawing/2014/main" val="766843608"/>
+                    </a:ext>
+                  </a:extLst>
+                </a:gridCol>
+                <a:gridCol w="920817">
+                  <a:extLst>
+                    <a:ext uri="{9D8B030D-6E8A-4147-A177-3AD203B41FA5}">
+                      <a16:colId xmlns:a16="http://schemas.microsoft.com/office/drawing/2014/main" val="1582951459"/>
+                    </a:ext>
+                  </a:extLst>
+                </a:gridCol>
+              </a:tblGrid>
+              <a:tr h="336310">
+                <a:tc>
+                  <a:txBody>
+                    <a:bodyPr/>
+                    <a:lstStyle/>
+                    <a:p>
+                      <a:pPr marL="0" marR="0" algn="l" fontAlgn="ctr">
+                        <a:lnSpc>
+                          <a:spcPct val="200000"/>
+                        </a:lnSpc>
+                        <a:spcBef>
+                          <a:spcPts val="0"/>
+                        </a:spcBef>
+                        <a:spcAft>
+                          <a:spcPts val="800"/>
+                        </a:spcAft>
+                      </a:pPr>
+                      <a:r>
+                        <a:rPr lang="en-US" sz="1100" u="none" strike="noStrike" dirty="0">
+                          <a:effectLst/>
+                        </a:rPr>
+                        <a:t>Min Weight</a:t>
+                      </a:r>
+                      <a:endParaRPr lang="en-US" sz="1800" b="0" i="0" u="none" strike="noStrike" dirty="0">
+                        <a:effectLst/>
+                        <a:latin typeface="Arial" panose="020B0604020202020204" pitchFamily="34" charset="0"/>
+                      </a:endParaRPr>
+                    </a:p>
+                  </a:txBody>
+                  <a:tcPr marL="73025" marR="73025" marT="9525" marB="0" anchor="ctr"/>
+                </a:tc>
+                <a:tc>
+                  <a:txBody>
+                    <a:bodyPr/>
+                    <a:lstStyle/>
+                    <a:p>
+                      <a:pPr marL="0" marR="0" algn="l" fontAlgn="ctr">
+                        <a:lnSpc>
+                          <a:spcPct val="200000"/>
+                        </a:lnSpc>
+                        <a:spcBef>
+                          <a:spcPts val="0"/>
+                        </a:spcBef>
+                        <a:spcAft>
+                          <a:spcPts val="800"/>
+                        </a:spcAft>
+                      </a:pPr>
+                      <a:r>
+                        <a:rPr lang="en-US" sz="1100" u="none" strike="noStrike" dirty="0">
+                          <a:effectLst/>
+                        </a:rPr>
+                        <a:t>Max Weight</a:t>
+                      </a:r>
+                      <a:endParaRPr lang="en-US" sz="1800" b="0" i="0" u="none" strike="noStrike" dirty="0">
+                        <a:effectLst/>
+                        <a:latin typeface="Arial" panose="020B0604020202020204" pitchFamily="34" charset="0"/>
+                      </a:endParaRPr>
+                    </a:p>
+                  </a:txBody>
+                  <a:tcPr marL="73025" marR="73025" marT="9525" marB="0" anchor="ctr"/>
+                </a:tc>
+                <a:tc>
+                  <a:txBody>
+                    <a:bodyPr/>
+                    <a:lstStyle/>
+                    <a:p>
+                      <a:pPr marL="0" marR="0" algn="l" fontAlgn="ctr">
+                        <a:lnSpc>
+                          <a:spcPct val="200000"/>
+                        </a:lnSpc>
+                        <a:spcBef>
+                          <a:spcPts val="0"/>
+                        </a:spcBef>
+                        <a:spcAft>
+                          <a:spcPts val="800"/>
+                        </a:spcAft>
+                      </a:pPr>
+                      <a:r>
+                        <a:rPr lang="en-US" sz="1100" u="none" strike="noStrike">
+                          <a:effectLst/>
+                        </a:rPr>
+                        <a:t>Min Value</a:t>
+                      </a:r>
+                      <a:endParaRPr lang="en-US" sz="1800" b="0" i="0" u="none" strike="noStrike">
+                        <a:effectLst/>
+                        <a:latin typeface="Arial" panose="020B0604020202020204" pitchFamily="34" charset="0"/>
+                      </a:endParaRPr>
+                    </a:p>
+                  </a:txBody>
+                  <a:tcPr marL="73025" marR="73025" marT="9525" marB="0" anchor="ctr"/>
+                </a:tc>
+                <a:tc>
+                  <a:txBody>
+                    <a:bodyPr/>
+                    <a:lstStyle/>
+                    <a:p>
+                      <a:pPr marL="0" marR="0" algn="l" fontAlgn="ctr">
+                        <a:lnSpc>
+                          <a:spcPct val="200000"/>
+                        </a:lnSpc>
+                        <a:spcBef>
+                          <a:spcPts val="0"/>
+                        </a:spcBef>
+                        <a:spcAft>
+                          <a:spcPts val="800"/>
+                        </a:spcAft>
+                      </a:pPr>
+                      <a:r>
+                        <a:rPr lang="en-US" sz="1100" u="none" strike="noStrike" dirty="0">
+                          <a:effectLst/>
+                        </a:rPr>
+                        <a:t>Max Value</a:t>
+                      </a:r>
+                      <a:endParaRPr lang="en-US" sz="1800" b="0" i="0" u="none" strike="noStrike" dirty="0">
+                        <a:effectLst/>
+                        <a:latin typeface="Arial" panose="020B0604020202020204" pitchFamily="34" charset="0"/>
+                      </a:endParaRPr>
+                    </a:p>
+                  </a:txBody>
+                  <a:tcPr marL="73025" marR="73025" marT="9525" marB="0" anchor="ctr"/>
+                </a:tc>
+                <a:tc>
+                  <a:txBody>
+                    <a:bodyPr/>
+                    <a:lstStyle/>
+                    <a:p>
+                      <a:pPr marL="0" marR="0" algn="l" fontAlgn="ctr">
+                        <a:lnSpc>
+                          <a:spcPct val="200000"/>
+                        </a:lnSpc>
+                        <a:spcBef>
+                          <a:spcPts val="0"/>
+                        </a:spcBef>
+                        <a:spcAft>
+                          <a:spcPts val="800"/>
+                        </a:spcAft>
+                      </a:pPr>
+                      <a:r>
+                        <a:rPr lang="en-US" sz="1100" u="none" strike="noStrike">
+                          <a:effectLst/>
+                        </a:rPr>
+                        <a:t>Total Value</a:t>
+                      </a:r>
+                      <a:endParaRPr lang="en-US" sz="1800" b="0" i="0" u="none" strike="noStrike">
+                        <a:effectLst/>
+                        <a:latin typeface="Arial" panose="020B0604020202020204" pitchFamily="34" charset="0"/>
+                      </a:endParaRPr>
+                    </a:p>
+                  </a:txBody>
+                  <a:tcPr marL="73025" marR="73025" marT="9525" marB="0" anchor="ctr"/>
+                </a:tc>
+                <a:extLst>
+                  <a:ext uri="{0D108BD9-81ED-4DB2-BD59-A6C34878D82A}">
+                    <a16:rowId xmlns:a16="http://schemas.microsoft.com/office/drawing/2014/main" val="2250225836"/>
+                  </a:ext>
+                </a:extLst>
+              </a:tr>
+              <a:tr h="280196">
+                <a:tc>
+                  <a:txBody>
+                    <a:bodyPr/>
+                    <a:lstStyle/>
+                    <a:p>
+                      <a:pPr marL="0" marR="0" algn="r">
+                        <a:lnSpc>
+                          <a:spcPct val="200000"/>
+                        </a:lnSpc>
+                        <a:spcBef>
+                          <a:spcPts val="0"/>
+                        </a:spcBef>
+                        <a:spcAft>
+                          <a:spcPts val="800"/>
+                        </a:spcAft>
+                      </a:pPr>
+                      <a:r>
+                        <a:rPr lang="en-US" sz="1100" b="0" dirty="0">
+                          <a:solidFill>
+                            <a:srgbClr val="000000"/>
+                          </a:solidFill>
+                          <a:effectLst/>
+                          <a:uFill>
+                            <a:solidFill>
+                              <a:srgbClr val="000000"/>
+                            </a:solidFill>
+                          </a:uFill>
+                          <a:latin typeface="Calibri" panose="020F0502020204030204" pitchFamily="34" charset="0"/>
+                          <a:ea typeface="Helvetica" panose="020B0604020202020204" pitchFamily="34" charset="0"/>
+                          <a:cs typeface="Helvetica" panose="020B0604020202020204" pitchFamily="34" charset="0"/>
+                        </a:rPr>
+                        <a:t>0.937</a:t>
+                      </a:r>
+                      <a:endParaRPr lang="en-US" sz="1200" b="0" dirty="0">
+                        <a:solidFill>
+                          <a:srgbClr val="000000"/>
+                        </a:solidFill>
+                        <a:effectLst/>
+                        <a:uFill>
+                          <a:solidFill>
+                            <a:srgbClr val="000000"/>
+                          </a:solidFill>
+                        </a:uFill>
+                        <a:latin typeface="Helvetica" panose="020B0604020202020204" pitchFamily="34" charset="0"/>
+                        <a:ea typeface="Helvetica" panose="020B0604020202020204" pitchFamily="34" charset="0"/>
+                      </a:endParaRPr>
+                    </a:p>
+                  </a:txBody>
+                  <a:tcPr marL="73025" marR="73025" marT="0" marB="0" anchor="ctr"/>
+                </a:tc>
+                <a:tc>
+                  <a:txBody>
+                    <a:bodyPr/>
+                    <a:lstStyle/>
+                    <a:p>
+                      <a:pPr marL="0" marR="0" algn="r">
+                        <a:lnSpc>
+                          <a:spcPct val="200000"/>
+                        </a:lnSpc>
+                        <a:spcBef>
+                          <a:spcPts val="0"/>
+                        </a:spcBef>
+                        <a:spcAft>
+                          <a:spcPts val="800"/>
+                        </a:spcAft>
+                      </a:pPr>
+                      <a:r>
+                        <a:rPr lang="en-US" sz="1100" dirty="0">
+                          <a:solidFill>
+                            <a:srgbClr val="000000"/>
+                          </a:solidFill>
+                          <a:effectLst/>
+                          <a:uFill>
+                            <a:solidFill>
+                              <a:srgbClr val="000000"/>
+                            </a:solidFill>
+                          </a:uFill>
+                          <a:latin typeface="Calibri" panose="020F0502020204030204" pitchFamily="34" charset="0"/>
+                          <a:ea typeface="Helvetica" panose="020B0604020202020204" pitchFamily="34" charset="0"/>
+                          <a:cs typeface="Helvetica" panose="020B0604020202020204" pitchFamily="34" charset="0"/>
+                        </a:rPr>
+                        <a:t>0.334</a:t>
+                      </a:r>
+                      <a:endParaRPr lang="en-US" sz="1200" dirty="0">
+                        <a:solidFill>
+                          <a:srgbClr val="000000"/>
+                        </a:solidFill>
+                        <a:effectLst/>
+                        <a:uFill>
+                          <a:solidFill>
+                            <a:srgbClr val="000000"/>
+                          </a:solidFill>
+                        </a:uFill>
+                        <a:latin typeface="Helvetica" panose="020B0604020202020204" pitchFamily="34" charset="0"/>
+                        <a:ea typeface="Helvetica" panose="020B0604020202020204" pitchFamily="34" charset="0"/>
+                      </a:endParaRPr>
+                    </a:p>
+                  </a:txBody>
+                  <a:tcPr marL="73025" marR="73025" marT="0" marB="0" anchor="ctr"/>
+                </a:tc>
+                <a:tc>
+                  <a:txBody>
+                    <a:bodyPr/>
+                    <a:lstStyle/>
+                    <a:p>
+                      <a:pPr marL="0" marR="0" algn="r">
+                        <a:lnSpc>
+                          <a:spcPct val="200000"/>
+                        </a:lnSpc>
+                        <a:spcBef>
+                          <a:spcPts val="0"/>
+                        </a:spcBef>
+                        <a:spcAft>
+                          <a:spcPts val="800"/>
+                        </a:spcAft>
+                      </a:pPr>
+                      <a:r>
+                        <a:rPr lang="en-US" sz="1100">
+                          <a:solidFill>
+                            <a:srgbClr val="000000"/>
+                          </a:solidFill>
+                          <a:effectLst/>
+                          <a:uFill>
+                            <a:solidFill>
+                              <a:srgbClr val="000000"/>
+                            </a:solidFill>
+                          </a:uFill>
+                          <a:latin typeface="Calibri" panose="020F0502020204030204" pitchFamily="34" charset="0"/>
+                          <a:ea typeface="Helvetica" panose="020B0604020202020204" pitchFamily="34" charset="0"/>
+                          <a:cs typeface="Helvetica" panose="020B0604020202020204" pitchFamily="34" charset="0"/>
+                        </a:rPr>
+                        <a:t>0.394</a:t>
+                      </a:r>
+                      <a:endParaRPr lang="en-US" sz="1200">
+                        <a:solidFill>
+                          <a:srgbClr val="000000"/>
+                        </a:solidFill>
+                        <a:effectLst/>
+                        <a:uFill>
+                          <a:solidFill>
+                            <a:srgbClr val="000000"/>
+                          </a:solidFill>
+                        </a:uFill>
+                        <a:latin typeface="Helvetica" panose="020B0604020202020204" pitchFamily="34" charset="0"/>
+                        <a:ea typeface="Helvetica" panose="020B0604020202020204" pitchFamily="34" charset="0"/>
+                      </a:endParaRPr>
+                    </a:p>
+                  </a:txBody>
+                  <a:tcPr marL="73025" marR="73025" marT="0" marB="0" anchor="ctr"/>
+                </a:tc>
+                <a:tc>
+                  <a:txBody>
+                    <a:bodyPr/>
+                    <a:lstStyle/>
+                    <a:p>
+                      <a:pPr marL="0" marR="0" algn="r">
+                        <a:lnSpc>
+                          <a:spcPct val="200000"/>
+                        </a:lnSpc>
+                        <a:spcBef>
+                          <a:spcPts val="0"/>
+                        </a:spcBef>
+                        <a:spcAft>
+                          <a:spcPts val="800"/>
+                        </a:spcAft>
+                      </a:pPr>
+                      <a:r>
+                        <a:rPr lang="en-US" sz="1100">
+                          <a:solidFill>
+                            <a:srgbClr val="000000"/>
+                          </a:solidFill>
+                          <a:effectLst/>
+                          <a:uFill>
+                            <a:solidFill>
+                              <a:srgbClr val="000000"/>
+                            </a:solidFill>
+                          </a:uFill>
+                          <a:latin typeface="Calibri" panose="020F0502020204030204" pitchFamily="34" charset="0"/>
+                          <a:ea typeface="Helvetica" panose="020B0604020202020204" pitchFamily="34" charset="0"/>
+                          <a:cs typeface="Helvetica" panose="020B0604020202020204" pitchFamily="34" charset="0"/>
+                        </a:rPr>
+                        <a:t>1</a:t>
+                      </a:r>
+                      <a:endParaRPr lang="en-US" sz="1200">
+                        <a:solidFill>
+                          <a:srgbClr val="000000"/>
+                        </a:solidFill>
+                        <a:effectLst/>
+                        <a:uFill>
+                          <a:solidFill>
+                            <a:srgbClr val="000000"/>
+                          </a:solidFill>
+                        </a:uFill>
+                        <a:latin typeface="Helvetica" panose="020B0604020202020204" pitchFamily="34" charset="0"/>
+                        <a:ea typeface="Helvetica" panose="020B0604020202020204" pitchFamily="34" charset="0"/>
+                      </a:endParaRPr>
+                    </a:p>
+                  </a:txBody>
+                  <a:tcPr marL="73025" marR="73025" marT="0" marB="0" anchor="ctr"/>
+                </a:tc>
+                <a:tc>
+                  <a:txBody>
+                    <a:bodyPr/>
+                    <a:lstStyle/>
+                    <a:p>
+                      <a:pPr marL="0" marR="0" algn="r">
+                        <a:lnSpc>
+                          <a:spcPct val="200000"/>
+                        </a:lnSpc>
+                        <a:spcBef>
+                          <a:spcPts val="0"/>
+                        </a:spcBef>
+                        <a:spcAft>
+                          <a:spcPts val="800"/>
+                        </a:spcAft>
+                      </a:pPr>
+                      <a:r>
+                        <a:rPr lang="en-US" sz="1100">
+                          <a:solidFill>
+                            <a:srgbClr val="000000"/>
+                          </a:solidFill>
+                          <a:effectLst/>
+                          <a:uFill>
+                            <a:solidFill>
+                              <a:srgbClr val="000000"/>
+                            </a:solidFill>
+                          </a:uFill>
+                          <a:latin typeface="Calibri" panose="020F0502020204030204" pitchFamily="34" charset="0"/>
+                          <a:ea typeface="Helvetica" panose="020B0604020202020204" pitchFamily="34" charset="0"/>
+                          <a:cs typeface="Helvetica" panose="020B0604020202020204" pitchFamily="34" charset="0"/>
+                        </a:rPr>
+                        <a:t>490.279</a:t>
+                      </a:r>
+                      <a:endParaRPr lang="en-US" sz="1200">
+                        <a:solidFill>
+                          <a:srgbClr val="000000"/>
+                        </a:solidFill>
+                        <a:effectLst/>
+                        <a:uFill>
+                          <a:solidFill>
+                            <a:srgbClr val="000000"/>
+                          </a:solidFill>
+                        </a:uFill>
+                        <a:latin typeface="Helvetica" panose="020B0604020202020204" pitchFamily="34" charset="0"/>
+                        <a:ea typeface="Helvetica" panose="020B0604020202020204" pitchFamily="34" charset="0"/>
+                      </a:endParaRPr>
+                    </a:p>
+                  </a:txBody>
+                  <a:tcPr marL="73025" marR="73025" marT="0" marB="0" anchor="ctr"/>
+                </a:tc>
+                <a:extLst>
+                  <a:ext uri="{0D108BD9-81ED-4DB2-BD59-A6C34878D82A}">
+                    <a16:rowId xmlns:a16="http://schemas.microsoft.com/office/drawing/2014/main" val="1879391807"/>
+                  </a:ext>
+                </a:extLst>
+              </a:tr>
+              <a:tr h="280196">
+                <a:tc>
+                  <a:txBody>
+                    <a:bodyPr/>
+                    <a:lstStyle/>
+                    <a:p>
+                      <a:pPr marL="0" marR="0" algn="r">
+                        <a:lnSpc>
+                          <a:spcPct val="200000"/>
+                        </a:lnSpc>
+                        <a:spcBef>
+                          <a:spcPts val="0"/>
+                        </a:spcBef>
+                        <a:spcAft>
+                          <a:spcPts val="800"/>
+                        </a:spcAft>
+                      </a:pPr>
+                      <a:r>
+                        <a:rPr lang="en-US" sz="1100" b="0" dirty="0">
+                          <a:solidFill>
+                            <a:srgbClr val="000000"/>
+                          </a:solidFill>
+                          <a:effectLst/>
+                          <a:uFill>
+                            <a:solidFill>
+                              <a:srgbClr val="000000"/>
+                            </a:solidFill>
+                          </a:uFill>
+                          <a:latin typeface="Calibri" panose="020F0502020204030204" pitchFamily="34" charset="0"/>
+                          <a:ea typeface="Helvetica" panose="020B0604020202020204" pitchFamily="34" charset="0"/>
+                          <a:cs typeface="Helvetica" panose="020B0604020202020204" pitchFamily="34" charset="0"/>
+                        </a:rPr>
+                        <a:t>1</a:t>
+                      </a:r>
+                      <a:endParaRPr lang="en-US" sz="1200" b="0" dirty="0">
+                        <a:solidFill>
+                          <a:srgbClr val="000000"/>
+                        </a:solidFill>
+                        <a:effectLst/>
+                        <a:uFill>
+                          <a:solidFill>
+                            <a:srgbClr val="000000"/>
+                          </a:solidFill>
+                        </a:uFill>
+                        <a:latin typeface="Helvetica" panose="020B0604020202020204" pitchFamily="34" charset="0"/>
+                        <a:ea typeface="Helvetica" panose="020B0604020202020204" pitchFamily="34" charset="0"/>
+                      </a:endParaRPr>
+                    </a:p>
+                  </a:txBody>
+                  <a:tcPr marL="73025" marR="73025" marT="0" marB="0" anchor="ctr"/>
+                </a:tc>
+                <a:tc>
+                  <a:txBody>
+                    <a:bodyPr/>
+                    <a:lstStyle/>
+                    <a:p>
+                      <a:pPr marL="0" marR="0" algn="r">
+                        <a:lnSpc>
+                          <a:spcPct val="200000"/>
+                        </a:lnSpc>
+                        <a:spcBef>
+                          <a:spcPts val="0"/>
+                        </a:spcBef>
+                        <a:spcAft>
+                          <a:spcPts val="800"/>
+                        </a:spcAft>
+                      </a:pPr>
+                      <a:r>
+                        <a:rPr lang="en-US" sz="1100" dirty="0">
+                          <a:solidFill>
+                            <a:srgbClr val="000000"/>
+                          </a:solidFill>
+                          <a:effectLst/>
+                          <a:uFill>
+                            <a:solidFill>
+                              <a:srgbClr val="000000"/>
+                            </a:solidFill>
+                          </a:uFill>
+                          <a:latin typeface="Calibri" panose="020F0502020204030204" pitchFamily="34" charset="0"/>
+                          <a:ea typeface="Helvetica" panose="020B0604020202020204" pitchFamily="34" charset="0"/>
+                          <a:cs typeface="Helvetica" panose="020B0604020202020204" pitchFamily="34" charset="0"/>
+                        </a:rPr>
+                        <a:t>0.17</a:t>
+                      </a:r>
+                      <a:endParaRPr lang="en-US" sz="1200" dirty="0">
+                        <a:solidFill>
+                          <a:srgbClr val="000000"/>
+                        </a:solidFill>
+                        <a:effectLst/>
+                        <a:uFill>
+                          <a:solidFill>
+                            <a:srgbClr val="000000"/>
+                          </a:solidFill>
+                        </a:uFill>
+                        <a:latin typeface="Helvetica" panose="020B0604020202020204" pitchFamily="34" charset="0"/>
+                        <a:ea typeface="Helvetica" panose="020B0604020202020204" pitchFamily="34" charset="0"/>
+                      </a:endParaRPr>
+                    </a:p>
+                  </a:txBody>
+                  <a:tcPr marL="73025" marR="73025" marT="0" marB="0" anchor="ctr"/>
+                </a:tc>
+                <a:tc>
+                  <a:txBody>
+                    <a:bodyPr/>
+                    <a:lstStyle/>
+                    <a:p>
+                      <a:pPr marL="0" marR="0" algn="r">
+                        <a:lnSpc>
+                          <a:spcPct val="200000"/>
+                        </a:lnSpc>
+                        <a:spcBef>
+                          <a:spcPts val="0"/>
+                        </a:spcBef>
+                        <a:spcAft>
+                          <a:spcPts val="800"/>
+                        </a:spcAft>
+                      </a:pPr>
+                      <a:r>
+                        <a:rPr lang="en-US" sz="1100" dirty="0">
+                          <a:solidFill>
+                            <a:srgbClr val="000000"/>
+                          </a:solidFill>
+                          <a:effectLst/>
+                          <a:uFill>
+                            <a:solidFill>
+                              <a:srgbClr val="000000"/>
+                            </a:solidFill>
+                          </a:uFill>
+                          <a:latin typeface="Calibri" panose="020F0502020204030204" pitchFamily="34" charset="0"/>
+                          <a:ea typeface="Helvetica" panose="020B0604020202020204" pitchFamily="34" charset="0"/>
+                          <a:cs typeface="Helvetica" panose="020B0604020202020204" pitchFamily="34" charset="0"/>
+                        </a:rPr>
+                        <a:t>0.267</a:t>
+                      </a:r>
+                      <a:endParaRPr lang="en-US" sz="1200" dirty="0">
+                        <a:solidFill>
+                          <a:srgbClr val="000000"/>
+                        </a:solidFill>
+                        <a:effectLst/>
+                        <a:uFill>
+                          <a:solidFill>
+                            <a:srgbClr val="000000"/>
+                          </a:solidFill>
+                        </a:uFill>
+                        <a:latin typeface="Helvetica" panose="020B0604020202020204" pitchFamily="34" charset="0"/>
+                        <a:ea typeface="Helvetica" panose="020B0604020202020204" pitchFamily="34" charset="0"/>
+                      </a:endParaRPr>
+                    </a:p>
+                  </a:txBody>
+                  <a:tcPr marL="73025" marR="73025" marT="0" marB="0" anchor="ctr"/>
+                </a:tc>
+                <a:tc>
+                  <a:txBody>
+                    <a:bodyPr/>
+                    <a:lstStyle/>
+                    <a:p>
+                      <a:pPr marL="0" marR="0" algn="r">
+                        <a:lnSpc>
+                          <a:spcPct val="200000"/>
+                        </a:lnSpc>
+                        <a:spcBef>
+                          <a:spcPts val="0"/>
+                        </a:spcBef>
+                        <a:spcAft>
+                          <a:spcPts val="800"/>
+                        </a:spcAft>
+                      </a:pPr>
+                      <a:r>
+                        <a:rPr lang="en-US" sz="1100">
+                          <a:solidFill>
+                            <a:srgbClr val="000000"/>
+                          </a:solidFill>
+                          <a:effectLst/>
+                          <a:uFill>
+                            <a:solidFill>
+                              <a:srgbClr val="000000"/>
+                            </a:solidFill>
+                          </a:uFill>
+                          <a:latin typeface="Calibri" panose="020F0502020204030204" pitchFamily="34" charset="0"/>
+                          <a:ea typeface="Helvetica" panose="020B0604020202020204" pitchFamily="34" charset="0"/>
+                          <a:cs typeface="Helvetica" panose="020B0604020202020204" pitchFamily="34" charset="0"/>
+                        </a:rPr>
+                        <a:t>0.972</a:t>
+                      </a:r>
+                      <a:endParaRPr lang="en-US" sz="1200">
+                        <a:solidFill>
+                          <a:srgbClr val="000000"/>
+                        </a:solidFill>
+                        <a:effectLst/>
+                        <a:uFill>
+                          <a:solidFill>
+                            <a:srgbClr val="000000"/>
+                          </a:solidFill>
+                        </a:uFill>
+                        <a:latin typeface="Helvetica" panose="020B0604020202020204" pitchFamily="34" charset="0"/>
+                        <a:ea typeface="Helvetica" panose="020B0604020202020204" pitchFamily="34" charset="0"/>
+                      </a:endParaRPr>
+                    </a:p>
+                  </a:txBody>
+                  <a:tcPr marL="73025" marR="73025" marT="0" marB="0" anchor="ctr"/>
+                </a:tc>
+                <a:tc>
+                  <a:txBody>
+                    <a:bodyPr/>
+                    <a:lstStyle/>
+                    <a:p>
+                      <a:pPr marL="0" marR="0" algn="r">
+                        <a:lnSpc>
+                          <a:spcPct val="200000"/>
+                        </a:lnSpc>
+                        <a:spcBef>
+                          <a:spcPts val="0"/>
+                        </a:spcBef>
+                        <a:spcAft>
+                          <a:spcPts val="800"/>
+                        </a:spcAft>
+                      </a:pPr>
+                      <a:r>
+                        <a:rPr lang="en-US" sz="1100">
+                          <a:solidFill>
+                            <a:srgbClr val="000000"/>
+                          </a:solidFill>
+                          <a:effectLst/>
+                          <a:uFill>
+                            <a:solidFill>
+                              <a:srgbClr val="000000"/>
+                            </a:solidFill>
+                          </a:uFill>
+                          <a:latin typeface="Calibri" panose="020F0502020204030204" pitchFamily="34" charset="0"/>
+                          <a:ea typeface="Helvetica" panose="020B0604020202020204" pitchFamily="34" charset="0"/>
+                          <a:cs typeface="Helvetica" panose="020B0604020202020204" pitchFamily="34" charset="0"/>
+                        </a:rPr>
+                        <a:t>488.994</a:t>
+                      </a:r>
+                      <a:endParaRPr lang="en-US" sz="1200">
+                        <a:solidFill>
+                          <a:srgbClr val="000000"/>
+                        </a:solidFill>
+                        <a:effectLst/>
+                        <a:uFill>
+                          <a:solidFill>
+                            <a:srgbClr val="000000"/>
+                          </a:solidFill>
+                        </a:uFill>
+                        <a:latin typeface="Helvetica" panose="020B0604020202020204" pitchFamily="34" charset="0"/>
+                        <a:ea typeface="Helvetica" panose="020B0604020202020204" pitchFamily="34" charset="0"/>
+                      </a:endParaRPr>
+                    </a:p>
+                  </a:txBody>
+                  <a:tcPr marL="73025" marR="73025" marT="0" marB="0" anchor="ctr"/>
+                </a:tc>
+                <a:extLst>
+                  <a:ext uri="{0D108BD9-81ED-4DB2-BD59-A6C34878D82A}">
+                    <a16:rowId xmlns:a16="http://schemas.microsoft.com/office/drawing/2014/main" val="2280899627"/>
+                  </a:ext>
+                </a:extLst>
+              </a:tr>
+              <a:tr h="280196">
+                <a:tc>
+                  <a:txBody>
+                    <a:bodyPr/>
+                    <a:lstStyle/>
+                    <a:p>
+                      <a:pPr marL="0" marR="0" algn="r">
+                        <a:lnSpc>
+                          <a:spcPct val="200000"/>
+                        </a:lnSpc>
+                        <a:spcBef>
+                          <a:spcPts val="0"/>
+                        </a:spcBef>
+                        <a:spcAft>
+                          <a:spcPts val="800"/>
+                        </a:spcAft>
+                      </a:pPr>
+                      <a:r>
+                        <a:rPr lang="en-US" sz="1100" b="0" dirty="0">
+                          <a:solidFill>
+                            <a:srgbClr val="000000"/>
+                          </a:solidFill>
+                          <a:effectLst/>
+                          <a:uFill>
+                            <a:solidFill>
+                              <a:srgbClr val="000000"/>
+                            </a:solidFill>
+                          </a:uFill>
+                          <a:latin typeface="Calibri" panose="020F0502020204030204" pitchFamily="34" charset="0"/>
+                          <a:ea typeface="Helvetica" panose="020B0604020202020204" pitchFamily="34" charset="0"/>
+                          <a:cs typeface="Helvetica" panose="020B0604020202020204" pitchFamily="34" charset="0"/>
+                        </a:rPr>
+                        <a:t>1</a:t>
+                      </a:r>
+                      <a:endParaRPr lang="en-US" sz="1200" b="0" dirty="0">
+                        <a:solidFill>
+                          <a:srgbClr val="000000"/>
+                        </a:solidFill>
+                        <a:effectLst/>
+                        <a:uFill>
+                          <a:solidFill>
+                            <a:srgbClr val="000000"/>
+                          </a:solidFill>
+                        </a:uFill>
+                        <a:latin typeface="Helvetica" panose="020B0604020202020204" pitchFamily="34" charset="0"/>
+                        <a:ea typeface="Helvetica" panose="020B0604020202020204" pitchFamily="34" charset="0"/>
+                      </a:endParaRPr>
+                    </a:p>
+                  </a:txBody>
+                  <a:tcPr marL="73025" marR="73025" marT="0" marB="0" anchor="ctr"/>
+                </a:tc>
+                <a:tc>
+                  <a:txBody>
+                    <a:bodyPr/>
+                    <a:lstStyle/>
+                    <a:p>
+                      <a:pPr marL="0" marR="0" algn="r">
+                        <a:lnSpc>
+                          <a:spcPct val="200000"/>
+                        </a:lnSpc>
+                        <a:spcBef>
+                          <a:spcPts val="0"/>
+                        </a:spcBef>
+                        <a:spcAft>
+                          <a:spcPts val="800"/>
+                        </a:spcAft>
+                      </a:pPr>
+                      <a:r>
+                        <a:rPr lang="en-US" sz="1100">
+                          <a:solidFill>
+                            <a:srgbClr val="000000"/>
+                          </a:solidFill>
+                          <a:effectLst/>
+                          <a:uFill>
+                            <a:solidFill>
+                              <a:srgbClr val="000000"/>
+                            </a:solidFill>
+                          </a:uFill>
+                          <a:latin typeface="Calibri" panose="020F0502020204030204" pitchFamily="34" charset="0"/>
+                          <a:ea typeface="Helvetica" panose="020B0604020202020204" pitchFamily="34" charset="0"/>
+                          <a:cs typeface="Helvetica" panose="020B0604020202020204" pitchFamily="34" charset="0"/>
+                        </a:rPr>
+                        <a:t>0.294</a:t>
+                      </a:r>
+                      <a:endParaRPr lang="en-US" sz="1200">
+                        <a:solidFill>
+                          <a:srgbClr val="000000"/>
+                        </a:solidFill>
+                        <a:effectLst/>
+                        <a:uFill>
+                          <a:solidFill>
+                            <a:srgbClr val="000000"/>
+                          </a:solidFill>
+                        </a:uFill>
+                        <a:latin typeface="Helvetica" panose="020B0604020202020204" pitchFamily="34" charset="0"/>
+                        <a:ea typeface="Helvetica" panose="020B0604020202020204" pitchFamily="34" charset="0"/>
+                      </a:endParaRPr>
+                    </a:p>
+                  </a:txBody>
+                  <a:tcPr marL="73025" marR="73025" marT="0" marB="0" anchor="ctr"/>
+                </a:tc>
+                <a:tc>
+                  <a:txBody>
+                    <a:bodyPr/>
+                    <a:lstStyle/>
+                    <a:p>
+                      <a:pPr marL="0" marR="0" algn="r">
+                        <a:lnSpc>
+                          <a:spcPct val="200000"/>
+                        </a:lnSpc>
+                        <a:spcBef>
+                          <a:spcPts val="0"/>
+                        </a:spcBef>
+                        <a:spcAft>
+                          <a:spcPts val="800"/>
+                        </a:spcAft>
+                      </a:pPr>
+                      <a:r>
+                        <a:rPr lang="en-US" sz="1100" dirty="0">
+                          <a:solidFill>
+                            <a:srgbClr val="000000"/>
+                          </a:solidFill>
+                          <a:effectLst/>
+                          <a:uFill>
+                            <a:solidFill>
+                              <a:srgbClr val="000000"/>
+                            </a:solidFill>
+                          </a:uFill>
+                          <a:latin typeface="Calibri" panose="020F0502020204030204" pitchFamily="34" charset="0"/>
+                          <a:ea typeface="Helvetica" panose="020B0604020202020204" pitchFamily="34" charset="0"/>
+                          <a:cs typeface="Helvetica" panose="020B0604020202020204" pitchFamily="34" charset="0"/>
+                        </a:rPr>
+                        <a:t>0.284</a:t>
+                      </a:r>
+                      <a:endParaRPr lang="en-US" sz="1200" dirty="0">
+                        <a:solidFill>
+                          <a:srgbClr val="000000"/>
+                        </a:solidFill>
+                        <a:effectLst/>
+                        <a:uFill>
+                          <a:solidFill>
+                            <a:srgbClr val="000000"/>
+                          </a:solidFill>
+                        </a:uFill>
+                        <a:latin typeface="Helvetica" panose="020B0604020202020204" pitchFamily="34" charset="0"/>
+                        <a:ea typeface="Helvetica" panose="020B0604020202020204" pitchFamily="34" charset="0"/>
+                      </a:endParaRPr>
+                    </a:p>
+                  </a:txBody>
+                  <a:tcPr marL="73025" marR="73025" marT="0" marB="0" anchor="ctr"/>
+                </a:tc>
+                <a:tc>
+                  <a:txBody>
+                    <a:bodyPr/>
+                    <a:lstStyle/>
+                    <a:p>
+                      <a:pPr marL="0" marR="0" algn="r">
+                        <a:lnSpc>
+                          <a:spcPct val="200000"/>
+                        </a:lnSpc>
+                        <a:spcBef>
+                          <a:spcPts val="0"/>
+                        </a:spcBef>
+                        <a:spcAft>
+                          <a:spcPts val="800"/>
+                        </a:spcAft>
+                      </a:pPr>
+                      <a:r>
+                        <a:rPr lang="en-US" sz="1100">
+                          <a:solidFill>
+                            <a:srgbClr val="000000"/>
+                          </a:solidFill>
+                          <a:effectLst/>
+                          <a:uFill>
+                            <a:solidFill>
+                              <a:srgbClr val="000000"/>
+                            </a:solidFill>
+                          </a:uFill>
+                          <a:latin typeface="Calibri" panose="020F0502020204030204" pitchFamily="34" charset="0"/>
+                          <a:ea typeface="Helvetica" panose="020B0604020202020204" pitchFamily="34" charset="0"/>
+                          <a:cs typeface="Helvetica" panose="020B0604020202020204" pitchFamily="34" charset="0"/>
+                        </a:rPr>
+                        <a:t>0.878</a:t>
+                      </a:r>
+                      <a:endParaRPr lang="en-US" sz="1200">
+                        <a:solidFill>
+                          <a:srgbClr val="000000"/>
+                        </a:solidFill>
+                        <a:effectLst/>
+                        <a:uFill>
+                          <a:solidFill>
+                            <a:srgbClr val="000000"/>
+                          </a:solidFill>
+                        </a:uFill>
+                        <a:latin typeface="Helvetica" panose="020B0604020202020204" pitchFamily="34" charset="0"/>
+                        <a:ea typeface="Helvetica" panose="020B0604020202020204" pitchFamily="34" charset="0"/>
+                      </a:endParaRPr>
+                    </a:p>
+                  </a:txBody>
+                  <a:tcPr marL="73025" marR="73025" marT="0" marB="0" anchor="ctr"/>
+                </a:tc>
+                <a:tc>
+                  <a:txBody>
+                    <a:bodyPr/>
+                    <a:lstStyle/>
+                    <a:p>
+                      <a:pPr marL="0" marR="0" algn="r">
+                        <a:lnSpc>
+                          <a:spcPct val="200000"/>
+                        </a:lnSpc>
+                        <a:spcBef>
+                          <a:spcPts val="0"/>
+                        </a:spcBef>
+                        <a:spcAft>
+                          <a:spcPts val="800"/>
+                        </a:spcAft>
+                      </a:pPr>
+                      <a:r>
+                        <a:rPr lang="en-US" sz="1100">
+                          <a:solidFill>
+                            <a:srgbClr val="000000"/>
+                          </a:solidFill>
+                          <a:effectLst/>
+                          <a:uFill>
+                            <a:solidFill>
+                              <a:srgbClr val="000000"/>
+                            </a:solidFill>
+                          </a:uFill>
+                          <a:latin typeface="Calibri" panose="020F0502020204030204" pitchFamily="34" charset="0"/>
+                          <a:ea typeface="Helvetica" panose="020B0604020202020204" pitchFamily="34" charset="0"/>
+                          <a:cs typeface="Helvetica" panose="020B0604020202020204" pitchFamily="34" charset="0"/>
+                        </a:rPr>
+                        <a:t>488.303</a:t>
+                      </a:r>
+                      <a:endParaRPr lang="en-US" sz="1200">
+                        <a:solidFill>
+                          <a:srgbClr val="000000"/>
+                        </a:solidFill>
+                        <a:effectLst/>
+                        <a:uFill>
+                          <a:solidFill>
+                            <a:srgbClr val="000000"/>
+                          </a:solidFill>
+                        </a:uFill>
+                        <a:latin typeface="Helvetica" panose="020B0604020202020204" pitchFamily="34" charset="0"/>
+                        <a:ea typeface="Helvetica" panose="020B0604020202020204" pitchFamily="34" charset="0"/>
+                      </a:endParaRPr>
+                    </a:p>
+                  </a:txBody>
+                  <a:tcPr marL="73025" marR="73025" marT="0" marB="0" anchor="ctr"/>
+                </a:tc>
+                <a:extLst>
+                  <a:ext uri="{0D108BD9-81ED-4DB2-BD59-A6C34878D82A}">
+                    <a16:rowId xmlns:a16="http://schemas.microsoft.com/office/drawing/2014/main" val="3616183547"/>
+                  </a:ext>
+                </a:extLst>
+              </a:tr>
+              <a:tr h="280196">
+                <a:tc>
+                  <a:txBody>
+                    <a:bodyPr/>
+                    <a:lstStyle/>
+                    <a:p>
+                      <a:pPr marL="0" marR="0" algn="r">
+                        <a:lnSpc>
+                          <a:spcPct val="200000"/>
+                        </a:lnSpc>
+                        <a:spcBef>
+                          <a:spcPts val="0"/>
+                        </a:spcBef>
+                        <a:spcAft>
+                          <a:spcPts val="800"/>
+                        </a:spcAft>
+                      </a:pPr>
+                      <a:r>
+                        <a:rPr lang="en-US" sz="1100" b="0" dirty="0">
+                          <a:solidFill>
+                            <a:srgbClr val="000000"/>
+                          </a:solidFill>
+                          <a:effectLst/>
+                          <a:uFill>
+                            <a:solidFill>
+                              <a:srgbClr val="000000"/>
+                            </a:solidFill>
+                          </a:uFill>
+                          <a:latin typeface="Calibri" panose="020F0502020204030204" pitchFamily="34" charset="0"/>
+                          <a:ea typeface="Helvetica" panose="020B0604020202020204" pitchFamily="34" charset="0"/>
+                          <a:cs typeface="Helvetica" panose="020B0604020202020204" pitchFamily="34" charset="0"/>
+                        </a:rPr>
+                        <a:t>1</a:t>
+                      </a:r>
+                      <a:endParaRPr lang="en-US" sz="1200" b="0" dirty="0">
+                        <a:solidFill>
+                          <a:srgbClr val="000000"/>
+                        </a:solidFill>
+                        <a:effectLst/>
+                        <a:uFill>
+                          <a:solidFill>
+                            <a:srgbClr val="000000"/>
+                          </a:solidFill>
+                        </a:uFill>
+                        <a:latin typeface="Helvetica" panose="020B0604020202020204" pitchFamily="34" charset="0"/>
+                        <a:ea typeface="Helvetica" panose="020B0604020202020204" pitchFamily="34" charset="0"/>
+                      </a:endParaRPr>
+                    </a:p>
+                  </a:txBody>
+                  <a:tcPr marL="73025" marR="73025" marT="0" marB="0" anchor="ctr"/>
+                </a:tc>
+                <a:tc>
+                  <a:txBody>
+                    <a:bodyPr/>
+                    <a:lstStyle/>
+                    <a:p>
+                      <a:pPr marL="0" marR="0" algn="r">
+                        <a:lnSpc>
+                          <a:spcPct val="200000"/>
+                        </a:lnSpc>
+                        <a:spcBef>
+                          <a:spcPts val="0"/>
+                        </a:spcBef>
+                        <a:spcAft>
+                          <a:spcPts val="800"/>
+                        </a:spcAft>
+                      </a:pPr>
+                      <a:r>
+                        <a:rPr lang="en-US" sz="1100">
+                          <a:solidFill>
+                            <a:srgbClr val="000000"/>
+                          </a:solidFill>
+                          <a:effectLst/>
+                          <a:uFill>
+                            <a:solidFill>
+                              <a:srgbClr val="000000"/>
+                            </a:solidFill>
+                          </a:uFill>
+                          <a:latin typeface="Calibri" panose="020F0502020204030204" pitchFamily="34" charset="0"/>
+                          <a:ea typeface="Helvetica" panose="020B0604020202020204" pitchFamily="34" charset="0"/>
+                          <a:cs typeface="Helvetica" panose="020B0604020202020204" pitchFamily="34" charset="0"/>
+                        </a:rPr>
+                        <a:t>0.153</a:t>
+                      </a:r>
+                      <a:endParaRPr lang="en-US" sz="1200">
+                        <a:solidFill>
+                          <a:srgbClr val="000000"/>
+                        </a:solidFill>
+                        <a:effectLst/>
+                        <a:uFill>
+                          <a:solidFill>
+                            <a:srgbClr val="000000"/>
+                          </a:solidFill>
+                        </a:uFill>
+                        <a:latin typeface="Helvetica" panose="020B0604020202020204" pitchFamily="34" charset="0"/>
+                        <a:ea typeface="Helvetica" panose="020B0604020202020204" pitchFamily="34" charset="0"/>
+                      </a:endParaRPr>
+                    </a:p>
+                  </a:txBody>
+                  <a:tcPr marL="73025" marR="73025" marT="0" marB="0" anchor="ctr"/>
+                </a:tc>
+                <a:tc>
+                  <a:txBody>
+                    <a:bodyPr/>
+                    <a:lstStyle/>
+                    <a:p>
+                      <a:pPr marL="0" marR="0" algn="r">
+                        <a:lnSpc>
+                          <a:spcPct val="200000"/>
+                        </a:lnSpc>
+                        <a:spcBef>
+                          <a:spcPts val="0"/>
+                        </a:spcBef>
+                        <a:spcAft>
+                          <a:spcPts val="800"/>
+                        </a:spcAft>
+                      </a:pPr>
+                      <a:r>
+                        <a:rPr lang="en-US" sz="1100" dirty="0">
+                          <a:solidFill>
+                            <a:srgbClr val="000000"/>
+                          </a:solidFill>
+                          <a:effectLst/>
+                          <a:uFill>
+                            <a:solidFill>
+                              <a:srgbClr val="000000"/>
+                            </a:solidFill>
+                          </a:uFill>
+                          <a:latin typeface="Calibri" panose="020F0502020204030204" pitchFamily="34" charset="0"/>
+                          <a:ea typeface="Helvetica" panose="020B0604020202020204" pitchFamily="34" charset="0"/>
+                          <a:cs typeface="Helvetica" panose="020B0604020202020204" pitchFamily="34" charset="0"/>
+                        </a:rPr>
+                        <a:t>0.267</a:t>
+                      </a:r>
+                      <a:endParaRPr lang="en-US" sz="1200" dirty="0">
+                        <a:solidFill>
+                          <a:srgbClr val="000000"/>
+                        </a:solidFill>
+                        <a:effectLst/>
+                        <a:uFill>
+                          <a:solidFill>
+                            <a:srgbClr val="000000"/>
+                          </a:solidFill>
+                        </a:uFill>
+                        <a:latin typeface="Helvetica" panose="020B0604020202020204" pitchFamily="34" charset="0"/>
+                        <a:ea typeface="Helvetica" panose="020B0604020202020204" pitchFamily="34" charset="0"/>
+                      </a:endParaRPr>
+                    </a:p>
+                  </a:txBody>
+                  <a:tcPr marL="73025" marR="73025" marT="0" marB="0" anchor="ctr"/>
+                </a:tc>
+                <a:tc>
+                  <a:txBody>
+                    <a:bodyPr/>
+                    <a:lstStyle/>
+                    <a:p>
+                      <a:pPr marL="0" marR="0" algn="r">
+                        <a:lnSpc>
+                          <a:spcPct val="200000"/>
+                        </a:lnSpc>
+                        <a:spcBef>
+                          <a:spcPts val="0"/>
+                        </a:spcBef>
+                        <a:spcAft>
+                          <a:spcPts val="800"/>
+                        </a:spcAft>
+                      </a:pPr>
+                      <a:r>
+                        <a:rPr lang="en-US" sz="1100" dirty="0">
+                          <a:solidFill>
+                            <a:srgbClr val="000000"/>
+                          </a:solidFill>
+                          <a:effectLst/>
+                          <a:uFill>
+                            <a:solidFill>
+                              <a:srgbClr val="000000"/>
+                            </a:solidFill>
+                          </a:uFill>
+                          <a:latin typeface="Calibri" panose="020F0502020204030204" pitchFamily="34" charset="0"/>
+                          <a:ea typeface="Helvetica" panose="020B0604020202020204" pitchFamily="34" charset="0"/>
+                          <a:cs typeface="Helvetica" panose="020B0604020202020204" pitchFamily="34" charset="0"/>
+                        </a:rPr>
+                        <a:t>0.92</a:t>
+                      </a:r>
+                      <a:endParaRPr lang="en-US" sz="1200" dirty="0">
+                        <a:solidFill>
+                          <a:srgbClr val="000000"/>
+                        </a:solidFill>
+                        <a:effectLst/>
+                        <a:uFill>
+                          <a:solidFill>
+                            <a:srgbClr val="000000"/>
+                          </a:solidFill>
+                        </a:uFill>
+                        <a:latin typeface="Helvetica" panose="020B0604020202020204" pitchFamily="34" charset="0"/>
+                        <a:ea typeface="Helvetica" panose="020B0604020202020204" pitchFamily="34" charset="0"/>
+                      </a:endParaRPr>
+                    </a:p>
+                  </a:txBody>
+                  <a:tcPr marL="73025" marR="73025" marT="0" marB="0" anchor="ctr"/>
+                </a:tc>
+                <a:tc>
+                  <a:txBody>
+                    <a:bodyPr/>
+                    <a:lstStyle/>
+                    <a:p>
+                      <a:pPr marL="0" marR="0" algn="r">
+                        <a:lnSpc>
+                          <a:spcPct val="200000"/>
+                        </a:lnSpc>
+                        <a:spcBef>
+                          <a:spcPts val="0"/>
+                        </a:spcBef>
+                        <a:spcAft>
+                          <a:spcPts val="800"/>
+                        </a:spcAft>
+                      </a:pPr>
+                      <a:r>
+                        <a:rPr lang="en-US" sz="1100">
+                          <a:solidFill>
+                            <a:srgbClr val="000000"/>
+                          </a:solidFill>
+                          <a:effectLst/>
+                          <a:uFill>
+                            <a:solidFill>
+                              <a:srgbClr val="000000"/>
+                            </a:solidFill>
+                          </a:uFill>
+                          <a:latin typeface="Calibri" panose="020F0502020204030204" pitchFamily="34" charset="0"/>
+                          <a:ea typeface="Helvetica" panose="020B0604020202020204" pitchFamily="34" charset="0"/>
+                          <a:cs typeface="Helvetica" panose="020B0604020202020204" pitchFamily="34" charset="0"/>
+                        </a:rPr>
+                        <a:t>485.735</a:t>
+                      </a:r>
+                      <a:endParaRPr lang="en-US" sz="1200">
+                        <a:solidFill>
+                          <a:srgbClr val="000000"/>
+                        </a:solidFill>
+                        <a:effectLst/>
+                        <a:uFill>
+                          <a:solidFill>
+                            <a:srgbClr val="000000"/>
+                          </a:solidFill>
+                        </a:uFill>
+                        <a:latin typeface="Helvetica" panose="020B0604020202020204" pitchFamily="34" charset="0"/>
+                        <a:ea typeface="Helvetica" panose="020B0604020202020204" pitchFamily="34" charset="0"/>
+                      </a:endParaRPr>
+                    </a:p>
+                  </a:txBody>
+                  <a:tcPr marL="73025" marR="73025" marT="0" marB="0" anchor="ctr"/>
+                </a:tc>
+                <a:extLst>
+                  <a:ext uri="{0D108BD9-81ED-4DB2-BD59-A6C34878D82A}">
+                    <a16:rowId xmlns:a16="http://schemas.microsoft.com/office/drawing/2014/main" val="2563498567"/>
+                  </a:ext>
+                </a:extLst>
+              </a:tr>
+              <a:tr h="280196">
+                <a:tc>
+                  <a:txBody>
+                    <a:bodyPr/>
+                    <a:lstStyle/>
+                    <a:p>
+                      <a:pPr marL="0" marR="0" algn="r">
+                        <a:lnSpc>
+                          <a:spcPct val="200000"/>
+                        </a:lnSpc>
+                        <a:spcBef>
+                          <a:spcPts val="0"/>
+                        </a:spcBef>
+                        <a:spcAft>
+                          <a:spcPts val="800"/>
+                        </a:spcAft>
+                      </a:pPr>
+                      <a:r>
+                        <a:rPr lang="en-US" sz="1100" b="0" dirty="0">
+                          <a:solidFill>
+                            <a:srgbClr val="000000"/>
+                          </a:solidFill>
+                          <a:effectLst/>
+                          <a:uFill>
+                            <a:solidFill>
+                              <a:srgbClr val="000000"/>
+                            </a:solidFill>
+                          </a:uFill>
+                          <a:latin typeface="Calibri" panose="020F0502020204030204" pitchFamily="34" charset="0"/>
+                          <a:ea typeface="Helvetica" panose="020B0604020202020204" pitchFamily="34" charset="0"/>
+                          <a:cs typeface="Helvetica" panose="020B0604020202020204" pitchFamily="34" charset="0"/>
+                        </a:rPr>
+                        <a:t>1</a:t>
+                      </a:r>
+                      <a:endParaRPr lang="en-US" sz="1200" b="0" dirty="0">
+                        <a:solidFill>
+                          <a:srgbClr val="000000"/>
+                        </a:solidFill>
+                        <a:effectLst/>
+                        <a:uFill>
+                          <a:solidFill>
+                            <a:srgbClr val="000000"/>
+                          </a:solidFill>
+                        </a:uFill>
+                        <a:latin typeface="Helvetica" panose="020B0604020202020204" pitchFamily="34" charset="0"/>
+                        <a:ea typeface="Helvetica" panose="020B0604020202020204" pitchFamily="34" charset="0"/>
+                      </a:endParaRPr>
+                    </a:p>
+                  </a:txBody>
+                  <a:tcPr marL="73025" marR="73025" marT="0" marB="0" anchor="ctr"/>
+                </a:tc>
+                <a:tc>
+                  <a:txBody>
+                    <a:bodyPr/>
+                    <a:lstStyle/>
+                    <a:p>
+                      <a:pPr marL="0" marR="0" algn="r">
+                        <a:lnSpc>
+                          <a:spcPct val="200000"/>
+                        </a:lnSpc>
+                        <a:spcBef>
+                          <a:spcPts val="0"/>
+                        </a:spcBef>
+                        <a:spcAft>
+                          <a:spcPts val="800"/>
+                        </a:spcAft>
+                      </a:pPr>
+                      <a:r>
+                        <a:rPr lang="en-US" sz="1100">
+                          <a:solidFill>
+                            <a:srgbClr val="000000"/>
+                          </a:solidFill>
+                          <a:effectLst/>
+                          <a:uFill>
+                            <a:solidFill>
+                              <a:srgbClr val="000000"/>
+                            </a:solidFill>
+                          </a:uFill>
+                          <a:latin typeface="Calibri" panose="020F0502020204030204" pitchFamily="34" charset="0"/>
+                          <a:ea typeface="Helvetica" panose="020B0604020202020204" pitchFamily="34" charset="0"/>
+                          <a:cs typeface="Helvetica" panose="020B0604020202020204" pitchFamily="34" charset="0"/>
+                        </a:rPr>
+                        <a:t>0.361</a:t>
+                      </a:r>
+                      <a:endParaRPr lang="en-US" sz="1200">
+                        <a:solidFill>
+                          <a:srgbClr val="000000"/>
+                        </a:solidFill>
+                        <a:effectLst/>
+                        <a:uFill>
+                          <a:solidFill>
+                            <a:srgbClr val="000000"/>
+                          </a:solidFill>
+                        </a:uFill>
+                        <a:latin typeface="Helvetica" panose="020B0604020202020204" pitchFamily="34" charset="0"/>
+                        <a:ea typeface="Helvetica" panose="020B0604020202020204" pitchFamily="34" charset="0"/>
+                      </a:endParaRPr>
+                    </a:p>
+                  </a:txBody>
+                  <a:tcPr marL="73025" marR="73025" marT="0" marB="0" anchor="ctr"/>
+                </a:tc>
+                <a:tc>
+                  <a:txBody>
+                    <a:bodyPr/>
+                    <a:lstStyle/>
+                    <a:p>
+                      <a:pPr marL="0" marR="0" algn="r">
+                        <a:lnSpc>
+                          <a:spcPct val="200000"/>
+                        </a:lnSpc>
+                        <a:spcBef>
+                          <a:spcPts val="0"/>
+                        </a:spcBef>
+                        <a:spcAft>
+                          <a:spcPts val="800"/>
+                        </a:spcAft>
+                      </a:pPr>
+                      <a:r>
+                        <a:rPr lang="en-US" sz="1100">
+                          <a:solidFill>
+                            <a:srgbClr val="000000"/>
+                          </a:solidFill>
+                          <a:effectLst/>
+                          <a:uFill>
+                            <a:solidFill>
+                              <a:srgbClr val="000000"/>
+                            </a:solidFill>
+                          </a:uFill>
+                          <a:latin typeface="Calibri" panose="020F0502020204030204" pitchFamily="34" charset="0"/>
+                          <a:ea typeface="Helvetica" panose="020B0604020202020204" pitchFamily="34" charset="0"/>
+                          <a:cs typeface="Helvetica" panose="020B0604020202020204" pitchFamily="34" charset="0"/>
+                        </a:rPr>
+                        <a:t>0.248</a:t>
+                      </a:r>
+                      <a:endParaRPr lang="en-US" sz="1200">
+                        <a:solidFill>
+                          <a:srgbClr val="000000"/>
+                        </a:solidFill>
+                        <a:effectLst/>
+                        <a:uFill>
+                          <a:solidFill>
+                            <a:srgbClr val="000000"/>
+                          </a:solidFill>
+                        </a:uFill>
+                        <a:latin typeface="Helvetica" panose="020B0604020202020204" pitchFamily="34" charset="0"/>
+                        <a:ea typeface="Helvetica" panose="020B0604020202020204" pitchFamily="34" charset="0"/>
+                      </a:endParaRPr>
+                    </a:p>
+                  </a:txBody>
+                  <a:tcPr marL="73025" marR="73025" marT="0" marB="0" anchor="ctr"/>
+                </a:tc>
+                <a:tc>
+                  <a:txBody>
+                    <a:bodyPr/>
+                    <a:lstStyle/>
+                    <a:p>
+                      <a:pPr marL="0" marR="0" algn="r">
+                        <a:lnSpc>
+                          <a:spcPct val="200000"/>
+                        </a:lnSpc>
+                        <a:spcBef>
+                          <a:spcPts val="0"/>
+                        </a:spcBef>
+                        <a:spcAft>
+                          <a:spcPts val="800"/>
+                        </a:spcAft>
+                      </a:pPr>
+                      <a:r>
+                        <a:rPr lang="en-US" sz="1100" dirty="0">
+                          <a:solidFill>
+                            <a:srgbClr val="000000"/>
+                          </a:solidFill>
+                          <a:effectLst/>
+                          <a:uFill>
+                            <a:solidFill>
+                              <a:srgbClr val="000000"/>
+                            </a:solidFill>
+                          </a:uFill>
+                          <a:latin typeface="Calibri" panose="020F0502020204030204" pitchFamily="34" charset="0"/>
+                          <a:ea typeface="Helvetica" panose="020B0604020202020204" pitchFamily="34" charset="0"/>
+                          <a:cs typeface="Helvetica" panose="020B0604020202020204" pitchFamily="34" charset="0"/>
+                        </a:rPr>
+                        <a:t>0.629</a:t>
+                      </a:r>
+                      <a:endParaRPr lang="en-US" sz="1200" dirty="0">
+                        <a:solidFill>
+                          <a:srgbClr val="000000"/>
+                        </a:solidFill>
+                        <a:effectLst/>
+                        <a:uFill>
+                          <a:solidFill>
+                            <a:srgbClr val="000000"/>
+                          </a:solidFill>
+                        </a:uFill>
+                        <a:latin typeface="Helvetica" panose="020B0604020202020204" pitchFamily="34" charset="0"/>
+                        <a:ea typeface="Helvetica" panose="020B0604020202020204" pitchFamily="34" charset="0"/>
+                      </a:endParaRPr>
+                    </a:p>
+                  </a:txBody>
+                  <a:tcPr marL="73025" marR="73025" marT="0" marB="0" anchor="ctr"/>
+                </a:tc>
+                <a:tc>
+                  <a:txBody>
+                    <a:bodyPr/>
+                    <a:lstStyle/>
+                    <a:p>
+                      <a:pPr marL="0" marR="0" algn="r">
+                        <a:lnSpc>
+                          <a:spcPct val="200000"/>
+                        </a:lnSpc>
+                        <a:spcBef>
+                          <a:spcPts val="0"/>
+                        </a:spcBef>
+                        <a:spcAft>
+                          <a:spcPts val="800"/>
+                        </a:spcAft>
+                      </a:pPr>
+                      <a:r>
+                        <a:rPr lang="en-US" sz="1100" dirty="0">
+                          <a:solidFill>
+                            <a:srgbClr val="000000"/>
+                          </a:solidFill>
+                          <a:effectLst/>
+                          <a:uFill>
+                            <a:solidFill>
+                              <a:srgbClr val="000000"/>
+                            </a:solidFill>
+                          </a:uFill>
+                          <a:latin typeface="Calibri" panose="020F0502020204030204" pitchFamily="34" charset="0"/>
+                          <a:ea typeface="Helvetica" panose="020B0604020202020204" pitchFamily="34" charset="0"/>
+                          <a:cs typeface="Helvetica" panose="020B0604020202020204" pitchFamily="34" charset="0"/>
+                        </a:rPr>
+                        <a:t>484.262</a:t>
+                      </a:r>
+                      <a:endParaRPr lang="en-US" sz="1200" dirty="0">
+                        <a:solidFill>
+                          <a:srgbClr val="000000"/>
+                        </a:solidFill>
+                        <a:effectLst/>
+                        <a:uFill>
+                          <a:solidFill>
+                            <a:srgbClr val="000000"/>
+                          </a:solidFill>
+                        </a:uFill>
+                        <a:latin typeface="Helvetica" panose="020B0604020202020204" pitchFamily="34" charset="0"/>
+                        <a:ea typeface="Helvetica" panose="020B0604020202020204" pitchFamily="34" charset="0"/>
+                      </a:endParaRPr>
+                    </a:p>
+                  </a:txBody>
+                  <a:tcPr marL="73025" marR="73025" marT="0" marB="0" anchor="ctr"/>
+                </a:tc>
+                <a:extLst>
+                  <a:ext uri="{0D108BD9-81ED-4DB2-BD59-A6C34878D82A}">
+                    <a16:rowId xmlns:a16="http://schemas.microsoft.com/office/drawing/2014/main" val="2911062223"/>
+                  </a:ext>
+                </a:extLst>
+              </a:tr>
+            </a:tbl>
+          </a:graphicData>
+        </a:graphic>
+      </p:graphicFrame>
+      <p:pic>
+        <p:nvPicPr>
+          <p:cNvPr id="6" name="Picture 5">
+            <a:extLst>
+              <a:ext uri="{FF2B5EF4-FFF2-40B4-BE49-F238E27FC236}">
+                <a16:creationId xmlns:a16="http://schemas.microsoft.com/office/drawing/2014/main" id="{8298B13E-4F51-4A13-942E-6D788C85CDFF}"/>
+              </a:ext>
+            </a:extLst>
+          </p:cNvPr>
+          <p:cNvPicPr/>
+          <p:nvPr/>
+        </p:nvPicPr>
+        <p:blipFill>
+          <a:blip r:embed="rId3"/>
+          <a:stretch>
+            <a:fillRect/>
+          </a:stretch>
+        </p:blipFill>
         <p:spPr>
           <a:xfrm>
-            <a:off x="457200" y="1600201"/>
-            <a:ext cx="8229600" cy="4419600"/>
+            <a:off x="-4011" y="3622108"/>
+            <a:ext cx="4576010" cy="1868371"/>
           </a:xfrm>
+          <a:prstGeom prst="rect">
+            <a:avLst/>
+          </a:prstGeom>
         </p:spPr>
-        <p:txBody>
-          <a:bodyPr/>
-          <a:lstStyle/>
-          <a:p>
-            <a:endParaRPr lang="en-US" dirty="0"/>
-          </a:p>
-        </p:txBody>
-      </p:sp>
+      </p:pic>
+      <p:pic>
+        <p:nvPicPr>
+          <p:cNvPr id="7" name="Picture 6">
+            <a:extLst>
+              <a:ext uri="{FF2B5EF4-FFF2-40B4-BE49-F238E27FC236}">
+                <a16:creationId xmlns:a16="http://schemas.microsoft.com/office/drawing/2014/main" id="{34969619-EE79-46AB-AB76-C9F7940040A3}"/>
+              </a:ext>
+            </a:extLst>
+          </p:cNvPr>
+          <p:cNvPicPr/>
+          <p:nvPr/>
+        </p:nvPicPr>
+        <p:blipFill>
+          <a:blip r:embed="rId4"/>
+          <a:stretch>
+            <a:fillRect/>
+          </a:stretch>
+        </p:blipFill>
+        <p:spPr>
+          <a:xfrm>
+            <a:off x="4571999" y="3626119"/>
+            <a:ext cx="4576011" cy="1864360"/>
+          </a:xfrm>
+          <a:prstGeom prst="rect">
+            <a:avLst/>
+          </a:prstGeom>
+        </p:spPr>
+      </p:pic>
     </p:spTree>
     <p:extLst>
       <p:ext uri="{BB962C8B-B14F-4D97-AF65-F5344CB8AC3E}">
-        <p14:creationId xmlns:p14="http://schemas.microsoft.com/office/powerpoint/2010/main" val="1801136540"/>
+        <p14:creationId xmlns:p14="http://schemas.microsoft.com/office/powerpoint/2010/main" val="3433012401"/>
       </p:ext>
     </p:extLst>
   </p:cSld>
@@ -6225,7 +12584,13 @@
       </p:grpSpPr>
       <p:sp>
         <p:nvSpPr>
-          <p:cNvPr id="6" name="Title 5"/>
+          <p:cNvPr id="2" name="Title 1">
+            <a:extLst>
+              <a:ext uri="{FF2B5EF4-FFF2-40B4-BE49-F238E27FC236}">
+                <a16:creationId xmlns:a16="http://schemas.microsoft.com/office/drawing/2014/main" id="{4EFC5FAD-3CA1-4744-B185-4DC4203D24D3}"/>
+              </a:ext>
+            </a:extLst>
+          </p:cNvPr>
           <p:cNvSpPr>
             <a:spLocks noGrp="1"/>
           </p:cNvSpPr>
@@ -6240,39 +12605,1456 @@
           <a:p>
             <a:r>
               <a:rPr lang="en-US" dirty="0"/>
-              <a:t>Conclusion</a:t>
+              <a:t>0-1 Knapsack Data - Liberal</a:t>
             </a:r>
           </a:p>
         </p:txBody>
       </p:sp>
-      <p:sp>
-        <p:nvSpPr>
-          <p:cNvPr id="7" name="Content Placeholder 6"/>
-          <p:cNvSpPr>
-            <a:spLocks noGrp="1"/>
-          </p:cNvSpPr>
-          <p:nvPr>
-            <p:ph idx="1"/>
-          </p:nvPr>
-        </p:nvSpPr>
+      <p:graphicFrame>
+        <p:nvGraphicFramePr>
+          <p:cNvPr id="4" name="Table 3">
+            <a:extLst>
+              <a:ext uri="{FF2B5EF4-FFF2-40B4-BE49-F238E27FC236}">
+                <a16:creationId xmlns:a16="http://schemas.microsoft.com/office/drawing/2014/main" id="{19983D00-4B0F-4842-8647-79BE26162B2F}"/>
+              </a:ext>
+            </a:extLst>
+          </p:cNvPr>
+          <p:cNvGraphicFramePr/>
+          <p:nvPr>
+            <p:extLst>
+              <p:ext uri="{D42A27DB-BD31-4B8C-83A1-F6EECF244321}">
+                <p14:modId xmlns:p14="http://schemas.microsoft.com/office/powerpoint/2010/main" val="4269763226"/>
+              </p:ext>
+            </p:extLst>
+          </p:nvPr>
+        </p:nvGraphicFramePr>
+        <p:xfrm>
+          <a:off x="609600" y="1827916"/>
+          <a:ext cx="3200400" cy="1034415"/>
+        </p:xfrm>
+        <a:graphic>
+          <a:graphicData uri="http://schemas.openxmlformats.org/drawingml/2006/table">
+            <a:tbl>
+              <a:tblPr firstRow="1" firstCol="1" bandRow="1">
+                <a:tableStyleId>{D7AC3CCA-C797-4891-BE02-D94E43425B78}</a:tableStyleId>
+              </a:tblPr>
+              <a:tblGrid>
+                <a:gridCol w="2514600">
+                  <a:extLst>
+                    <a:ext uri="{9D8B030D-6E8A-4147-A177-3AD203B41FA5}">
+                      <a16:colId xmlns:a16="http://schemas.microsoft.com/office/drawing/2014/main" val="548071243"/>
+                    </a:ext>
+                  </a:extLst>
+                </a:gridCol>
+                <a:gridCol w="685800">
+                  <a:extLst>
+                    <a:ext uri="{9D8B030D-6E8A-4147-A177-3AD203B41FA5}">
+                      <a16:colId xmlns:a16="http://schemas.microsoft.com/office/drawing/2014/main" val="865789244"/>
+                    </a:ext>
+                  </a:extLst>
+                </a:gridCol>
+              </a:tblGrid>
+              <a:tr h="182880">
+                <a:tc>
+                  <a:txBody>
+                    <a:bodyPr/>
+                    <a:lstStyle/>
+                    <a:p>
+                      <a:pPr marL="0" marR="0" algn="l" fontAlgn="t">
+                        <a:lnSpc>
+                          <a:spcPct val="200000"/>
+                        </a:lnSpc>
+                        <a:spcBef>
+                          <a:spcPts val="0"/>
+                        </a:spcBef>
+                        <a:spcAft>
+                          <a:spcPts val="800"/>
+                        </a:spcAft>
+                      </a:pPr>
+                      <a:r>
+                        <a:rPr lang="en-US" sz="1100" u="none" strike="noStrike">
+                          <a:effectLst/>
+                        </a:rPr>
+                        <a:t>% Chromosomes Mutated</a:t>
+                      </a:r>
+                      <a:endParaRPr lang="en-US" sz="1800" b="0" i="0" u="none" strike="noStrike">
+                        <a:effectLst/>
+                        <a:latin typeface="Arial" panose="020B0604020202020204" pitchFamily="34" charset="0"/>
+                      </a:endParaRPr>
+                    </a:p>
+                  </a:txBody>
+                  <a:tcPr marL="73025" marR="73025" marT="9525" marB="0"/>
+                </a:tc>
+                <a:tc>
+                  <a:txBody>
+                    <a:bodyPr/>
+                    <a:lstStyle/>
+                    <a:p>
+                      <a:pPr marL="0" marR="0" algn="l" fontAlgn="t">
+                        <a:lnSpc>
+                          <a:spcPct val="200000"/>
+                        </a:lnSpc>
+                        <a:spcBef>
+                          <a:spcPts val="0"/>
+                        </a:spcBef>
+                        <a:spcAft>
+                          <a:spcPts val="800"/>
+                        </a:spcAft>
+                      </a:pPr>
+                      <a:r>
+                        <a:rPr lang="en-US" sz="1100" b="0" u="none" strike="noStrike" dirty="0">
+                          <a:effectLst/>
+                        </a:rPr>
+                        <a:t>100%</a:t>
+                      </a:r>
+                      <a:endParaRPr lang="en-US" sz="1800" b="0" i="0" u="none" strike="noStrike" dirty="0">
+                        <a:effectLst/>
+                        <a:latin typeface="Arial" panose="020B0604020202020204" pitchFamily="34" charset="0"/>
+                      </a:endParaRPr>
+                    </a:p>
+                  </a:txBody>
+                  <a:tcPr marL="73025" marR="73025" marT="9525" marB="0"/>
+                </a:tc>
+                <a:extLst>
+                  <a:ext uri="{0D108BD9-81ED-4DB2-BD59-A6C34878D82A}">
+                    <a16:rowId xmlns:a16="http://schemas.microsoft.com/office/drawing/2014/main" val="343608565"/>
+                  </a:ext>
+                </a:extLst>
+              </a:tr>
+              <a:tr h="182880">
+                <a:tc>
+                  <a:txBody>
+                    <a:bodyPr/>
+                    <a:lstStyle/>
+                    <a:p>
+                      <a:pPr marL="0" marR="0" algn="l" fontAlgn="t">
+                        <a:lnSpc>
+                          <a:spcPct val="200000"/>
+                        </a:lnSpc>
+                        <a:spcBef>
+                          <a:spcPts val="0"/>
+                        </a:spcBef>
+                        <a:spcAft>
+                          <a:spcPts val="800"/>
+                        </a:spcAft>
+                      </a:pPr>
+                      <a:r>
+                        <a:rPr lang="en-US" sz="1100" u="none" strike="noStrike" dirty="0">
+                          <a:effectLst/>
+                        </a:rPr>
+                        <a:t>% Genes Mutated</a:t>
+                      </a:r>
+                      <a:endParaRPr lang="en-US" sz="1800" b="0" i="0" u="none" strike="noStrike" dirty="0">
+                        <a:effectLst/>
+                        <a:latin typeface="Arial" panose="020B0604020202020204" pitchFamily="34" charset="0"/>
+                      </a:endParaRPr>
+                    </a:p>
+                  </a:txBody>
+                  <a:tcPr marL="73025" marR="73025" marT="9525" marB="0"/>
+                </a:tc>
+                <a:tc>
+                  <a:txBody>
+                    <a:bodyPr/>
+                    <a:lstStyle/>
+                    <a:p>
+                      <a:pPr marL="0" marR="0" algn="l" fontAlgn="t">
+                        <a:lnSpc>
+                          <a:spcPct val="200000"/>
+                        </a:lnSpc>
+                        <a:spcBef>
+                          <a:spcPts val="0"/>
+                        </a:spcBef>
+                        <a:spcAft>
+                          <a:spcPts val="800"/>
+                        </a:spcAft>
+                      </a:pPr>
+                      <a:r>
+                        <a:rPr lang="en-US" sz="1100" u="none" strike="noStrike" dirty="0">
+                          <a:effectLst/>
+                        </a:rPr>
+                        <a:t>100%</a:t>
+                      </a:r>
+                      <a:endParaRPr lang="en-US" sz="1800" b="0" i="0" u="none" strike="noStrike" dirty="0">
+                        <a:effectLst/>
+                        <a:latin typeface="Arial" panose="020B0604020202020204" pitchFamily="34" charset="0"/>
+                      </a:endParaRPr>
+                    </a:p>
+                  </a:txBody>
+                  <a:tcPr marL="73025" marR="73025" marT="9525" marB="0"/>
+                </a:tc>
+                <a:extLst>
+                  <a:ext uri="{0D108BD9-81ED-4DB2-BD59-A6C34878D82A}">
+                    <a16:rowId xmlns:a16="http://schemas.microsoft.com/office/drawing/2014/main" val="4016507406"/>
+                  </a:ext>
+                </a:extLst>
+              </a:tr>
+              <a:tr h="182880">
+                <a:tc>
+                  <a:txBody>
+                    <a:bodyPr/>
+                    <a:lstStyle/>
+                    <a:p>
+                      <a:pPr marL="0" marR="0" algn="l" fontAlgn="t">
+                        <a:lnSpc>
+                          <a:spcPct val="200000"/>
+                        </a:lnSpc>
+                        <a:spcBef>
+                          <a:spcPts val="0"/>
+                        </a:spcBef>
+                        <a:spcAft>
+                          <a:spcPts val="800"/>
+                        </a:spcAft>
+                      </a:pPr>
+                      <a:r>
+                        <a:rPr lang="en-US" sz="1100" u="none" strike="noStrike">
+                          <a:effectLst/>
+                        </a:rPr>
+                        <a:t>Maximum % Mutation Deviation</a:t>
+                      </a:r>
+                      <a:endParaRPr lang="en-US" sz="1800" b="0" i="0" u="none" strike="noStrike">
+                        <a:effectLst/>
+                        <a:latin typeface="Arial" panose="020B0604020202020204" pitchFamily="34" charset="0"/>
+                      </a:endParaRPr>
+                    </a:p>
+                  </a:txBody>
+                  <a:tcPr marL="73025" marR="73025" marT="9525" marB="0"/>
+                </a:tc>
+                <a:tc>
+                  <a:txBody>
+                    <a:bodyPr/>
+                    <a:lstStyle/>
+                    <a:p>
+                      <a:pPr marL="0" marR="0" algn="l" fontAlgn="t">
+                        <a:lnSpc>
+                          <a:spcPct val="200000"/>
+                        </a:lnSpc>
+                        <a:spcBef>
+                          <a:spcPts val="0"/>
+                        </a:spcBef>
+                        <a:spcAft>
+                          <a:spcPts val="800"/>
+                        </a:spcAft>
+                      </a:pPr>
+                      <a:r>
+                        <a:rPr lang="en-US" sz="1100" u="none" strike="noStrike" dirty="0">
+                          <a:effectLst/>
+                        </a:rPr>
+                        <a:t>25%</a:t>
+                      </a:r>
+                      <a:endParaRPr lang="en-US" sz="1800" b="0" i="0" u="none" strike="noStrike" dirty="0">
+                        <a:effectLst/>
+                        <a:latin typeface="Arial" panose="020B0604020202020204" pitchFamily="34" charset="0"/>
+                      </a:endParaRPr>
+                    </a:p>
+                  </a:txBody>
+                  <a:tcPr marL="73025" marR="73025" marT="9525" marB="0"/>
+                </a:tc>
+                <a:extLst>
+                  <a:ext uri="{0D108BD9-81ED-4DB2-BD59-A6C34878D82A}">
+                    <a16:rowId xmlns:a16="http://schemas.microsoft.com/office/drawing/2014/main" val="3230206971"/>
+                  </a:ext>
+                </a:extLst>
+              </a:tr>
+            </a:tbl>
+          </a:graphicData>
+        </a:graphic>
+      </p:graphicFrame>
+      <p:graphicFrame>
+        <p:nvGraphicFramePr>
+          <p:cNvPr id="5" name="Table 4">
+            <a:extLst>
+              <a:ext uri="{FF2B5EF4-FFF2-40B4-BE49-F238E27FC236}">
+                <a16:creationId xmlns:a16="http://schemas.microsoft.com/office/drawing/2014/main" id="{E9948A27-BC34-4F8C-A9C2-85B6D788B3D4}"/>
+              </a:ext>
+            </a:extLst>
+          </p:cNvPr>
+          <p:cNvGraphicFramePr/>
+          <p:nvPr>
+            <p:extLst>
+              <p:ext uri="{D42A27DB-BD31-4B8C-83A1-F6EECF244321}">
+                <p14:modId xmlns:p14="http://schemas.microsoft.com/office/powerpoint/2010/main" val="3672579468"/>
+              </p:ext>
+            </p:extLst>
+          </p:nvPr>
+        </p:nvGraphicFramePr>
+        <p:xfrm>
+          <a:off x="4191000" y="1310709"/>
+          <a:ext cx="4604085" cy="1678305"/>
+        </p:xfrm>
+        <a:graphic>
+          <a:graphicData uri="http://schemas.openxmlformats.org/drawingml/2006/table">
+            <a:tbl>
+              <a:tblPr firstRow="1" firstCol="1" bandRow="1">
+                <a:tableStyleId>{5202B0CA-FC54-4496-8BCA-5EF66A818D29}</a:tableStyleId>
+              </a:tblPr>
+              <a:tblGrid>
+                <a:gridCol w="920817">
+                  <a:extLst>
+                    <a:ext uri="{9D8B030D-6E8A-4147-A177-3AD203B41FA5}">
+                      <a16:colId xmlns:a16="http://schemas.microsoft.com/office/drawing/2014/main" val="2407456421"/>
+                    </a:ext>
+                  </a:extLst>
+                </a:gridCol>
+                <a:gridCol w="920817">
+                  <a:extLst>
+                    <a:ext uri="{9D8B030D-6E8A-4147-A177-3AD203B41FA5}">
+                      <a16:colId xmlns:a16="http://schemas.microsoft.com/office/drawing/2014/main" val="1852184265"/>
+                    </a:ext>
+                  </a:extLst>
+                </a:gridCol>
+                <a:gridCol w="920817">
+                  <a:extLst>
+                    <a:ext uri="{9D8B030D-6E8A-4147-A177-3AD203B41FA5}">
+                      <a16:colId xmlns:a16="http://schemas.microsoft.com/office/drawing/2014/main" val="1808075248"/>
+                    </a:ext>
+                  </a:extLst>
+                </a:gridCol>
+                <a:gridCol w="920817">
+                  <a:extLst>
+                    <a:ext uri="{9D8B030D-6E8A-4147-A177-3AD203B41FA5}">
+                      <a16:colId xmlns:a16="http://schemas.microsoft.com/office/drawing/2014/main" val="766843608"/>
+                    </a:ext>
+                  </a:extLst>
+                </a:gridCol>
+                <a:gridCol w="920817">
+                  <a:extLst>
+                    <a:ext uri="{9D8B030D-6E8A-4147-A177-3AD203B41FA5}">
+                      <a16:colId xmlns:a16="http://schemas.microsoft.com/office/drawing/2014/main" val="1582951459"/>
+                    </a:ext>
+                  </a:extLst>
+                </a:gridCol>
+              </a:tblGrid>
+              <a:tr h="266700">
+                <a:tc>
+                  <a:txBody>
+                    <a:bodyPr/>
+                    <a:lstStyle/>
+                    <a:p>
+                      <a:pPr marL="0" marR="0" algn="l" fontAlgn="ctr">
+                        <a:lnSpc>
+                          <a:spcPct val="200000"/>
+                        </a:lnSpc>
+                        <a:spcBef>
+                          <a:spcPts val="0"/>
+                        </a:spcBef>
+                        <a:spcAft>
+                          <a:spcPts val="800"/>
+                        </a:spcAft>
+                      </a:pPr>
+                      <a:r>
+                        <a:rPr lang="en-US" sz="1100" u="none" strike="noStrike" dirty="0">
+                          <a:effectLst/>
+                        </a:rPr>
+                        <a:t>Min Weight</a:t>
+                      </a:r>
+                      <a:endParaRPr lang="en-US" sz="1800" b="0" i="0" u="none" strike="noStrike" dirty="0">
+                        <a:effectLst/>
+                        <a:latin typeface="Arial" panose="020B0604020202020204" pitchFamily="34" charset="0"/>
+                      </a:endParaRPr>
+                    </a:p>
+                  </a:txBody>
+                  <a:tcPr marL="73025" marR="73025" marT="9525" marB="0" anchor="ctr"/>
+                </a:tc>
+                <a:tc>
+                  <a:txBody>
+                    <a:bodyPr/>
+                    <a:lstStyle/>
+                    <a:p>
+                      <a:pPr marL="0" marR="0" algn="l" fontAlgn="ctr">
+                        <a:lnSpc>
+                          <a:spcPct val="200000"/>
+                        </a:lnSpc>
+                        <a:spcBef>
+                          <a:spcPts val="0"/>
+                        </a:spcBef>
+                        <a:spcAft>
+                          <a:spcPts val="800"/>
+                        </a:spcAft>
+                      </a:pPr>
+                      <a:r>
+                        <a:rPr lang="en-US" sz="1100" u="none" strike="noStrike">
+                          <a:effectLst/>
+                        </a:rPr>
+                        <a:t>Max Weight</a:t>
+                      </a:r>
+                      <a:endParaRPr lang="en-US" sz="1800" b="0" i="0" u="none" strike="noStrike">
+                        <a:effectLst/>
+                        <a:latin typeface="Arial" panose="020B0604020202020204" pitchFamily="34" charset="0"/>
+                      </a:endParaRPr>
+                    </a:p>
+                  </a:txBody>
+                  <a:tcPr marL="73025" marR="73025" marT="9525" marB="0" anchor="ctr"/>
+                </a:tc>
+                <a:tc>
+                  <a:txBody>
+                    <a:bodyPr/>
+                    <a:lstStyle/>
+                    <a:p>
+                      <a:pPr marL="0" marR="0" algn="l" fontAlgn="ctr">
+                        <a:lnSpc>
+                          <a:spcPct val="200000"/>
+                        </a:lnSpc>
+                        <a:spcBef>
+                          <a:spcPts val="0"/>
+                        </a:spcBef>
+                        <a:spcAft>
+                          <a:spcPts val="800"/>
+                        </a:spcAft>
+                      </a:pPr>
+                      <a:r>
+                        <a:rPr lang="en-US" sz="1100" u="none" strike="noStrike">
+                          <a:effectLst/>
+                        </a:rPr>
+                        <a:t>Min Value</a:t>
+                      </a:r>
+                      <a:endParaRPr lang="en-US" sz="1800" b="0" i="0" u="none" strike="noStrike">
+                        <a:effectLst/>
+                        <a:latin typeface="Arial" panose="020B0604020202020204" pitchFamily="34" charset="0"/>
+                      </a:endParaRPr>
+                    </a:p>
+                  </a:txBody>
+                  <a:tcPr marL="73025" marR="73025" marT="9525" marB="0" anchor="ctr"/>
+                </a:tc>
+                <a:tc>
+                  <a:txBody>
+                    <a:bodyPr/>
+                    <a:lstStyle/>
+                    <a:p>
+                      <a:pPr marL="0" marR="0" algn="l" fontAlgn="ctr">
+                        <a:lnSpc>
+                          <a:spcPct val="200000"/>
+                        </a:lnSpc>
+                        <a:spcBef>
+                          <a:spcPts val="0"/>
+                        </a:spcBef>
+                        <a:spcAft>
+                          <a:spcPts val="800"/>
+                        </a:spcAft>
+                      </a:pPr>
+                      <a:r>
+                        <a:rPr lang="en-US" sz="1100" u="none" strike="noStrike" dirty="0">
+                          <a:effectLst/>
+                        </a:rPr>
+                        <a:t>Max Value</a:t>
+                      </a:r>
+                      <a:endParaRPr lang="en-US" sz="1800" b="0" i="0" u="none" strike="noStrike" dirty="0">
+                        <a:effectLst/>
+                        <a:latin typeface="Arial" panose="020B0604020202020204" pitchFamily="34" charset="0"/>
+                      </a:endParaRPr>
+                    </a:p>
+                  </a:txBody>
+                  <a:tcPr marL="73025" marR="73025" marT="9525" marB="0" anchor="ctr"/>
+                </a:tc>
+                <a:tc>
+                  <a:txBody>
+                    <a:bodyPr/>
+                    <a:lstStyle/>
+                    <a:p>
+                      <a:pPr marL="0" marR="0" algn="l" fontAlgn="ctr">
+                        <a:lnSpc>
+                          <a:spcPct val="200000"/>
+                        </a:lnSpc>
+                        <a:spcBef>
+                          <a:spcPts val="0"/>
+                        </a:spcBef>
+                        <a:spcAft>
+                          <a:spcPts val="800"/>
+                        </a:spcAft>
+                      </a:pPr>
+                      <a:r>
+                        <a:rPr lang="en-US" sz="1100" u="none" strike="noStrike">
+                          <a:effectLst/>
+                        </a:rPr>
+                        <a:t>Total Value</a:t>
+                      </a:r>
+                      <a:endParaRPr lang="en-US" sz="1800" b="0" i="0" u="none" strike="noStrike">
+                        <a:effectLst/>
+                        <a:latin typeface="Arial" panose="020B0604020202020204" pitchFamily="34" charset="0"/>
+                      </a:endParaRPr>
+                    </a:p>
+                  </a:txBody>
+                  <a:tcPr marL="73025" marR="73025" marT="9525" marB="0" anchor="ctr"/>
+                </a:tc>
+                <a:extLst>
+                  <a:ext uri="{0D108BD9-81ED-4DB2-BD59-A6C34878D82A}">
+                    <a16:rowId xmlns:a16="http://schemas.microsoft.com/office/drawing/2014/main" val="2250225836"/>
+                  </a:ext>
+                </a:extLst>
+              </a:tr>
+              <a:tr h="266700">
+                <a:tc>
+                  <a:txBody>
+                    <a:bodyPr/>
+                    <a:lstStyle/>
+                    <a:p>
+                      <a:pPr marL="0" marR="0" algn="r">
+                        <a:spcBef>
+                          <a:spcPts val="0"/>
+                        </a:spcBef>
+                        <a:spcAft>
+                          <a:spcPts val="0"/>
+                        </a:spcAft>
+                      </a:pPr>
+                      <a:r>
+                        <a:rPr lang="en-US" sz="1100" b="0" dirty="0">
+                          <a:solidFill>
+                            <a:srgbClr val="000000"/>
+                          </a:solidFill>
+                          <a:effectLst/>
+                          <a:latin typeface="Calibri" panose="020F0502020204030204" pitchFamily="34" charset="0"/>
+                          <a:ea typeface="Times New Roman" panose="02020603050405020304" pitchFamily="18" charset="0"/>
+                          <a:cs typeface="Times New Roman" panose="02020603050405020304" pitchFamily="18" charset="0"/>
+                        </a:rPr>
+                        <a:t>1</a:t>
+                      </a:r>
+                      <a:endParaRPr lang="en-US" sz="1200" b="0" dirty="0">
+                        <a:effectLst/>
+                        <a:latin typeface="Helvetica" panose="020B0604020202020204" pitchFamily="34" charset="0"/>
+                        <a:ea typeface="Arial Unicode MS"/>
+                        <a:cs typeface="Times New Roman" panose="02020603050405020304" pitchFamily="18" charset="0"/>
+                      </a:endParaRPr>
+                    </a:p>
+                  </a:txBody>
+                  <a:tcPr marL="68580" marR="68580" marT="0" marB="0" anchor="b"/>
+                </a:tc>
+                <a:tc>
+                  <a:txBody>
+                    <a:bodyPr/>
+                    <a:lstStyle/>
+                    <a:p>
+                      <a:pPr marL="0" marR="0" algn="r">
+                        <a:spcBef>
+                          <a:spcPts val="0"/>
+                        </a:spcBef>
+                        <a:spcAft>
+                          <a:spcPts val="0"/>
+                        </a:spcAft>
+                      </a:pPr>
+                      <a:r>
+                        <a:rPr lang="en-US" sz="1100">
+                          <a:solidFill>
+                            <a:srgbClr val="000000"/>
+                          </a:solidFill>
+                          <a:effectLst/>
+                          <a:latin typeface="Calibri" panose="020F0502020204030204" pitchFamily="34" charset="0"/>
+                          <a:ea typeface="Times New Roman" panose="02020603050405020304" pitchFamily="18" charset="0"/>
+                          <a:cs typeface="Times New Roman" panose="02020603050405020304" pitchFamily="18" charset="0"/>
+                        </a:rPr>
+                        <a:t>0.015</a:t>
+                      </a:r>
+                      <a:endParaRPr lang="en-US" sz="1200">
+                        <a:effectLst/>
+                        <a:latin typeface="Helvetica" panose="020B0604020202020204" pitchFamily="34" charset="0"/>
+                        <a:ea typeface="Arial Unicode MS"/>
+                        <a:cs typeface="Times New Roman" panose="02020603050405020304" pitchFamily="18" charset="0"/>
+                      </a:endParaRPr>
+                    </a:p>
+                  </a:txBody>
+                  <a:tcPr marL="68580" marR="68580" marT="0" marB="0" anchor="b"/>
+                </a:tc>
+                <a:tc>
+                  <a:txBody>
+                    <a:bodyPr/>
+                    <a:lstStyle/>
+                    <a:p>
+                      <a:pPr marL="0" marR="0" algn="r">
+                        <a:spcBef>
+                          <a:spcPts val="0"/>
+                        </a:spcBef>
+                        <a:spcAft>
+                          <a:spcPts val="0"/>
+                        </a:spcAft>
+                      </a:pPr>
+                      <a:r>
+                        <a:rPr lang="en-US" sz="1100">
+                          <a:solidFill>
+                            <a:srgbClr val="000000"/>
+                          </a:solidFill>
+                          <a:effectLst/>
+                          <a:latin typeface="Calibri" panose="020F0502020204030204" pitchFamily="34" charset="0"/>
+                          <a:ea typeface="Times New Roman" panose="02020603050405020304" pitchFamily="18" charset="0"/>
+                          <a:cs typeface="Times New Roman" panose="02020603050405020304" pitchFamily="18" charset="0"/>
+                        </a:rPr>
+                        <a:t>0.039</a:t>
+                      </a:r>
+                      <a:endParaRPr lang="en-US" sz="1200">
+                        <a:effectLst/>
+                        <a:latin typeface="Helvetica" panose="020B0604020202020204" pitchFamily="34" charset="0"/>
+                        <a:ea typeface="Arial Unicode MS"/>
+                        <a:cs typeface="Times New Roman" panose="02020603050405020304" pitchFamily="18" charset="0"/>
+                      </a:endParaRPr>
+                    </a:p>
+                  </a:txBody>
+                  <a:tcPr marL="68580" marR="68580" marT="0" marB="0" anchor="b"/>
+                </a:tc>
+                <a:tc>
+                  <a:txBody>
+                    <a:bodyPr/>
+                    <a:lstStyle/>
+                    <a:p>
+                      <a:pPr marL="0" marR="0" algn="r">
+                        <a:spcBef>
+                          <a:spcPts val="0"/>
+                        </a:spcBef>
+                        <a:spcAft>
+                          <a:spcPts val="0"/>
+                        </a:spcAft>
+                      </a:pPr>
+                      <a:r>
+                        <a:rPr lang="en-US" sz="1100">
+                          <a:solidFill>
+                            <a:srgbClr val="000000"/>
+                          </a:solidFill>
+                          <a:effectLst/>
+                          <a:latin typeface="Calibri" panose="020F0502020204030204" pitchFamily="34" charset="0"/>
+                          <a:ea typeface="Times New Roman" panose="02020603050405020304" pitchFamily="18" charset="0"/>
+                          <a:cs typeface="Times New Roman" panose="02020603050405020304" pitchFamily="18" charset="0"/>
+                        </a:rPr>
+                        <a:t>0.976</a:t>
+                      </a:r>
+                      <a:endParaRPr lang="en-US" sz="1200">
+                        <a:effectLst/>
+                        <a:latin typeface="Helvetica" panose="020B0604020202020204" pitchFamily="34" charset="0"/>
+                        <a:ea typeface="Arial Unicode MS"/>
+                        <a:cs typeface="Times New Roman" panose="02020603050405020304" pitchFamily="18" charset="0"/>
+                      </a:endParaRPr>
+                    </a:p>
+                  </a:txBody>
+                  <a:tcPr marL="68580" marR="68580" marT="0" marB="0" anchor="b"/>
+                </a:tc>
+                <a:tc>
+                  <a:txBody>
+                    <a:bodyPr/>
+                    <a:lstStyle/>
+                    <a:p>
+                      <a:pPr marL="0" marR="0" algn="r">
+                        <a:spcBef>
+                          <a:spcPts val="0"/>
+                        </a:spcBef>
+                        <a:spcAft>
+                          <a:spcPts val="0"/>
+                        </a:spcAft>
+                      </a:pPr>
+                      <a:r>
+                        <a:rPr lang="en-US" sz="1100">
+                          <a:solidFill>
+                            <a:srgbClr val="000000"/>
+                          </a:solidFill>
+                          <a:effectLst/>
+                          <a:latin typeface="Calibri" panose="020F0502020204030204" pitchFamily="34" charset="0"/>
+                          <a:ea typeface="Times New Roman" panose="02020603050405020304" pitchFamily="18" charset="0"/>
+                          <a:cs typeface="Times New Roman" panose="02020603050405020304" pitchFamily="18" charset="0"/>
+                        </a:rPr>
+                        <a:t>490.279</a:t>
+                      </a:r>
+                      <a:endParaRPr lang="en-US" sz="1200">
+                        <a:effectLst/>
+                        <a:latin typeface="Helvetica" panose="020B0604020202020204" pitchFamily="34" charset="0"/>
+                        <a:ea typeface="Arial Unicode MS"/>
+                        <a:cs typeface="Times New Roman" panose="02020603050405020304" pitchFamily="18" charset="0"/>
+                      </a:endParaRPr>
+                    </a:p>
+                  </a:txBody>
+                  <a:tcPr marL="68580" marR="68580" marT="0" marB="0" anchor="b"/>
+                </a:tc>
+                <a:extLst>
+                  <a:ext uri="{0D108BD9-81ED-4DB2-BD59-A6C34878D82A}">
+                    <a16:rowId xmlns:a16="http://schemas.microsoft.com/office/drawing/2014/main" val="1879391807"/>
+                  </a:ext>
+                </a:extLst>
+              </a:tr>
+              <a:tr h="266700">
+                <a:tc>
+                  <a:txBody>
+                    <a:bodyPr/>
+                    <a:lstStyle/>
+                    <a:p>
+                      <a:pPr marL="0" marR="0" algn="r">
+                        <a:spcBef>
+                          <a:spcPts val="0"/>
+                        </a:spcBef>
+                        <a:spcAft>
+                          <a:spcPts val="0"/>
+                        </a:spcAft>
+                      </a:pPr>
+                      <a:r>
+                        <a:rPr lang="en-US" sz="1100" b="0" dirty="0">
+                          <a:solidFill>
+                            <a:srgbClr val="000000"/>
+                          </a:solidFill>
+                          <a:effectLst/>
+                          <a:latin typeface="Calibri" panose="020F0502020204030204" pitchFamily="34" charset="0"/>
+                          <a:ea typeface="Times New Roman" panose="02020603050405020304" pitchFamily="18" charset="0"/>
+                          <a:cs typeface="Times New Roman" panose="02020603050405020304" pitchFamily="18" charset="0"/>
+                        </a:rPr>
+                        <a:t>1</a:t>
+                      </a:r>
+                      <a:endParaRPr lang="en-US" sz="1200" b="0" dirty="0">
+                        <a:effectLst/>
+                        <a:latin typeface="Helvetica" panose="020B0604020202020204" pitchFamily="34" charset="0"/>
+                        <a:ea typeface="Arial Unicode MS"/>
+                        <a:cs typeface="Times New Roman" panose="02020603050405020304" pitchFamily="18" charset="0"/>
+                      </a:endParaRPr>
+                    </a:p>
+                  </a:txBody>
+                  <a:tcPr marL="68580" marR="68580" marT="0" marB="0" anchor="b"/>
+                </a:tc>
+                <a:tc>
+                  <a:txBody>
+                    <a:bodyPr/>
+                    <a:lstStyle/>
+                    <a:p>
+                      <a:pPr marL="0" marR="0" algn="r">
+                        <a:spcBef>
+                          <a:spcPts val="0"/>
+                        </a:spcBef>
+                        <a:spcAft>
+                          <a:spcPts val="0"/>
+                        </a:spcAft>
+                      </a:pPr>
+                      <a:r>
+                        <a:rPr lang="en-US" sz="1100" dirty="0">
+                          <a:solidFill>
+                            <a:srgbClr val="000000"/>
+                          </a:solidFill>
+                          <a:effectLst/>
+                          <a:latin typeface="Calibri" panose="020F0502020204030204" pitchFamily="34" charset="0"/>
+                          <a:ea typeface="Times New Roman" panose="02020603050405020304" pitchFamily="18" charset="0"/>
+                          <a:cs typeface="Times New Roman" panose="02020603050405020304" pitchFamily="18" charset="0"/>
+                        </a:rPr>
+                        <a:t>0.006</a:t>
+                      </a:r>
+                      <a:endParaRPr lang="en-US" sz="1200" dirty="0">
+                        <a:effectLst/>
+                        <a:latin typeface="Helvetica" panose="020B0604020202020204" pitchFamily="34" charset="0"/>
+                        <a:ea typeface="Arial Unicode MS"/>
+                        <a:cs typeface="Times New Roman" panose="02020603050405020304" pitchFamily="18" charset="0"/>
+                      </a:endParaRPr>
+                    </a:p>
+                  </a:txBody>
+                  <a:tcPr marL="68580" marR="68580" marT="0" marB="0" anchor="b"/>
+                </a:tc>
+                <a:tc>
+                  <a:txBody>
+                    <a:bodyPr/>
+                    <a:lstStyle/>
+                    <a:p>
+                      <a:pPr marL="0" marR="0" algn="r">
+                        <a:spcBef>
+                          <a:spcPts val="0"/>
+                        </a:spcBef>
+                        <a:spcAft>
+                          <a:spcPts val="0"/>
+                        </a:spcAft>
+                      </a:pPr>
+                      <a:r>
+                        <a:rPr lang="en-US" sz="1100">
+                          <a:solidFill>
+                            <a:srgbClr val="000000"/>
+                          </a:solidFill>
+                          <a:effectLst/>
+                          <a:latin typeface="Calibri" panose="020F0502020204030204" pitchFamily="34" charset="0"/>
+                          <a:ea typeface="Times New Roman" panose="02020603050405020304" pitchFamily="18" charset="0"/>
+                          <a:cs typeface="Times New Roman" panose="02020603050405020304" pitchFamily="18" charset="0"/>
+                        </a:rPr>
+                        <a:t>0.04</a:t>
+                      </a:r>
+                      <a:endParaRPr lang="en-US" sz="1200">
+                        <a:effectLst/>
+                        <a:latin typeface="Helvetica" panose="020B0604020202020204" pitchFamily="34" charset="0"/>
+                        <a:ea typeface="Arial Unicode MS"/>
+                        <a:cs typeface="Times New Roman" panose="02020603050405020304" pitchFamily="18" charset="0"/>
+                      </a:endParaRPr>
+                    </a:p>
+                  </a:txBody>
+                  <a:tcPr marL="68580" marR="68580" marT="0" marB="0" anchor="b"/>
+                </a:tc>
+                <a:tc>
+                  <a:txBody>
+                    <a:bodyPr/>
+                    <a:lstStyle/>
+                    <a:p>
+                      <a:pPr marL="0" marR="0" algn="r">
+                        <a:spcBef>
+                          <a:spcPts val="0"/>
+                        </a:spcBef>
+                        <a:spcAft>
+                          <a:spcPts val="0"/>
+                        </a:spcAft>
+                      </a:pPr>
+                      <a:r>
+                        <a:rPr lang="en-US" sz="1100">
+                          <a:solidFill>
+                            <a:srgbClr val="000000"/>
+                          </a:solidFill>
+                          <a:effectLst/>
+                          <a:latin typeface="Calibri" panose="020F0502020204030204" pitchFamily="34" charset="0"/>
+                          <a:ea typeface="Times New Roman" panose="02020603050405020304" pitchFamily="18" charset="0"/>
+                          <a:cs typeface="Times New Roman" panose="02020603050405020304" pitchFamily="18" charset="0"/>
+                        </a:rPr>
+                        <a:t>0.89</a:t>
+                      </a:r>
+                      <a:endParaRPr lang="en-US" sz="1200">
+                        <a:effectLst/>
+                        <a:latin typeface="Helvetica" panose="020B0604020202020204" pitchFamily="34" charset="0"/>
+                        <a:ea typeface="Arial Unicode MS"/>
+                        <a:cs typeface="Times New Roman" panose="02020603050405020304" pitchFamily="18" charset="0"/>
+                      </a:endParaRPr>
+                    </a:p>
+                  </a:txBody>
+                  <a:tcPr marL="68580" marR="68580" marT="0" marB="0" anchor="b"/>
+                </a:tc>
+                <a:tc>
+                  <a:txBody>
+                    <a:bodyPr/>
+                    <a:lstStyle/>
+                    <a:p>
+                      <a:pPr marL="0" marR="0" algn="r">
+                        <a:spcBef>
+                          <a:spcPts val="0"/>
+                        </a:spcBef>
+                        <a:spcAft>
+                          <a:spcPts val="0"/>
+                        </a:spcAft>
+                      </a:pPr>
+                      <a:r>
+                        <a:rPr lang="en-US" sz="1100">
+                          <a:solidFill>
+                            <a:srgbClr val="000000"/>
+                          </a:solidFill>
+                          <a:effectLst/>
+                          <a:latin typeface="Calibri" panose="020F0502020204030204" pitchFamily="34" charset="0"/>
+                          <a:ea typeface="Times New Roman" panose="02020603050405020304" pitchFamily="18" charset="0"/>
+                          <a:cs typeface="Times New Roman" panose="02020603050405020304" pitchFamily="18" charset="0"/>
+                        </a:rPr>
+                        <a:t>488.994</a:t>
+                      </a:r>
+                      <a:endParaRPr lang="en-US" sz="1200">
+                        <a:effectLst/>
+                        <a:latin typeface="Helvetica" panose="020B0604020202020204" pitchFamily="34" charset="0"/>
+                        <a:ea typeface="Arial Unicode MS"/>
+                        <a:cs typeface="Times New Roman" panose="02020603050405020304" pitchFamily="18" charset="0"/>
+                      </a:endParaRPr>
+                    </a:p>
+                  </a:txBody>
+                  <a:tcPr marL="68580" marR="68580" marT="0" marB="0" anchor="b"/>
+                </a:tc>
+                <a:extLst>
+                  <a:ext uri="{0D108BD9-81ED-4DB2-BD59-A6C34878D82A}">
+                    <a16:rowId xmlns:a16="http://schemas.microsoft.com/office/drawing/2014/main" val="2280899627"/>
+                  </a:ext>
+                </a:extLst>
+              </a:tr>
+              <a:tr h="266700">
+                <a:tc>
+                  <a:txBody>
+                    <a:bodyPr/>
+                    <a:lstStyle/>
+                    <a:p>
+                      <a:pPr marL="0" marR="0" algn="r">
+                        <a:spcBef>
+                          <a:spcPts val="0"/>
+                        </a:spcBef>
+                        <a:spcAft>
+                          <a:spcPts val="0"/>
+                        </a:spcAft>
+                      </a:pPr>
+                      <a:r>
+                        <a:rPr lang="en-US" sz="1100" b="0" dirty="0">
+                          <a:solidFill>
+                            <a:srgbClr val="000000"/>
+                          </a:solidFill>
+                          <a:effectLst/>
+                          <a:latin typeface="Calibri" panose="020F0502020204030204" pitchFamily="34" charset="0"/>
+                          <a:ea typeface="Times New Roman" panose="02020603050405020304" pitchFamily="18" charset="0"/>
+                          <a:cs typeface="Times New Roman" panose="02020603050405020304" pitchFamily="18" charset="0"/>
+                        </a:rPr>
+                        <a:t>1</a:t>
+                      </a:r>
+                      <a:endParaRPr lang="en-US" sz="1200" b="0" dirty="0">
+                        <a:effectLst/>
+                        <a:latin typeface="Helvetica" panose="020B0604020202020204" pitchFamily="34" charset="0"/>
+                        <a:ea typeface="Arial Unicode MS"/>
+                        <a:cs typeface="Times New Roman" panose="02020603050405020304" pitchFamily="18" charset="0"/>
+                      </a:endParaRPr>
+                    </a:p>
+                  </a:txBody>
+                  <a:tcPr marL="68580" marR="68580" marT="0" marB="0" anchor="b"/>
+                </a:tc>
+                <a:tc>
+                  <a:txBody>
+                    <a:bodyPr/>
+                    <a:lstStyle/>
+                    <a:p>
+                      <a:pPr marL="0" marR="0" algn="r">
+                        <a:spcBef>
+                          <a:spcPts val="0"/>
+                        </a:spcBef>
+                        <a:spcAft>
+                          <a:spcPts val="0"/>
+                        </a:spcAft>
+                      </a:pPr>
+                      <a:r>
+                        <a:rPr lang="en-US" sz="1100" dirty="0">
+                          <a:solidFill>
+                            <a:srgbClr val="000000"/>
+                          </a:solidFill>
+                          <a:effectLst/>
+                          <a:latin typeface="Calibri" panose="020F0502020204030204" pitchFamily="34" charset="0"/>
+                          <a:ea typeface="Times New Roman" panose="02020603050405020304" pitchFamily="18" charset="0"/>
+                          <a:cs typeface="Times New Roman" panose="02020603050405020304" pitchFamily="18" charset="0"/>
+                        </a:rPr>
+                        <a:t>0.006</a:t>
+                      </a:r>
+                      <a:endParaRPr lang="en-US" sz="1200" dirty="0">
+                        <a:effectLst/>
+                        <a:latin typeface="Helvetica" panose="020B0604020202020204" pitchFamily="34" charset="0"/>
+                        <a:ea typeface="Arial Unicode MS"/>
+                        <a:cs typeface="Times New Roman" panose="02020603050405020304" pitchFamily="18" charset="0"/>
+                      </a:endParaRPr>
+                    </a:p>
+                  </a:txBody>
+                  <a:tcPr marL="68580" marR="68580" marT="0" marB="0" anchor="b"/>
+                </a:tc>
+                <a:tc>
+                  <a:txBody>
+                    <a:bodyPr/>
+                    <a:lstStyle/>
+                    <a:p>
+                      <a:pPr marL="0" marR="0" algn="r">
+                        <a:spcBef>
+                          <a:spcPts val="0"/>
+                        </a:spcBef>
+                        <a:spcAft>
+                          <a:spcPts val="0"/>
+                        </a:spcAft>
+                      </a:pPr>
+                      <a:r>
+                        <a:rPr lang="en-US" sz="1100" dirty="0">
+                          <a:solidFill>
+                            <a:srgbClr val="000000"/>
+                          </a:solidFill>
+                          <a:effectLst/>
+                          <a:latin typeface="Calibri" panose="020F0502020204030204" pitchFamily="34" charset="0"/>
+                          <a:ea typeface="Times New Roman" panose="02020603050405020304" pitchFamily="18" charset="0"/>
+                          <a:cs typeface="Times New Roman" panose="02020603050405020304" pitchFamily="18" charset="0"/>
+                        </a:rPr>
+                        <a:t>0.032</a:t>
+                      </a:r>
+                      <a:endParaRPr lang="en-US" sz="1200" dirty="0">
+                        <a:effectLst/>
+                        <a:latin typeface="Helvetica" panose="020B0604020202020204" pitchFamily="34" charset="0"/>
+                        <a:ea typeface="Arial Unicode MS"/>
+                        <a:cs typeface="Times New Roman" panose="02020603050405020304" pitchFamily="18" charset="0"/>
+                      </a:endParaRPr>
+                    </a:p>
+                  </a:txBody>
+                  <a:tcPr marL="68580" marR="68580" marT="0" marB="0" anchor="b"/>
+                </a:tc>
+                <a:tc>
+                  <a:txBody>
+                    <a:bodyPr/>
+                    <a:lstStyle/>
+                    <a:p>
+                      <a:pPr marL="0" marR="0" algn="r">
+                        <a:spcBef>
+                          <a:spcPts val="0"/>
+                        </a:spcBef>
+                        <a:spcAft>
+                          <a:spcPts val="0"/>
+                        </a:spcAft>
+                      </a:pPr>
+                      <a:r>
+                        <a:rPr lang="en-US" sz="1100">
+                          <a:solidFill>
+                            <a:srgbClr val="000000"/>
+                          </a:solidFill>
+                          <a:effectLst/>
+                          <a:latin typeface="Calibri" panose="020F0502020204030204" pitchFamily="34" charset="0"/>
+                          <a:ea typeface="Times New Roman" panose="02020603050405020304" pitchFamily="18" charset="0"/>
+                          <a:cs typeface="Times New Roman" panose="02020603050405020304" pitchFamily="18" charset="0"/>
+                        </a:rPr>
+                        <a:t>0.854</a:t>
+                      </a:r>
+                      <a:endParaRPr lang="en-US" sz="1200">
+                        <a:effectLst/>
+                        <a:latin typeface="Helvetica" panose="020B0604020202020204" pitchFamily="34" charset="0"/>
+                        <a:ea typeface="Arial Unicode MS"/>
+                        <a:cs typeface="Times New Roman" panose="02020603050405020304" pitchFamily="18" charset="0"/>
+                      </a:endParaRPr>
+                    </a:p>
+                  </a:txBody>
+                  <a:tcPr marL="68580" marR="68580" marT="0" marB="0" anchor="b"/>
+                </a:tc>
+                <a:tc>
+                  <a:txBody>
+                    <a:bodyPr/>
+                    <a:lstStyle/>
+                    <a:p>
+                      <a:pPr marL="0" marR="0" algn="r">
+                        <a:spcBef>
+                          <a:spcPts val="0"/>
+                        </a:spcBef>
+                        <a:spcAft>
+                          <a:spcPts val="0"/>
+                        </a:spcAft>
+                      </a:pPr>
+                      <a:r>
+                        <a:rPr lang="en-US" sz="1100">
+                          <a:solidFill>
+                            <a:srgbClr val="000000"/>
+                          </a:solidFill>
+                          <a:effectLst/>
+                          <a:latin typeface="Calibri" panose="020F0502020204030204" pitchFamily="34" charset="0"/>
+                          <a:ea typeface="Times New Roman" panose="02020603050405020304" pitchFamily="18" charset="0"/>
+                          <a:cs typeface="Times New Roman" panose="02020603050405020304" pitchFamily="18" charset="0"/>
+                        </a:rPr>
+                        <a:t>488.303</a:t>
+                      </a:r>
+                      <a:endParaRPr lang="en-US" sz="1200">
+                        <a:effectLst/>
+                        <a:latin typeface="Helvetica" panose="020B0604020202020204" pitchFamily="34" charset="0"/>
+                        <a:ea typeface="Arial Unicode MS"/>
+                        <a:cs typeface="Times New Roman" panose="02020603050405020304" pitchFamily="18" charset="0"/>
+                      </a:endParaRPr>
+                    </a:p>
+                  </a:txBody>
+                  <a:tcPr marL="68580" marR="68580" marT="0" marB="0" anchor="b"/>
+                </a:tc>
+                <a:extLst>
+                  <a:ext uri="{0D108BD9-81ED-4DB2-BD59-A6C34878D82A}">
+                    <a16:rowId xmlns:a16="http://schemas.microsoft.com/office/drawing/2014/main" val="3616183547"/>
+                  </a:ext>
+                </a:extLst>
+              </a:tr>
+              <a:tr h="266700">
+                <a:tc>
+                  <a:txBody>
+                    <a:bodyPr/>
+                    <a:lstStyle/>
+                    <a:p>
+                      <a:pPr marL="0" marR="0" algn="r">
+                        <a:spcBef>
+                          <a:spcPts val="0"/>
+                        </a:spcBef>
+                        <a:spcAft>
+                          <a:spcPts val="0"/>
+                        </a:spcAft>
+                      </a:pPr>
+                      <a:r>
+                        <a:rPr lang="en-US" sz="1100" b="0" dirty="0">
+                          <a:solidFill>
+                            <a:srgbClr val="000000"/>
+                          </a:solidFill>
+                          <a:effectLst/>
+                          <a:latin typeface="Calibri" panose="020F0502020204030204" pitchFamily="34" charset="0"/>
+                          <a:ea typeface="Times New Roman" panose="02020603050405020304" pitchFamily="18" charset="0"/>
+                          <a:cs typeface="Times New Roman" panose="02020603050405020304" pitchFamily="18" charset="0"/>
+                        </a:rPr>
+                        <a:t>1</a:t>
+                      </a:r>
+                      <a:endParaRPr lang="en-US" sz="1200" b="0" dirty="0">
+                        <a:effectLst/>
+                        <a:latin typeface="Helvetica" panose="020B0604020202020204" pitchFamily="34" charset="0"/>
+                        <a:ea typeface="Arial Unicode MS"/>
+                        <a:cs typeface="Times New Roman" panose="02020603050405020304" pitchFamily="18" charset="0"/>
+                      </a:endParaRPr>
+                    </a:p>
+                  </a:txBody>
+                  <a:tcPr marL="68580" marR="68580" marT="0" marB="0" anchor="b"/>
+                </a:tc>
+                <a:tc>
+                  <a:txBody>
+                    <a:bodyPr/>
+                    <a:lstStyle/>
+                    <a:p>
+                      <a:pPr marL="0" marR="0" algn="r">
+                        <a:spcBef>
+                          <a:spcPts val="0"/>
+                        </a:spcBef>
+                        <a:spcAft>
+                          <a:spcPts val="0"/>
+                        </a:spcAft>
+                      </a:pPr>
+                      <a:r>
+                        <a:rPr lang="en-US" sz="1100">
+                          <a:solidFill>
+                            <a:srgbClr val="000000"/>
+                          </a:solidFill>
+                          <a:effectLst/>
+                          <a:latin typeface="Calibri" panose="020F0502020204030204" pitchFamily="34" charset="0"/>
+                          <a:ea typeface="Times New Roman" panose="02020603050405020304" pitchFamily="18" charset="0"/>
+                          <a:cs typeface="Times New Roman" panose="02020603050405020304" pitchFamily="18" charset="0"/>
+                        </a:rPr>
+                        <a:t>0.007</a:t>
+                      </a:r>
+                      <a:endParaRPr lang="en-US" sz="1200">
+                        <a:effectLst/>
+                        <a:latin typeface="Helvetica" panose="020B0604020202020204" pitchFamily="34" charset="0"/>
+                        <a:ea typeface="Arial Unicode MS"/>
+                        <a:cs typeface="Times New Roman" panose="02020603050405020304" pitchFamily="18" charset="0"/>
+                      </a:endParaRPr>
+                    </a:p>
+                  </a:txBody>
+                  <a:tcPr marL="68580" marR="68580" marT="0" marB="0" anchor="b"/>
+                </a:tc>
+                <a:tc>
+                  <a:txBody>
+                    <a:bodyPr/>
+                    <a:lstStyle/>
+                    <a:p>
+                      <a:pPr marL="0" marR="0" algn="r">
+                        <a:spcBef>
+                          <a:spcPts val="0"/>
+                        </a:spcBef>
+                        <a:spcAft>
+                          <a:spcPts val="0"/>
+                        </a:spcAft>
+                      </a:pPr>
+                      <a:r>
+                        <a:rPr lang="en-US" sz="1100" dirty="0">
+                          <a:solidFill>
+                            <a:srgbClr val="000000"/>
+                          </a:solidFill>
+                          <a:effectLst/>
+                          <a:latin typeface="Calibri" panose="020F0502020204030204" pitchFamily="34" charset="0"/>
+                          <a:ea typeface="Times New Roman" panose="02020603050405020304" pitchFamily="18" charset="0"/>
+                          <a:cs typeface="Times New Roman" panose="02020603050405020304" pitchFamily="18" charset="0"/>
+                        </a:rPr>
+                        <a:t>0.043</a:t>
+                      </a:r>
+                      <a:endParaRPr lang="en-US" sz="1200" dirty="0">
+                        <a:effectLst/>
+                        <a:latin typeface="Helvetica" panose="020B0604020202020204" pitchFamily="34" charset="0"/>
+                        <a:ea typeface="Arial Unicode MS"/>
+                        <a:cs typeface="Times New Roman" panose="02020603050405020304" pitchFamily="18" charset="0"/>
+                      </a:endParaRPr>
+                    </a:p>
+                  </a:txBody>
+                  <a:tcPr marL="68580" marR="68580" marT="0" marB="0" anchor="b"/>
+                </a:tc>
+                <a:tc>
+                  <a:txBody>
+                    <a:bodyPr/>
+                    <a:lstStyle/>
+                    <a:p>
+                      <a:pPr marL="0" marR="0" algn="r">
+                        <a:spcBef>
+                          <a:spcPts val="0"/>
+                        </a:spcBef>
+                        <a:spcAft>
+                          <a:spcPts val="0"/>
+                        </a:spcAft>
+                      </a:pPr>
+                      <a:r>
+                        <a:rPr lang="en-US" sz="1100" dirty="0">
+                          <a:solidFill>
+                            <a:srgbClr val="000000"/>
+                          </a:solidFill>
+                          <a:effectLst/>
+                          <a:latin typeface="Calibri" panose="020F0502020204030204" pitchFamily="34" charset="0"/>
+                          <a:ea typeface="Times New Roman" panose="02020603050405020304" pitchFamily="18" charset="0"/>
+                          <a:cs typeface="Times New Roman" panose="02020603050405020304" pitchFamily="18" charset="0"/>
+                        </a:rPr>
+                        <a:t>0.837</a:t>
+                      </a:r>
+                      <a:endParaRPr lang="en-US" sz="1200" dirty="0">
+                        <a:effectLst/>
+                        <a:latin typeface="Helvetica" panose="020B0604020202020204" pitchFamily="34" charset="0"/>
+                        <a:ea typeface="Arial Unicode MS"/>
+                        <a:cs typeface="Times New Roman" panose="02020603050405020304" pitchFamily="18" charset="0"/>
+                      </a:endParaRPr>
+                    </a:p>
+                  </a:txBody>
+                  <a:tcPr marL="68580" marR="68580" marT="0" marB="0" anchor="b"/>
+                </a:tc>
+                <a:tc>
+                  <a:txBody>
+                    <a:bodyPr/>
+                    <a:lstStyle/>
+                    <a:p>
+                      <a:pPr marL="0" marR="0" algn="r">
+                        <a:spcBef>
+                          <a:spcPts val="0"/>
+                        </a:spcBef>
+                        <a:spcAft>
+                          <a:spcPts val="0"/>
+                        </a:spcAft>
+                      </a:pPr>
+                      <a:r>
+                        <a:rPr lang="en-US" sz="1100" dirty="0">
+                          <a:solidFill>
+                            <a:srgbClr val="000000"/>
+                          </a:solidFill>
+                          <a:effectLst/>
+                          <a:latin typeface="Calibri" panose="020F0502020204030204" pitchFamily="34" charset="0"/>
+                          <a:ea typeface="Times New Roman" panose="02020603050405020304" pitchFamily="18" charset="0"/>
+                          <a:cs typeface="Times New Roman" panose="02020603050405020304" pitchFamily="18" charset="0"/>
+                        </a:rPr>
+                        <a:t>485.735</a:t>
+                      </a:r>
+                      <a:endParaRPr lang="en-US" sz="1200" dirty="0">
+                        <a:effectLst/>
+                        <a:latin typeface="Helvetica" panose="020B0604020202020204" pitchFamily="34" charset="0"/>
+                        <a:ea typeface="Arial Unicode MS"/>
+                        <a:cs typeface="Times New Roman" panose="02020603050405020304" pitchFamily="18" charset="0"/>
+                      </a:endParaRPr>
+                    </a:p>
+                  </a:txBody>
+                  <a:tcPr marL="68580" marR="68580" marT="0" marB="0" anchor="b"/>
+                </a:tc>
+                <a:extLst>
+                  <a:ext uri="{0D108BD9-81ED-4DB2-BD59-A6C34878D82A}">
+                    <a16:rowId xmlns:a16="http://schemas.microsoft.com/office/drawing/2014/main" val="2563498567"/>
+                  </a:ext>
+                </a:extLst>
+              </a:tr>
+              <a:tr h="266700">
+                <a:tc>
+                  <a:txBody>
+                    <a:bodyPr/>
+                    <a:lstStyle/>
+                    <a:p>
+                      <a:pPr marL="0" marR="0" algn="r">
+                        <a:spcBef>
+                          <a:spcPts val="0"/>
+                        </a:spcBef>
+                        <a:spcAft>
+                          <a:spcPts val="0"/>
+                        </a:spcAft>
+                      </a:pPr>
+                      <a:r>
+                        <a:rPr lang="en-US" sz="1100" b="0" dirty="0">
+                          <a:solidFill>
+                            <a:srgbClr val="000000"/>
+                          </a:solidFill>
+                          <a:effectLst/>
+                          <a:latin typeface="Calibri" panose="020F0502020204030204" pitchFamily="34" charset="0"/>
+                          <a:ea typeface="Times New Roman" panose="02020603050405020304" pitchFamily="18" charset="0"/>
+                          <a:cs typeface="Times New Roman" panose="02020603050405020304" pitchFamily="18" charset="0"/>
+                        </a:rPr>
+                        <a:t>1</a:t>
+                      </a:r>
+                      <a:endParaRPr lang="en-US" sz="1200" b="0" dirty="0">
+                        <a:effectLst/>
+                        <a:latin typeface="Helvetica" panose="020B0604020202020204" pitchFamily="34" charset="0"/>
+                        <a:ea typeface="Arial Unicode MS"/>
+                        <a:cs typeface="Times New Roman" panose="02020603050405020304" pitchFamily="18" charset="0"/>
+                      </a:endParaRPr>
+                    </a:p>
+                  </a:txBody>
+                  <a:tcPr marL="68580" marR="68580" marT="0" marB="0" anchor="b"/>
+                </a:tc>
+                <a:tc>
+                  <a:txBody>
+                    <a:bodyPr/>
+                    <a:lstStyle/>
+                    <a:p>
+                      <a:pPr marL="0" marR="0" algn="r">
+                        <a:spcBef>
+                          <a:spcPts val="0"/>
+                        </a:spcBef>
+                        <a:spcAft>
+                          <a:spcPts val="0"/>
+                        </a:spcAft>
+                      </a:pPr>
+                      <a:r>
+                        <a:rPr lang="en-US" sz="1100">
+                          <a:solidFill>
+                            <a:srgbClr val="000000"/>
+                          </a:solidFill>
+                          <a:effectLst/>
+                          <a:latin typeface="Calibri" panose="020F0502020204030204" pitchFamily="34" charset="0"/>
+                          <a:ea typeface="Times New Roman" panose="02020603050405020304" pitchFamily="18" charset="0"/>
+                          <a:cs typeface="Times New Roman" panose="02020603050405020304" pitchFamily="18" charset="0"/>
+                        </a:rPr>
+                        <a:t>0.007</a:t>
+                      </a:r>
+                      <a:endParaRPr lang="en-US" sz="1200">
+                        <a:effectLst/>
+                        <a:latin typeface="Helvetica" panose="020B0604020202020204" pitchFamily="34" charset="0"/>
+                        <a:ea typeface="Arial Unicode MS"/>
+                        <a:cs typeface="Times New Roman" panose="02020603050405020304" pitchFamily="18" charset="0"/>
+                      </a:endParaRPr>
+                    </a:p>
+                  </a:txBody>
+                  <a:tcPr marL="68580" marR="68580" marT="0" marB="0" anchor="b"/>
+                </a:tc>
+                <a:tc>
+                  <a:txBody>
+                    <a:bodyPr/>
+                    <a:lstStyle/>
+                    <a:p>
+                      <a:pPr marL="0" marR="0" algn="r">
+                        <a:spcBef>
+                          <a:spcPts val="0"/>
+                        </a:spcBef>
+                        <a:spcAft>
+                          <a:spcPts val="0"/>
+                        </a:spcAft>
+                      </a:pPr>
+                      <a:r>
+                        <a:rPr lang="en-US" sz="1100">
+                          <a:solidFill>
+                            <a:srgbClr val="000000"/>
+                          </a:solidFill>
+                          <a:effectLst/>
+                          <a:latin typeface="Calibri" panose="020F0502020204030204" pitchFamily="34" charset="0"/>
+                          <a:ea typeface="Times New Roman" panose="02020603050405020304" pitchFamily="18" charset="0"/>
+                          <a:cs typeface="Times New Roman" panose="02020603050405020304" pitchFamily="18" charset="0"/>
+                        </a:rPr>
+                        <a:t>0.021</a:t>
+                      </a:r>
+                      <a:endParaRPr lang="en-US" sz="1200">
+                        <a:effectLst/>
+                        <a:latin typeface="Helvetica" panose="020B0604020202020204" pitchFamily="34" charset="0"/>
+                        <a:ea typeface="Arial Unicode MS"/>
+                        <a:cs typeface="Times New Roman" panose="02020603050405020304" pitchFamily="18" charset="0"/>
+                      </a:endParaRPr>
+                    </a:p>
+                  </a:txBody>
+                  <a:tcPr marL="68580" marR="68580" marT="0" marB="0" anchor="b"/>
+                </a:tc>
+                <a:tc>
+                  <a:txBody>
+                    <a:bodyPr/>
+                    <a:lstStyle/>
+                    <a:p>
+                      <a:pPr marL="0" marR="0" algn="r">
+                        <a:spcBef>
+                          <a:spcPts val="0"/>
+                        </a:spcBef>
+                        <a:spcAft>
+                          <a:spcPts val="0"/>
+                        </a:spcAft>
+                      </a:pPr>
+                      <a:r>
+                        <a:rPr lang="en-US" sz="1100">
+                          <a:solidFill>
+                            <a:srgbClr val="000000"/>
+                          </a:solidFill>
+                          <a:effectLst/>
+                          <a:latin typeface="Calibri" panose="020F0502020204030204" pitchFamily="34" charset="0"/>
+                          <a:ea typeface="Times New Roman" panose="02020603050405020304" pitchFamily="18" charset="0"/>
+                          <a:cs typeface="Times New Roman" panose="02020603050405020304" pitchFamily="18" charset="0"/>
+                        </a:rPr>
+                        <a:t>0.35</a:t>
+                      </a:r>
+                      <a:endParaRPr lang="en-US" sz="1200">
+                        <a:effectLst/>
+                        <a:latin typeface="Helvetica" panose="020B0604020202020204" pitchFamily="34" charset="0"/>
+                        <a:ea typeface="Arial Unicode MS"/>
+                        <a:cs typeface="Times New Roman" panose="02020603050405020304" pitchFamily="18" charset="0"/>
+                      </a:endParaRPr>
+                    </a:p>
+                  </a:txBody>
+                  <a:tcPr marL="68580" marR="68580" marT="0" marB="0" anchor="b"/>
+                </a:tc>
+                <a:tc>
+                  <a:txBody>
+                    <a:bodyPr/>
+                    <a:lstStyle/>
+                    <a:p>
+                      <a:pPr marL="0" marR="0" algn="r">
+                        <a:spcBef>
+                          <a:spcPts val="0"/>
+                        </a:spcBef>
+                        <a:spcAft>
+                          <a:spcPts val="0"/>
+                        </a:spcAft>
+                      </a:pPr>
+                      <a:r>
+                        <a:rPr lang="en-US" sz="1100" dirty="0">
+                          <a:solidFill>
+                            <a:srgbClr val="000000"/>
+                          </a:solidFill>
+                          <a:effectLst/>
+                          <a:latin typeface="Calibri" panose="020F0502020204030204" pitchFamily="34" charset="0"/>
+                          <a:ea typeface="Times New Roman" panose="02020603050405020304" pitchFamily="18" charset="0"/>
+                          <a:cs typeface="Times New Roman" panose="02020603050405020304" pitchFamily="18" charset="0"/>
+                        </a:rPr>
+                        <a:t>485.472</a:t>
+                      </a:r>
+                      <a:endParaRPr lang="en-US" sz="1200" dirty="0">
+                        <a:effectLst/>
+                        <a:latin typeface="Helvetica" panose="020B0604020202020204" pitchFamily="34" charset="0"/>
+                        <a:ea typeface="Arial Unicode MS"/>
+                        <a:cs typeface="Times New Roman" panose="02020603050405020304" pitchFamily="18" charset="0"/>
+                      </a:endParaRPr>
+                    </a:p>
+                  </a:txBody>
+                  <a:tcPr marL="68580" marR="68580" marT="0" marB="0" anchor="b"/>
+                </a:tc>
+                <a:extLst>
+                  <a:ext uri="{0D108BD9-81ED-4DB2-BD59-A6C34878D82A}">
+                    <a16:rowId xmlns:a16="http://schemas.microsoft.com/office/drawing/2014/main" val="2911062223"/>
+                  </a:ext>
+                </a:extLst>
+              </a:tr>
+            </a:tbl>
+          </a:graphicData>
+        </a:graphic>
+      </p:graphicFrame>
+      <p:pic>
+        <p:nvPicPr>
+          <p:cNvPr id="8" name="Picture 7">
+            <a:extLst>
+              <a:ext uri="{FF2B5EF4-FFF2-40B4-BE49-F238E27FC236}">
+                <a16:creationId xmlns:a16="http://schemas.microsoft.com/office/drawing/2014/main" id="{59568C15-0B3F-4F5B-9EE2-11C21E406D2D}"/>
+              </a:ext>
+            </a:extLst>
+          </p:cNvPr>
+          <p:cNvPicPr/>
+          <p:nvPr/>
+        </p:nvPicPr>
+        <p:blipFill>
+          <a:blip r:embed="rId3"/>
+          <a:stretch>
+            <a:fillRect/>
+          </a:stretch>
+        </p:blipFill>
         <p:spPr>
           <a:xfrm>
-            <a:off x="457200" y="1600201"/>
-            <a:ext cx="8229600" cy="4419600"/>
+            <a:off x="1" y="3626119"/>
+            <a:ext cx="4571998" cy="1864360"/>
           </a:xfrm>
+          <a:prstGeom prst="rect">
+            <a:avLst/>
+          </a:prstGeom>
         </p:spPr>
-        <p:txBody>
-          <a:bodyPr/>
-          <a:lstStyle/>
-          <a:p>
-            <a:endParaRPr lang="en-US" dirty="0"/>
-          </a:p>
-        </p:txBody>
-      </p:sp>
+      </p:pic>
+      <p:pic>
+        <p:nvPicPr>
+          <p:cNvPr id="9" name="Picture 8">
+            <a:extLst>
+              <a:ext uri="{FF2B5EF4-FFF2-40B4-BE49-F238E27FC236}">
+                <a16:creationId xmlns:a16="http://schemas.microsoft.com/office/drawing/2014/main" id="{770DBF18-4007-449E-9C26-A40D19D10D02}"/>
+              </a:ext>
+            </a:extLst>
+          </p:cNvPr>
+          <p:cNvPicPr/>
+          <p:nvPr/>
+        </p:nvPicPr>
+        <p:blipFill>
+          <a:blip r:embed="rId4"/>
+          <a:stretch>
+            <a:fillRect/>
+          </a:stretch>
+        </p:blipFill>
+        <p:spPr>
+          <a:xfrm>
+            <a:off x="4571999" y="3626722"/>
+            <a:ext cx="4571998" cy="1863757"/>
+          </a:xfrm>
+          <a:prstGeom prst="rect">
+            <a:avLst/>
+          </a:prstGeom>
+        </p:spPr>
+      </p:pic>
     </p:spTree>
     <p:extLst>
       <p:ext uri="{BB962C8B-B14F-4D97-AF65-F5344CB8AC3E}">
-        <p14:creationId xmlns:p14="http://schemas.microsoft.com/office/powerpoint/2010/main" val="34706079"/>
+        <p14:creationId xmlns:p14="http://schemas.microsoft.com/office/powerpoint/2010/main" val="2142467029"/>
       </p:ext>
     </p:extLst>
   </p:cSld>
